--- a/GROUP-10.pptx
+++ b/GROUP-10.pptx
@@ -844,7 +844,7 @@
   <p:cSld>
     <p:spTree>
       <p:nvGrpSpPr>
-        <p:cNvPr id="444" name="Shape 444"/>
+        <p:cNvPr id="443" name="Shape 443"/>
         <p:cNvGrpSpPr/>
         <p:nvPr/>
       </p:nvGrpSpPr>
@@ -858,7 +858,7 @@
       </p:grpSpPr>
       <p:sp>
         <p:nvSpPr>
-          <p:cNvPr id="445" name="Google Shape;445;g31e1bf13743_0_600:notes"/>
+          <p:cNvPr id="444" name="Google Shape;444;g31e1bf13743_0_600:notes"/>
           <p:cNvSpPr/>
           <p:nvPr>
             <p:ph idx="2" type="sldImg"/>
@@ -893,7 +893,7 @@
       </p:sp>
       <p:sp>
         <p:nvSpPr>
-          <p:cNvPr id="446" name="Google Shape;446;g31e1bf13743_0_600:notes"/>
+          <p:cNvPr id="445" name="Google Shape;445;g31e1bf13743_0_600:notes"/>
           <p:cNvSpPr txBox="1"/>
           <p:nvPr>
             <p:ph idx="1" type="body"/>
@@ -943,7 +943,7 @@
   <p:cSld>
     <p:spTree>
       <p:nvGrpSpPr>
-        <p:cNvPr id="452" name="Shape 452"/>
+        <p:cNvPr id="451" name="Shape 451"/>
         <p:cNvGrpSpPr/>
         <p:nvPr/>
       </p:nvGrpSpPr>
@@ -957,7 +957,7 @@
       </p:grpSpPr>
       <p:sp>
         <p:nvSpPr>
-          <p:cNvPr id="453" name="Google Shape;453;g31e1bf13743_0_530:notes"/>
+          <p:cNvPr id="452" name="Google Shape;452;g31e1bf13743_0_530:notes"/>
           <p:cNvSpPr/>
           <p:nvPr>
             <p:ph idx="2" type="sldImg"/>
@@ -992,7 +992,7 @@
       </p:sp>
       <p:sp>
         <p:nvSpPr>
-          <p:cNvPr id="454" name="Google Shape;454;g31e1bf13743_0_530:notes"/>
+          <p:cNvPr id="453" name="Google Shape;453;g31e1bf13743_0_530:notes"/>
           <p:cNvSpPr txBox="1"/>
           <p:nvPr>
             <p:ph idx="1" type="body"/>
@@ -1042,7 +1042,7 @@
   <p:cSld>
     <p:spTree>
       <p:nvGrpSpPr>
-        <p:cNvPr id="459" name="Shape 459"/>
+        <p:cNvPr id="458" name="Shape 458"/>
         <p:cNvGrpSpPr/>
         <p:nvPr/>
       </p:nvGrpSpPr>
@@ -1056,7 +1056,7 @@
       </p:grpSpPr>
       <p:sp>
         <p:nvSpPr>
-          <p:cNvPr id="460" name="Google Shape;460;g31e1bf13743_0_539:notes"/>
+          <p:cNvPr id="459" name="Google Shape;459;g31e1bf13743_0_539:notes"/>
           <p:cNvSpPr/>
           <p:nvPr>
             <p:ph idx="2" type="sldImg"/>
@@ -1091,7 +1091,7 @@
       </p:sp>
       <p:sp>
         <p:nvSpPr>
-          <p:cNvPr id="461" name="Google Shape;461;g31e1bf13743_0_539:notes"/>
+          <p:cNvPr id="460" name="Google Shape;460;g31e1bf13743_0_539:notes"/>
           <p:cNvSpPr txBox="1"/>
           <p:nvPr>
             <p:ph idx="1" type="body"/>
@@ -1141,7 +1141,7 @@
   <p:cSld>
     <p:spTree>
       <p:nvGrpSpPr>
-        <p:cNvPr id="468" name="Shape 468"/>
+        <p:cNvPr id="467" name="Shape 467"/>
         <p:cNvGrpSpPr/>
         <p:nvPr/>
       </p:nvGrpSpPr>
@@ -1155,7 +1155,7 @@
       </p:grpSpPr>
       <p:sp>
         <p:nvSpPr>
-          <p:cNvPr id="469" name="Google Shape;469;g31e1bf13743_0_554:notes"/>
+          <p:cNvPr id="468" name="Google Shape;468;g31e1bf13743_0_554:notes"/>
           <p:cNvSpPr/>
           <p:nvPr>
             <p:ph idx="2" type="sldImg"/>
@@ -1190,7 +1190,7 @@
       </p:sp>
       <p:sp>
         <p:nvSpPr>
-          <p:cNvPr id="470" name="Google Shape;470;g31e1bf13743_0_554:notes"/>
+          <p:cNvPr id="469" name="Google Shape;469;g31e1bf13743_0_554:notes"/>
           <p:cNvSpPr txBox="1"/>
           <p:nvPr>
             <p:ph idx="1" type="body"/>
@@ -1240,7 +1240,7 @@
   <p:cSld>
     <p:spTree>
       <p:nvGrpSpPr>
-        <p:cNvPr id="476" name="Shape 476"/>
+        <p:cNvPr id="475" name="Shape 475"/>
         <p:cNvGrpSpPr/>
         <p:nvPr/>
       </p:nvGrpSpPr>
@@ -1254,7 +1254,7 @@
       </p:grpSpPr>
       <p:sp>
         <p:nvSpPr>
-          <p:cNvPr id="477" name="Google Shape;477;g31e1bf13743_0_572:notes"/>
+          <p:cNvPr id="476" name="Google Shape;476;g31e1bf13743_0_572:notes"/>
           <p:cNvSpPr/>
           <p:nvPr>
             <p:ph idx="2" type="sldImg"/>
@@ -1289,7 +1289,7 @@
       </p:sp>
       <p:sp>
         <p:nvSpPr>
-          <p:cNvPr id="478" name="Google Shape;478;g31e1bf13743_0_572:notes"/>
+          <p:cNvPr id="477" name="Google Shape;477;g31e1bf13743_0_572:notes"/>
           <p:cNvSpPr txBox="1"/>
           <p:nvPr>
             <p:ph idx="1" type="body"/>
@@ -1339,7 +1339,7 @@
   <p:cSld>
     <p:spTree>
       <p:nvGrpSpPr>
-        <p:cNvPr id="484" name="Shape 484"/>
+        <p:cNvPr id="483" name="Shape 483"/>
         <p:cNvGrpSpPr/>
         <p:nvPr/>
       </p:nvGrpSpPr>
@@ -1353,7 +1353,7 @@
       </p:grpSpPr>
       <p:sp>
         <p:nvSpPr>
-          <p:cNvPr id="485" name="Google Shape;485;g31e1bf13743_0_582:notes"/>
+          <p:cNvPr id="484" name="Google Shape;484;g31e1bf13743_0_582:notes"/>
           <p:cNvSpPr/>
           <p:nvPr>
             <p:ph idx="2" type="sldImg"/>
@@ -1388,7 +1388,7 @@
       </p:sp>
       <p:sp>
         <p:nvSpPr>
-          <p:cNvPr id="486" name="Google Shape;486;g31e1bf13743_0_582:notes"/>
+          <p:cNvPr id="485" name="Google Shape;485;g31e1bf13743_0_582:notes"/>
           <p:cNvSpPr txBox="1"/>
           <p:nvPr>
             <p:ph idx="1" type="body"/>
@@ -1438,7 +1438,7 @@
   <p:cSld>
     <p:spTree>
       <p:nvGrpSpPr>
-        <p:cNvPr id="492" name="Shape 492"/>
+        <p:cNvPr id="491" name="Shape 491"/>
         <p:cNvGrpSpPr/>
         <p:nvPr/>
       </p:nvGrpSpPr>
@@ -1452,7 +1452,7 @@
       </p:grpSpPr>
       <p:sp>
         <p:nvSpPr>
-          <p:cNvPr id="493" name="Google Shape;493;g31e1bf13743_0_615:notes"/>
+          <p:cNvPr id="492" name="Google Shape;492;g31e1bf13743_0_615:notes"/>
           <p:cNvSpPr/>
           <p:nvPr>
             <p:ph idx="2" type="sldImg"/>
@@ -1487,7 +1487,7 @@
       </p:sp>
       <p:sp>
         <p:nvSpPr>
-          <p:cNvPr id="494" name="Google Shape;494;g31e1bf13743_0_615:notes"/>
+          <p:cNvPr id="493" name="Google Shape;493;g31e1bf13743_0_615:notes"/>
           <p:cNvSpPr txBox="1"/>
           <p:nvPr>
             <p:ph idx="1" type="body"/>
@@ -1537,7 +1537,7 @@
   <p:cSld>
     <p:spTree>
       <p:nvGrpSpPr>
-        <p:cNvPr id="499" name="Shape 499"/>
+        <p:cNvPr id="498" name="Shape 498"/>
         <p:cNvGrpSpPr/>
         <p:nvPr/>
       </p:nvGrpSpPr>
@@ -1551,7 +1551,7 @@
       </p:grpSpPr>
       <p:sp>
         <p:nvSpPr>
-          <p:cNvPr id="500" name="Google Shape;500;g31e1bf13743_0_622:notes"/>
+          <p:cNvPr id="499" name="Google Shape;499;g31e1bf13743_0_622:notes"/>
           <p:cNvSpPr/>
           <p:nvPr>
             <p:ph idx="2" type="sldImg"/>
@@ -1586,7 +1586,7 @@
       </p:sp>
       <p:sp>
         <p:nvSpPr>
-          <p:cNvPr id="501" name="Google Shape;501;g31e1bf13743_0_622:notes"/>
+          <p:cNvPr id="500" name="Google Shape;500;g31e1bf13743_0_622:notes"/>
           <p:cNvSpPr txBox="1"/>
           <p:nvPr>
             <p:ph idx="1" type="body"/>
@@ -1636,7 +1636,7 @@
   <p:cSld>
     <p:spTree>
       <p:nvGrpSpPr>
-        <p:cNvPr id="506" name="Shape 506"/>
+        <p:cNvPr id="505" name="Shape 505"/>
         <p:cNvGrpSpPr/>
         <p:nvPr/>
       </p:nvGrpSpPr>
@@ -1650,7 +1650,7 @@
       </p:grpSpPr>
       <p:sp>
         <p:nvSpPr>
-          <p:cNvPr id="507" name="Google Shape;507;g31e1bf13743_0_630:notes"/>
+          <p:cNvPr id="506" name="Google Shape;506;g31e1bf13743_0_630:notes"/>
           <p:cNvSpPr/>
           <p:nvPr>
             <p:ph idx="2" type="sldImg"/>
@@ -1685,7 +1685,7 @@
       </p:sp>
       <p:sp>
         <p:nvSpPr>
-          <p:cNvPr id="508" name="Google Shape;508;g31e1bf13743_0_630:notes"/>
+          <p:cNvPr id="507" name="Google Shape;507;g31e1bf13743_0_630:notes"/>
           <p:cNvSpPr txBox="1"/>
           <p:nvPr>
             <p:ph idx="1" type="body"/>
@@ -1735,7 +1735,7 @@
   <p:cSld>
     <p:spTree>
       <p:nvGrpSpPr>
-        <p:cNvPr id="381" name="Shape 381"/>
+        <p:cNvPr id="380" name="Shape 380"/>
         <p:cNvGrpSpPr/>
         <p:nvPr/>
       </p:nvGrpSpPr>
@@ -1749,7 +1749,7 @@
       </p:grpSpPr>
       <p:sp>
         <p:nvSpPr>
-          <p:cNvPr id="382" name="Google Shape;382;g31e1bf13743_0_378:notes"/>
+          <p:cNvPr id="381" name="Google Shape;381;g31e1bf13743_0_378:notes"/>
           <p:cNvSpPr/>
           <p:nvPr>
             <p:ph idx="2" type="sldImg"/>
@@ -1784,7 +1784,7 @@
       </p:sp>
       <p:sp>
         <p:nvSpPr>
-          <p:cNvPr id="383" name="Google Shape;383;g31e1bf13743_0_378:notes"/>
+          <p:cNvPr id="382" name="Google Shape;382;g31e1bf13743_0_378:notes"/>
           <p:cNvSpPr txBox="1"/>
           <p:nvPr>
             <p:ph idx="1" type="body"/>
@@ -1834,7 +1834,7 @@
   <p:cSld>
     <p:spTree>
       <p:nvGrpSpPr>
-        <p:cNvPr id="388" name="Shape 388"/>
+        <p:cNvPr id="387" name="Shape 387"/>
         <p:cNvGrpSpPr/>
         <p:nvPr/>
       </p:nvGrpSpPr>
@@ -1848,7 +1848,7 @@
       </p:grpSpPr>
       <p:sp>
         <p:nvSpPr>
-          <p:cNvPr id="389" name="Google Shape;389;g31e1bf13743_0_477:notes"/>
+          <p:cNvPr id="388" name="Google Shape;388;g31e1bf13743_0_477:notes"/>
           <p:cNvSpPr/>
           <p:nvPr>
             <p:ph idx="2" type="sldImg"/>
@@ -1883,7 +1883,7 @@
       </p:sp>
       <p:sp>
         <p:nvSpPr>
-          <p:cNvPr id="390" name="Google Shape;390;g31e1bf13743_0_477:notes"/>
+          <p:cNvPr id="389" name="Google Shape;389;g31e1bf13743_0_477:notes"/>
           <p:cNvSpPr txBox="1"/>
           <p:nvPr>
             <p:ph idx="1" type="body"/>
@@ -1933,7 +1933,7 @@
   <p:cSld>
     <p:spTree>
       <p:nvGrpSpPr>
-        <p:cNvPr id="397" name="Shape 397"/>
+        <p:cNvPr id="396" name="Shape 396"/>
         <p:cNvGrpSpPr/>
         <p:nvPr/>
       </p:nvGrpSpPr>
@@ -1947,7 +1947,7 @@
       </p:grpSpPr>
       <p:sp>
         <p:nvSpPr>
-          <p:cNvPr id="398" name="Google Shape;398;g31e1bf13743_0_489:notes"/>
+          <p:cNvPr id="397" name="Google Shape;397;g31e1bf13743_0_489:notes"/>
           <p:cNvSpPr/>
           <p:nvPr>
             <p:ph idx="2" type="sldImg"/>
@@ -1982,7 +1982,7 @@
       </p:sp>
       <p:sp>
         <p:nvSpPr>
-          <p:cNvPr id="399" name="Google Shape;399;g31e1bf13743_0_489:notes"/>
+          <p:cNvPr id="398" name="Google Shape;398;g31e1bf13743_0_489:notes"/>
           <p:cNvSpPr txBox="1"/>
           <p:nvPr>
             <p:ph idx="1" type="body"/>
@@ -2032,7 +2032,7 @@
   <p:cSld>
     <p:spTree>
       <p:nvGrpSpPr>
-        <p:cNvPr id="404" name="Shape 404"/>
+        <p:cNvPr id="403" name="Shape 403"/>
         <p:cNvGrpSpPr/>
         <p:nvPr/>
       </p:nvGrpSpPr>
@@ -2046,7 +2046,7 @@
       </p:grpSpPr>
       <p:sp>
         <p:nvSpPr>
-          <p:cNvPr id="405" name="Google Shape;405;g31e1bf13743_0_497:notes"/>
+          <p:cNvPr id="404" name="Google Shape;404;g31e1bf13743_0_497:notes"/>
           <p:cNvSpPr/>
           <p:nvPr>
             <p:ph idx="2" type="sldImg"/>
@@ -2081,7 +2081,7 @@
       </p:sp>
       <p:sp>
         <p:nvSpPr>
-          <p:cNvPr id="406" name="Google Shape;406;g31e1bf13743_0_497:notes"/>
+          <p:cNvPr id="405" name="Google Shape;405;g31e1bf13743_0_497:notes"/>
           <p:cNvSpPr txBox="1"/>
           <p:nvPr>
             <p:ph idx="1" type="body"/>
@@ -2131,7 +2131,7 @@
   <p:cSld>
     <p:spTree>
       <p:nvGrpSpPr>
-        <p:cNvPr id="413" name="Shape 413"/>
+        <p:cNvPr id="412" name="Shape 412"/>
         <p:cNvGrpSpPr/>
         <p:nvPr/>
       </p:nvGrpSpPr>
@@ -2145,7 +2145,7 @@
       </p:grpSpPr>
       <p:sp>
         <p:nvSpPr>
-          <p:cNvPr id="414" name="Google Shape;414;g31e1bf13743_0_592:notes"/>
+          <p:cNvPr id="413" name="Google Shape;413;g31e1bf13743_0_592:notes"/>
           <p:cNvSpPr/>
           <p:nvPr>
             <p:ph idx="2" type="sldImg"/>
@@ -2180,7 +2180,7 @@
       </p:sp>
       <p:sp>
         <p:nvSpPr>
-          <p:cNvPr id="415" name="Google Shape;415;g31e1bf13743_0_592:notes"/>
+          <p:cNvPr id="414" name="Google Shape;414;g31e1bf13743_0_592:notes"/>
           <p:cNvSpPr txBox="1"/>
           <p:nvPr>
             <p:ph idx="1" type="body"/>
@@ -2230,7 +2230,7 @@
   <p:cSld>
     <p:spTree>
       <p:nvGrpSpPr>
-        <p:cNvPr id="421" name="Shape 421"/>
+        <p:cNvPr id="420" name="Shape 420"/>
         <p:cNvGrpSpPr/>
         <p:nvPr/>
       </p:nvGrpSpPr>
@@ -2244,7 +2244,7 @@
       </p:grpSpPr>
       <p:sp>
         <p:nvSpPr>
-          <p:cNvPr id="422" name="Google Shape;422;g31e1bf13743_0_505:notes"/>
+          <p:cNvPr id="421" name="Google Shape;421;g31e1bf13743_0_505:notes"/>
           <p:cNvSpPr/>
           <p:nvPr>
             <p:ph idx="2" type="sldImg"/>
@@ -2279,7 +2279,7 @@
       </p:sp>
       <p:sp>
         <p:nvSpPr>
-          <p:cNvPr id="423" name="Google Shape;423;g31e1bf13743_0_505:notes"/>
+          <p:cNvPr id="422" name="Google Shape;422;g31e1bf13743_0_505:notes"/>
           <p:cNvSpPr txBox="1"/>
           <p:nvPr>
             <p:ph idx="1" type="body"/>
@@ -2329,7 +2329,7 @@
   <p:cSld>
     <p:spTree>
       <p:nvGrpSpPr>
-        <p:cNvPr id="428" name="Shape 428"/>
+        <p:cNvPr id="427" name="Shape 427"/>
         <p:cNvGrpSpPr/>
         <p:nvPr/>
       </p:nvGrpSpPr>
@@ -2343,7 +2343,7 @@
       </p:grpSpPr>
       <p:sp>
         <p:nvSpPr>
-          <p:cNvPr id="429" name="Google Shape;429;g31e1bf13743_0_513:notes"/>
+          <p:cNvPr id="428" name="Google Shape;428;g31e1bf13743_0_513:notes"/>
           <p:cNvSpPr/>
           <p:nvPr>
             <p:ph idx="2" type="sldImg"/>
@@ -2378,7 +2378,7 @@
       </p:sp>
       <p:sp>
         <p:nvSpPr>
-          <p:cNvPr id="430" name="Google Shape;430;g31e1bf13743_0_513:notes"/>
+          <p:cNvPr id="429" name="Google Shape;429;g31e1bf13743_0_513:notes"/>
           <p:cNvSpPr txBox="1"/>
           <p:nvPr>
             <p:ph idx="1" type="body"/>
@@ -2428,7 +2428,7 @@
   <p:cSld>
     <p:spTree>
       <p:nvGrpSpPr>
-        <p:cNvPr id="436" name="Shape 436"/>
+        <p:cNvPr id="435" name="Shape 435"/>
         <p:cNvGrpSpPr/>
         <p:nvPr/>
       </p:nvGrpSpPr>
@@ -2442,7 +2442,7 @@
       </p:grpSpPr>
       <p:sp>
         <p:nvSpPr>
-          <p:cNvPr id="437" name="Google Shape;437;g31e1bf13743_0_522:notes"/>
+          <p:cNvPr id="436" name="Google Shape;436;g31e1bf13743_0_522:notes"/>
           <p:cNvSpPr/>
           <p:nvPr>
             <p:ph idx="2" type="sldImg"/>
@@ -2477,7 +2477,7 @@
       </p:sp>
       <p:sp>
         <p:nvSpPr>
-          <p:cNvPr id="438" name="Google Shape;438;g31e1bf13743_0_522:notes"/>
+          <p:cNvPr id="437" name="Google Shape;437;g31e1bf13743_0_522:notes"/>
           <p:cNvSpPr txBox="1"/>
           <p:nvPr>
             <p:ph idx="1" type="body"/>
@@ -33783,50 +33783,6 @@
           <p:cNvPr id="347" name="Google Shape;347;p42"/>
           <p:cNvSpPr txBox="1"/>
           <p:nvPr>
-            <p:ph idx="1" type="subTitle"/>
-          </p:nvPr>
-        </p:nvSpPr>
-        <p:spPr>
-          <a:xfrm>
-            <a:off x="342900" y="4799170"/>
-            <a:ext cx="4239900" cy="273900"/>
-          </a:xfrm>
-          <a:prstGeom prst="rect">
-            <a:avLst/>
-          </a:prstGeom>
-        </p:spPr>
-        <p:txBody>
-          <a:bodyPr anchorCtr="0" anchor="ctr" bIns="91425" lIns="137150" spcFirstLastPara="1" rIns="91425" wrap="square" tIns="91425">
-            <a:noAutofit/>
-          </a:bodyPr>
-          <a:lstStyle/>
-          <a:p>
-            <a:pPr indent="0" lvl="0" marL="0" rtl="0" algn="l">
-              <a:spcBef>
-                <a:spcPts val="0"/>
-              </a:spcBef>
-              <a:spcAft>
-                <a:spcPts val="400"/>
-              </a:spcAft>
-              <a:buNone/>
-            </a:pPr>
-            <a:r>
-              <a:rPr lang="en"/>
-              <a:t>Aumi Ichiki Personal Training </a:t>
-            </a:r>
-            <a:r>
-              <a:rPr lang="en"/>
-              <a:t>20XX</a:t>
-            </a:r>
-            <a:endParaRPr/>
-          </a:p>
-        </p:txBody>
-      </p:sp>
-      <p:sp>
-        <p:nvSpPr>
-          <p:cNvPr id="348" name="Google Shape;348;p42"/>
-          <p:cNvSpPr txBox="1"/>
-          <p:nvPr>
             <p:ph idx="12" type="sldNum"/>
           </p:nvPr>
         </p:nvSpPr>
@@ -33864,7 +33820,7 @@
       </p:sp>
       <p:grpSp>
         <p:nvGrpSpPr>
-          <p:cNvPr id="349" name="Google Shape;349;p42"/>
+          <p:cNvPr id="348" name="Google Shape;348;p42"/>
           <p:cNvGrpSpPr/>
           <p:nvPr/>
         </p:nvGrpSpPr>
@@ -33878,7 +33834,7 @@
         </p:grpSpPr>
         <p:sp>
           <p:nvSpPr>
-            <p:cNvPr id="350" name="Google Shape;350;p42"/>
+            <p:cNvPr id="349" name="Google Shape;349;p42"/>
             <p:cNvSpPr/>
             <p:nvPr/>
           </p:nvSpPr>
@@ -33923,7 +33879,7 @@
         </p:sp>
         <p:sp>
           <p:nvSpPr>
-            <p:cNvPr id="351" name="Google Shape;351;p42"/>
+            <p:cNvPr id="350" name="Google Shape;350;p42"/>
             <p:cNvSpPr/>
             <p:nvPr/>
           </p:nvSpPr>
@@ -33968,7 +33924,7 @@
         </p:sp>
         <p:sp>
           <p:nvSpPr>
-            <p:cNvPr id="352" name="Google Shape;352;p42"/>
+            <p:cNvPr id="351" name="Google Shape;351;p42"/>
             <p:cNvSpPr/>
             <p:nvPr/>
           </p:nvSpPr>
@@ -34014,7 +33970,7 @@
       </p:grpSp>
       <p:sp>
         <p:nvSpPr>
-          <p:cNvPr id="353" name="Google Shape;353;p42"/>
+          <p:cNvPr id="352" name="Google Shape;352;p42"/>
           <p:cNvSpPr/>
           <p:nvPr/>
         </p:nvSpPr>
@@ -34057,7 +34013,7 @@
       </p:sp>
       <p:grpSp>
         <p:nvGrpSpPr>
-          <p:cNvPr id="354" name="Google Shape;354;p42"/>
+          <p:cNvPr id="353" name="Google Shape;353;p42"/>
           <p:cNvGrpSpPr/>
           <p:nvPr/>
         </p:nvGrpSpPr>
@@ -34071,7 +34027,7 @@
         </p:grpSpPr>
         <p:sp>
           <p:nvSpPr>
-            <p:cNvPr id="355" name="Google Shape;355;p42"/>
+            <p:cNvPr id="354" name="Google Shape;354;p42"/>
             <p:cNvSpPr/>
             <p:nvPr/>
           </p:nvSpPr>
@@ -34114,7 +34070,7 @@
         </p:sp>
         <p:sp>
           <p:nvSpPr>
-            <p:cNvPr id="356" name="Google Shape;356;p42"/>
+            <p:cNvPr id="355" name="Google Shape;355;p42"/>
             <p:cNvSpPr/>
             <p:nvPr/>
           </p:nvSpPr>
@@ -34157,7 +34113,7 @@
         </p:sp>
         <p:sp>
           <p:nvSpPr>
-            <p:cNvPr id="357" name="Google Shape;357;p42"/>
+            <p:cNvPr id="356" name="Google Shape;356;p42"/>
             <p:cNvSpPr/>
             <p:nvPr/>
           </p:nvSpPr>
@@ -34200,7 +34156,7 @@
         </p:sp>
         <p:sp>
           <p:nvSpPr>
-            <p:cNvPr id="358" name="Google Shape;358;p42"/>
+            <p:cNvPr id="357" name="Google Shape;357;p42"/>
             <p:cNvSpPr/>
             <p:nvPr/>
           </p:nvSpPr>
@@ -34243,7 +34199,7 @@
         </p:sp>
         <p:sp>
           <p:nvSpPr>
-            <p:cNvPr id="359" name="Google Shape;359;p42"/>
+            <p:cNvPr id="358" name="Google Shape;358;p42"/>
             <p:cNvSpPr/>
             <p:nvPr/>
           </p:nvSpPr>
@@ -34286,7 +34242,7 @@
         </p:sp>
         <p:sp>
           <p:nvSpPr>
-            <p:cNvPr id="360" name="Google Shape;360;p42"/>
+            <p:cNvPr id="359" name="Google Shape;359;p42"/>
             <p:cNvSpPr/>
             <p:nvPr/>
           </p:nvSpPr>
@@ -34329,7 +34285,7 @@
         </p:sp>
         <p:sp>
           <p:nvSpPr>
-            <p:cNvPr id="361" name="Google Shape;361;p42"/>
+            <p:cNvPr id="360" name="Google Shape;360;p42"/>
             <p:cNvSpPr/>
             <p:nvPr/>
           </p:nvSpPr>
@@ -34372,7 +34328,7 @@
         </p:sp>
         <p:sp>
           <p:nvSpPr>
-            <p:cNvPr id="362" name="Google Shape;362;p42"/>
+            <p:cNvPr id="361" name="Google Shape;361;p42"/>
             <p:cNvSpPr/>
             <p:nvPr/>
           </p:nvSpPr>
@@ -34415,7 +34371,7 @@
         </p:sp>
         <p:sp>
           <p:nvSpPr>
-            <p:cNvPr id="363" name="Google Shape;363;p42"/>
+            <p:cNvPr id="362" name="Google Shape;362;p42"/>
             <p:cNvSpPr/>
             <p:nvPr/>
           </p:nvSpPr>
@@ -34458,7 +34414,7 @@
         </p:sp>
         <p:sp>
           <p:nvSpPr>
-            <p:cNvPr id="364" name="Google Shape;364;p42"/>
+            <p:cNvPr id="363" name="Google Shape;363;p42"/>
             <p:cNvSpPr/>
             <p:nvPr/>
           </p:nvSpPr>
@@ -34501,7 +34457,7 @@
         </p:sp>
         <p:sp>
           <p:nvSpPr>
-            <p:cNvPr id="365" name="Google Shape;365;p42"/>
+            <p:cNvPr id="364" name="Google Shape;364;p42"/>
             <p:cNvSpPr/>
             <p:nvPr/>
           </p:nvSpPr>
@@ -34544,7 +34500,7 @@
         </p:sp>
         <p:sp>
           <p:nvSpPr>
-            <p:cNvPr id="366" name="Google Shape;366;p42"/>
+            <p:cNvPr id="365" name="Google Shape;365;p42"/>
             <p:cNvSpPr/>
             <p:nvPr/>
           </p:nvSpPr>
@@ -34587,7 +34543,7 @@
         </p:sp>
         <p:sp>
           <p:nvSpPr>
-            <p:cNvPr id="367" name="Google Shape;367;p42"/>
+            <p:cNvPr id="366" name="Google Shape;366;p42"/>
             <p:cNvSpPr/>
             <p:nvPr/>
           </p:nvSpPr>
@@ -34630,7 +34586,7 @@
         </p:sp>
         <p:sp>
           <p:nvSpPr>
-            <p:cNvPr id="368" name="Google Shape;368;p42"/>
+            <p:cNvPr id="367" name="Google Shape;367;p42"/>
             <p:cNvSpPr/>
             <p:nvPr/>
           </p:nvSpPr>
@@ -34673,7 +34629,7 @@
         </p:sp>
         <p:sp>
           <p:nvSpPr>
-            <p:cNvPr id="369" name="Google Shape;369;p42"/>
+            <p:cNvPr id="368" name="Google Shape;368;p42"/>
             <p:cNvSpPr/>
             <p:nvPr/>
           </p:nvSpPr>
@@ -34716,7 +34672,7 @@
         </p:sp>
         <p:sp>
           <p:nvSpPr>
-            <p:cNvPr id="370" name="Google Shape;370;p42"/>
+            <p:cNvPr id="369" name="Google Shape;369;p42"/>
             <p:cNvSpPr/>
             <p:nvPr/>
           </p:nvSpPr>
@@ -34759,7 +34715,7 @@
         </p:sp>
         <p:sp>
           <p:nvSpPr>
-            <p:cNvPr id="371" name="Google Shape;371;p42"/>
+            <p:cNvPr id="370" name="Google Shape;370;p42"/>
             <p:cNvSpPr/>
             <p:nvPr/>
           </p:nvSpPr>
@@ -34802,7 +34758,7 @@
         </p:sp>
         <p:sp>
           <p:nvSpPr>
-            <p:cNvPr id="372" name="Google Shape;372;p42"/>
+            <p:cNvPr id="371" name="Google Shape;371;p42"/>
             <p:cNvSpPr/>
             <p:nvPr/>
           </p:nvSpPr>
@@ -34845,7 +34801,7 @@
         </p:sp>
         <p:sp>
           <p:nvSpPr>
-            <p:cNvPr id="373" name="Google Shape;373;p42"/>
+            <p:cNvPr id="372" name="Google Shape;372;p42"/>
             <p:cNvSpPr/>
             <p:nvPr/>
           </p:nvSpPr>
@@ -34888,7 +34844,7 @@
         </p:sp>
         <p:sp>
           <p:nvSpPr>
-            <p:cNvPr id="374" name="Google Shape;374;p42"/>
+            <p:cNvPr id="373" name="Google Shape;373;p42"/>
             <p:cNvSpPr/>
             <p:nvPr/>
           </p:nvSpPr>
@@ -34931,7 +34887,7 @@
         </p:sp>
         <p:sp>
           <p:nvSpPr>
-            <p:cNvPr id="375" name="Google Shape;375;p42"/>
+            <p:cNvPr id="374" name="Google Shape;374;p42"/>
             <p:cNvSpPr/>
             <p:nvPr/>
           </p:nvSpPr>
@@ -34974,7 +34930,7 @@
         </p:sp>
         <p:sp>
           <p:nvSpPr>
-            <p:cNvPr id="376" name="Google Shape;376;p42"/>
+            <p:cNvPr id="375" name="Google Shape;375;p42"/>
             <p:cNvSpPr/>
             <p:nvPr/>
           </p:nvSpPr>
@@ -35017,7 +34973,7 @@
         </p:sp>
         <p:sp>
           <p:nvSpPr>
-            <p:cNvPr id="377" name="Google Shape;377;p42"/>
+            <p:cNvPr id="376" name="Google Shape;376;p42"/>
             <p:cNvSpPr/>
             <p:nvPr/>
           </p:nvSpPr>
@@ -35060,7 +35016,7 @@
         </p:sp>
         <p:sp>
           <p:nvSpPr>
-            <p:cNvPr id="378" name="Google Shape;378;p42"/>
+            <p:cNvPr id="377" name="Google Shape;377;p42"/>
             <p:cNvSpPr/>
             <p:nvPr/>
           </p:nvSpPr>
@@ -35103,7 +35059,7 @@
         </p:sp>
         <p:sp>
           <p:nvSpPr>
-            <p:cNvPr id="379" name="Google Shape;379;p42"/>
+            <p:cNvPr id="378" name="Google Shape;378;p42"/>
             <p:cNvSpPr/>
             <p:nvPr/>
           </p:nvSpPr>
@@ -35147,7 +35103,7 @@
       </p:grpSp>
       <p:pic>
         <p:nvPicPr>
-          <p:cNvPr id="380" name="Google Shape;380;p42"/>
+          <p:cNvPr id="379" name="Google Shape;379;p42"/>
           <p:cNvPicPr preferRelativeResize="0"/>
           <p:nvPr>
             <p:ph idx="3" type="pic"/>
@@ -35187,7 +35143,7 @@
   <p:cSld>
     <p:spTree>
       <p:nvGrpSpPr>
-        <p:cNvPr id="447" name="Shape 447"/>
+        <p:cNvPr id="446" name="Shape 446"/>
         <p:cNvGrpSpPr/>
         <p:nvPr/>
       </p:nvGrpSpPr>
@@ -35201,7 +35157,7 @@
       </p:grpSpPr>
       <p:sp>
         <p:nvSpPr>
-          <p:cNvPr id="448" name="Google Shape;448;p51"/>
+          <p:cNvPr id="447" name="Google Shape;447;p51"/>
           <p:cNvSpPr txBox="1"/>
           <p:nvPr>
             <p:ph type="title"/>
@@ -35274,7 +35230,7 @@
       </p:sp>
       <p:sp>
         <p:nvSpPr>
-          <p:cNvPr id="449" name="Google Shape;449;p51"/>
+          <p:cNvPr id="448" name="Google Shape;448;p51"/>
           <p:cNvSpPr txBox="1"/>
           <p:nvPr>
             <p:ph idx="12" type="sldNum"/>
@@ -35314,7 +35270,7 @@
       </p:sp>
       <p:sp>
         <p:nvSpPr>
-          <p:cNvPr id="450" name="Google Shape;450;p51"/>
+          <p:cNvPr id="449" name="Google Shape;449;p51"/>
           <p:cNvSpPr txBox="1"/>
           <p:nvPr>
             <p:ph idx="2" type="subTitle"/>
@@ -35353,7 +35309,7 @@
       </p:sp>
       <p:pic>
         <p:nvPicPr>
-          <p:cNvPr id="451" name="Google Shape;451;p51"/>
+          <p:cNvPr id="450" name="Google Shape;450;p51"/>
           <p:cNvPicPr preferRelativeResize="0"/>
           <p:nvPr/>
         </p:nvPicPr>
@@ -35392,7 +35348,7 @@
   <p:cSld>
     <p:spTree>
       <p:nvGrpSpPr>
-        <p:cNvPr id="455" name="Shape 455"/>
+        <p:cNvPr id="454" name="Shape 454"/>
         <p:cNvGrpSpPr/>
         <p:nvPr/>
       </p:nvGrpSpPr>
@@ -35406,7 +35362,7 @@
       </p:grpSpPr>
       <p:sp>
         <p:nvSpPr>
-          <p:cNvPr id="456" name="Google Shape;456;p52"/>
+          <p:cNvPr id="455" name="Google Shape;455;p52"/>
           <p:cNvSpPr txBox="1"/>
           <p:nvPr>
             <p:ph type="title"/>
@@ -35456,7 +35412,7 @@
       </p:sp>
       <p:sp>
         <p:nvSpPr>
-          <p:cNvPr id="457" name="Google Shape;457;p52"/>
+          <p:cNvPr id="456" name="Google Shape;456;p52"/>
           <p:cNvSpPr txBox="1"/>
           <p:nvPr>
             <p:ph idx="12" type="sldNum"/>
@@ -35496,7 +35452,7 @@
       </p:sp>
       <p:sp>
         <p:nvSpPr>
-          <p:cNvPr id="458" name="Google Shape;458;p52"/>
+          <p:cNvPr id="457" name="Google Shape;457;p52"/>
           <p:cNvSpPr txBox="1"/>
           <p:nvPr>
             <p:ph idx="2" type="subTitle"/>
@@ -35873,7 +35829,7 @@
   <p:cSld>
     <p:spTree>
       <p:nvGrpSpPr>
-        <p:cNvPr id="462" name="Shape 462"/>
+        <p:cNvPr id="461" name="Shape 461"/>
         <p:cNvGrpSpPr/>
         <p:nvPr/>
       </p:nvGrpSpPr>
@@ -35887,7 +35843,7 @@
       </p:grpSpPr>
       <p:sp>
         <p:nvSpPr>
-          <p:cNvPr id="463" name="Google Shape;463;p53"/>
+          <p:cNvPr id="462" name="Google Shape;462;p53"/>
           <p:cNvSpPr txBox="1"/>
           <p:nvPr>
             <p:ph type="title"/>
@@ -35937,7 +35893,7 @@
       </p:sp>
       <p:sp>
         <p:nvSpPr>
-          <p:cNvPr id="464" name="Google Shape;464;p53"/>
+          <p:cNvPr id="463" name="Google Shape;463;p53"/>
           <p:cNvSpPr txBox="1"/>
           <p:nvPr>
             <p:ph idx="12" type="sldNum"/>
@@ -35977,7 +35933,7 @@
       </p:sp>
       <p:sp>
         <p:nvSpPr>
-          <p:cNvPr id="465" name="Google Shape;465;p53"/>
+          <p:cNvPr id="464" name="Google Shape;464;p53"/>
           <p:cNvSpPr txBox="1"/>
           <p:nvPr>
             <p:ph idx="2" type="subTitle"/>
@@ -36027,7 +35983,7 @@
       </p:sp>
       <p:pic>
         <p:nvPicPr>
-          <p:cNvPr id="466" name="Google Shape;466;p53"/>
+          <p:cNvPr id="465" name="Google Shape;465;p53"/>
           <p:cNvPicPr preferRelativeResize="0"/>
           <p:nvPr/>
         </p:nvPicPr>
@@ -36055,7 +36011,7 @@
       </p:pic>
       <p:pic>
         <p:nvPicPr>
-          <p:cNvPr id="467" name="Google Shape;467;p53"/>
+          <p:cNvPr id="466" name="Google Shape;466;p53"/>
           <p:cNvPicPr preferRelativeResize="0"/>
           <p:nvPr/>
         </p:nvPicPr>
@@ -36094,7 +36050,7 @@
   <p:cSld>
     <p:spTree>
       <p:nvGrpSpPr>
-        <p:cNvPr id="471" name="Shape 471"/>
+        <p:cNvPr id="470" name="Shape 470"/>
         <p:cNvGrpSpPr/>
         <p:nvPr/>
       </p:nvGrpSpPr>
@@ -36108,7 +36064,7 @@
       </p:grpSpPr>
       <p:sp>
         <p:nvSpPr>
-          <p:cNvPr id="472" name="Google Shape;472;p54"/>
+          <p:cNvPr id="471" name="Google Shape;471;p54"/>
           <p:cNvSpPr txBox="1"/>
           <p:nvPr>
             <p:ph type="title"/>
@@ -36167,7 +36123,7 @@
       </p:sp>
       <p:sp>
         <p:nvSpPr>
-          <p:cNvPr id="473" name="Google Shape;473;p54"/>
+          <p:cNvPr id="472" name="Google Shape;472;p54"/>
           <p:cNvSpPr txBox="1"/>
           <p:nvPr>
             <p:ph idx="12" type="sldNum"/>
@@ -36207,7 +36163,7 @@
       </p:sp>
       <p:sp>
         <p:nvSpPr>
-          <p:cNvPr id="474" name="Google Shape;474;p54"/>
+          <p:cNvPr id="473" name="Google Shape;473;p54"/>
           <p:cNvSpPr txBox="1"/>
           <p:nvPr>
             <p:ph idx="2" type="subTitle"/>
@@ -36642,7 +36598,7 @@
       </p:sp>
       <p:pic>
         <p:nvPicPr>
-          <p:cNvPr id="475" name="Google Shape;475;p54"/>
+          <p:cNvPr id="474" name="Google Shape;474;p54"/>
           <p:cNvPicPr preferRelativeResize="0"/>
           <p:nvPr/>
         </p:nvPicPr>
@@ -36681,7 +36637,7 @@
   <p:cSld>
     <p:spTree>
       <p:nvGrpSpPr>
-        <p:cNvPr id="479" name="Shape 479"/>
+        <p:cNvPr id="478" name="Shape 478"/>
         <p:cNvGrpSpPr/>
         <p:nvPr/>
       </p:nvGrpSpPr>
@@ -36695,7 +36651,7 @@
       </p:grpSpPr>
       <p:sp>
         <p:nvSpPr>
-          <p:cNvPr id="480" name="Google Shape;480;p55"/>
+          <p:cNvPr id="479" name="Google Shape;479;p55"/>
           <p:cNvSpPr txBox="1"/>
           <p:nvPr>
             <p:ph type="title"/>
@@ -36745,7 +36701,7 @@
       </p:sp>
       <p:sp>
         <p:nvSpPr>
-          <p:cNvPr id="481" name="Google Shape;481;p55"/>
+          <p:cNvPr id="480" name="Google Shape;480;p55"/>
           <p:cNvSpPr txBox="1"/>
           <p:nvPr>
             <p:ph idx="12" type="sldNum"/>
@@ -36785,7 +36741,7 @@
       </p:sp>
       <p:sp>
         <p:nvSpPr>
-          <p:cNvPr id="482" name="Google Shape;482;p55"/>
+          <p:cNvPr id="481" name="Google Shape;481;p55"/>
           <p:cNvSpPr txBox="1"/>
           <p:nvPr>
             <p:ph idx="2" type="subTitle"/>
@@ -37072,7 +37028,7 @@
       </p:sp>
       <p:pic>
         <p:nvPicPr>
-          <p:cNvPr id="483" name="Google Shape;483;p55"/>
+          <p:cNvPr id="482" name="Google Shape;482;p55"/>
           <p:cNvPicPr preferRelativeResize="0"/>
           <p:nvPr/>
         </p:nvPicPr>
@@ -37111,7 +37067,7 @@
   <p:cSld>
     <p:spTree>
       <p:nvGrpSpPr>
-        <p:cNvPr id="487" name="Shape 487"/>
+        <p:cNvPr id="486" name="Shape 486"/>
         <p:cNvGrpSpPr/>
         <p:nvPr/>
       </p:nvGrpSpPr>
@@ -37125,7 +37081,7 @@
       </p:grpSpPr>
       <p:sp>
         <p:nvSpPr>
-          <p:cNvPr id="488" name="Google Shape;488;p56"/>
+          <p:cNvPr id="487" name="Google Shape;487;p56"/>
           <p:cNvSpPr txBox="1"/>
           <p:nvPr>
             <p:ph type="title"/>
@@ -37201,7 +37157,7 @@
       </p:sp>
       <p:sp>
         <p:nvSpPr>
-          <p:cNvPr id="489" name="Google Shape;489;p56"/>
+          <p:cNvPr id="488" name="Google Shape;488;p56"/>
           <p:cNvSpPr txBox="1"/>
           <p:nvPr>
             <p:ph idx="12" type="sldNum"/>
@@ -37241,7 +37197,7 @@
       </p:sp>
       <p:sp>
         <p:nvSpPr>
-          <p:cNvPr id="490" name="Google Shape;490;p56"/>
+          <p:cNvPr id="489" name="Google Shape;489;p56"/>
           <p:cNvSpPr txBox="1"/>
           <p:nvPr>
             <p:ph idx="2" type="subTitle"/>
@@ -37395,7 +37351,7 @@
       </p:sp>
       <p:pic>
         <p:nvPicPr>
-          <p:cNvPr id="491" name="Google Shape;491;p56"/>
+          <p:cNvPr id="490" name="Google Shape;490;p56"/>
           <p:cNvPicPr preferRelativeResize="0"/>
           <p:nvPr/>
         </p:nvPicPr>
@@ -37433,7 +37389,7 @@
   <p:cSld>
     <p:spTree>
       <p:nvGrpSpPr>
-        <p:cNvPr id="495" name="Shape 495"/>
+        <p:cNvPr id="494" name="Shape 494"/>
         <p:cNvGrpSpPr/>
         <p:nvPr/>
       </p:nvGrpSpPr>
@@ -37447,7 +37403,7 @@
       </p:grpSpPr>
       <p:sp>
         <p:nvSpPr>
-          <p:cNvPr id="496" name="Google Shape;496;p57"/>
+          <p:cNvPr id="495" name="Google Shape;495;p57"/>
           <p:cNvSpPr txBox="1"/>
           <p:nvPr>
             <p:ph type="title"/>
@@ -37497,7 +37453,7 @@
       </p:sp>
       <p:sp>
         <p:nvSpPr>
-          <p:cNvPr id="497" name="Google Shape;497;p57"/>
+          <p:cNvPr id="496" name="Google Shape;496;p57"/>
           <p:cNvSpPr txBox="1"/>
           <p:nvPr>
             <p:ph idx="12" type="sldNum"/>
@@ -37537,7 +37493,7 @@
       </p:sp>
       <p:sp>
         <p:nvSpPr>
-          <p:cNvPr id="498" name="Google Shape;498;p57"/>
+          <p:cNvPr id="497" name="Google Shape;497;p57"/>
           <p:cNvSpPr txBox="1"/>
           <p:nvPr>
             <p:ph idx="2" type="subTitle"/>
@@ -37718,7 +37674,7 @@
   <p:cSld>
     <p:spTree>
       <p:nvGrpSpPr>
-        <p:cNvPr id="502" name="Shape 502"/>
+        <p:cNvPr id="501" name="Shape 501"/>
         <p:cNvGrpSpPr/>
         <p:nvPr/>
       </p:nvGrpSpPr>
@@ -37732,7 +37688,7 @@
       </p:grpSpPr>
       <p:sp>
         <p:nvSpPr>
-          <p:cNvPr id="503" name="Google Shape;503;p58"/>
+          <p:cNvPr id="502" name="Google Shape;502;p58"/>
           <p:cNvSpPr txBox="1"/>
           <p:nvPr>
             <p:ph type="title"/>
@@ -37791,7 +37747,7 @@
       </p:sp>
       <p:sp>
         <p:nvSpPr>
-          <p:cNvPr id="504" name="Google Shape;504;p58"/>
+          <p:cNvPr id="503" name="Google Shape;503;p58"/>
           <p:cNvSpPr txBox="1"/>
           <p:nvPr>
             <p:ph idx="12" type="sldNum"/>
@@ -37831,7 +37787,7 @@
       </p:sp>
       <p:sp>
         <p:nvSpPr>
-          <p:cNvPr id="505" name="Google Shape;505;p58"/>
+          <p:cNvPr id="504" name="Google Shape;504;p58"/>
           <p:cNvSpPr txBox="1"/>
           <p:nvPr>
             <p:ph idx="2" type="subTitle"/>
@@ -38024,7 +37980,7 @@
   <p:cSld>
     <p:spTree>
       <p:nvGrpSpPr>
-        <p:cNvPr id="509" name="Shape 509"/>
+        <p:cNvPr id="508" name="Shape 508"/>
         <p:cNvGrpSpPr/>
         <p:nvPr/>
       </p:nvGrpSpPr>
@@ -38038,7 +37994,7 @@
       </p:grpSpPr>
       <p:sp>
         <p:nvSpPr>
-          <p:cNvPr id="510" name="Google Shape;510;p59"/>
+          <p:cNvPr id="509" name="Google Shape;509;p59"/>
           <p:cNvSpPr txBox="1"/>
           <p:nvPr>
             <p:ph type="title"/>
@@ -38088,7 +38044,7 @@
       </p:sp>
       <p:sp>
         <p:nvSpPr>
-          <p:cNvPr id="511" name="Google Shape;511;p59"/>
+          <p:cNvPr id="510" name="Google Shape;510;p59"/>
           <p:cNvSpPr txBox="1"/>
           <p:nvPr>
             <p:ph idx="12" type="sldNum"/>
@@ -38139,7 +38095,7 @@
   <p:cSld>
     <p:spTree>
       <p:nvGrpSpPr>
-        <p:cNvPr id="384" name="Shape 384"/>
+        <p:cNvPr id="383" name="Shape 383"/>
         <p:cNvGrpSpPr/>
         <p:nvPr/>
       </p:nvGrpSpPr>
@@ -38153,7 +38109,7 @@
       </p:grpSpPr>
       <p:sp>
         <p:nvSpPr>
-          <p:cNvPr id="385" name="Google Shape;385;p43"/>
+          <p:cNvPr id="384" name="Google Shape;384;p43"/>
           <p:cNvSpPr txBox="1"/>
           <p:nvPr>
             <p:ph type="title"/>
@@ -38221,7 +38177,7 @@
       </p:sp>
       <p:sp>
         <p:nvSpPr>
-          <p:cNvPr id="386" name="Google Shape;386;p43"/>
+          <p:cNvPr id="385" name="Google Shape;385;p43"/>
           <p:cNvSpPr txBox="1"/>
           <p:nvPr>
             <p:ph idx="12" type="sldNum"/>
@@ -38261,7 +38217,7 @@
       </p:sp>
       <p:sp>
         <p:nvSpPr>
-          <p:cNvPr id="387" name="Google Shape;387;p43"/>
+          <p:cNvPr id="386" name="Google Shape;386;p43"/>
           <p:cNvSpPr txBox="1"/>
           <p:nvPr>
             <p:ph idx="2" type="subTitle"/>
@@ -38407,7 +38363,7 @@
   <p:cSld>
     <p:spTree>
       <p:nvGrpSpPr>
-        <p:cNvPr id="391" name="Shape 391"/>
+        <p:cNvPr id="390" name="Shape 390"/>
         <p:cNvGrpSpPr/>
         <p:nvPr/>
       </p:nvGrpSpPr>
@@ -38421,7 +38377,7 @@
       </p:grpSpPr>
       <p:sp>
         <p:nvSpPr>
-          <p:cNvPr id="392" name="Google Shape;392;p44"/>
+          <p:cNvPr id="391" name="Google Shape;391;p44"/>
           <p:cNvSpPr txBox="1"/>
           <p:nvPr>
             <p:ph type="title"/>
@@ -38505,6 +38461,133 @@
                 <a:sym typeface="Arial"/>
               </a:rPr>
               <a:t>Data on childcare costs (2008–2018) by provider type, child age, and county characteristics.</a:t>
+            </a:r>
+            <a:endParaRPr sz="2000">
+              <a:solidFill>
+                <a:srgbClr val="000000"/>
+              </a:solidFill>
+              <a:latin typeface="Arial"/>
+              <a:ea typeface="Arial"/>
+              <a:cs typeface="Arial"/>
+              <a:sym typeface="Arial"/>
+            </a:endParaRPr>
+          </a:p>
+          <a:p>
+            <a:pPr indent="-355600" lvl="0" marL="457200" rtl="0" algn="l">
+              <a:lnSpc>
+                <a:spcPct val="115000"/>
+              </a:lnSpc>
+              <a:spcBef>
+                <a:spcPts val="0"/>
+              </a:spcBef>
+              <a:spcAft>
+                <a:spcPts val="0"/>
+              </a:spcAft>
+              <a:buClr>
+                <a:srgbClr val="000000"/>
+              </a:buClr>
+              <a:buSzPts val="2000"/>
+              <a:buFont typeface="Arial"/>
+              <a:buChar char="●"/>
+            </a:pPr>
+            <a:r>
+              <a:rPr b="1" lang="en" sz="2000">
+                <a:solidFill>
+                  <a:srgbClr val="000000"/>
+                </a:solidFill>
+                <a:latin typeface="Arial"/>
+                <a:ea typeface="Arial"/>
+                <a:cs typeface="Arial"/>
+                <a:sym typeface="Arial"/>
+              </a:rPr>
+              <a:t>Source: National Database of Childcare Prices </a:t>
+            </a:r>
+            <a:r>
+              <a:rPr lang="en" sz="2000">
+                <a:solidFill>
+                  <a:srgbClr val="000000"/>
+                </a:solidFill>
+                <a:latin typeface="Arial"/>
+                <a:ea typeface="Arial"/>
+                <a:cs typeface="Arial"/>
+                <a:sym typeface="Arial"/>
+              </a:rPr>
+              <a:t>(kaggle)</a:t>
+            </a:r>
+            <a:endParaRPr sz="2000">
+              <a:solidFill>
+                <a:srgbClr val="000000"/>
+              </a:solidFill>
+              <a:latin typeface="Arial"/>
+              <a:ea typeface="Arial"/>
+              <a:cs typeface="Arial"/>
+              <a:sym typeface="Arial"/>
+            </a:endParaRPr>
+          </a:p>
+          <a:p>
+            <a:pPr indent="0" lvl="0" marL="0" rtl="0" algn="l">
+              <a:lnSpc>
+                <a:spcPct val="115000"/>
+              </a:lnSpc>
+              <a:spcBef>
+                <a:spcPts val="1400"/>
+              </a:spcBef>
+              <a:spcAft>
+                <a:spcPts val="0"/>
+              </a:spcAft>
+              <a:buNone/>
+            </a:pPr>
+            <a:r>
+              <a:rPr b="1" lang="en" sz="2000">
+                <a:solidFill>
+                  <a:srgbClr val="000000"/>
+                </a:solidFill>
+                <a:latin typeface="Arial"/>
+                <a:ea typeface="Arial"/>
+                <a:cs typeface="Arial"/>
+                <a:sym typeface="Arial"/>
+              </a:rPr>
+              <a:t>2. Counties Dataset:</a:t>
+            </a:r>
+            <a:endParaRPr b="1" sz="2000">
+              <a:solidFill>
+                <a:srgbClr val="000000"/>
+              </a:solidFill>
+              <a:latin typeface="Arial"/>
+              <a:ea typeface="Arial"/>
+              <a:cs typeface="Arial"/>
+              <a:sym typeface="Arial"/>
+            </a:endParaRPr>
+          </a:p>
+          <a:p>
+            <a:pPr indent="-355600" lvl="0" marL="457200" rtl="0" algn="l">
+              <a:lnSpc>
+                <a:spcPct val="115000"/>
+              </a:lnSpc>
+              <a:spcBef>
+                <a:spcPts val="1200"/>
+              </a:spcBef>
+              <a:spcAft>
+                <a:spcPts val="0"/>
+              </a:spcAft>
+              <a:buClr>
+                <a:srgbClr val="000000"/>
+              </a:buClr>
+              <a:buSzPts val="2000"/>
+              <a:buFont typeface="Arial"/>
+              <a:buChar char="●"/>
+            </a:pPr>
+            <a:r>
+              <a:rPr lang="en" sz="2000">
+                <a:solidFill>
+                  <a:srgbClr val="000000"/>
+                </a:solidFill>
+                <a:latin typeface="Arial"/>
+                <a:ea typeface="Arial"/>
+                <a:cs typeface="Arial"/>
+                <a:sym typeface="Arial"/>
+              </a:rPr>
+              <a:t>Geographic and demographic data for counties in the U.S.</a:t>
             </a:r>
             <a:endParaRPr sz="2000">
               <a:solidFill>
@@ -38570,133 +38653,6 @@
           </a:p>
           <a:p>
             <a:pPr indent="0" lvl="0" marL="0" rtl="0" algn="l">
-              <a:lnSpc>
-                <a:spcPct val="115000"/>
-              </a:lnSpc>
-              <a:spcBef>
-                <a:spcPts val="1400"/>
-              </a:spcBef>
-              <a:spcAft>
-                <a:spcPts val="0"/>
-              </a:spcAft>
-              <a:buNone/>
-            </a:pPr>
-            <a:r>
-              <a:rPr b="1" lang="en" sz="2000">
-                <a:solidFill>
-                  <a:srgbClr val="000000"/>
-                </a:solidFill>
-                <a:latin typeface="Arial"/>
-                <a:ea typeface="Arial"/>
-                <a:cs typeface="Arial"/>
-                <a:sym typeface="Arial"/>
-              </a:rPr>
-              <a:t>2. Counties Dataset:</a:t>
-            </a:r>
-            <a:endParaRPr b="1" sz="2000">
-              <a:solidFill>
-                <a:srgbClr val="000000"/>
-              </a:solidFill>
-              <a:latin typeface="Arial"/>
-              <a:ea typeface="Arial"/>
-              <a:cs typeface="Arial"/>
-              <a:sym typeface="Arial"/>
-            </a:endParaRPr>
-          </a:p>
-          <a:p>
-            <a:pPr indent="-355600" lvl="0" marL="457200" rtl="0" algn="l">
-              <a:lnSpc>
-                <a:spcPct val="115000"/>
-              </a:lnSpc>
-              <a:spcBef>
-                <a:spcPts val="1200"/>
-              </a:spcBef>
-              <a:spcAft>
-                <a:spcPts val="0"/>
-              </a:spcAft>
-              <a:buClr>
-                <a:srgbClr val="000000"/>
-              </a:buClr>
-              <a:buSzPts val="2000"/>
-              <a:buFont typeface="Arial"/>
-              <a:buChar char="●"/>
-            </a:pPr>
-            <a:r>
-              <a:rPr lang="en" sz="2000">
-                <a:solidFill>
-                  <a:srgbClr val="000000"/>
-                </a:solidFill>
-                <a:latin typeface="Arial"/>
-                <a:ea typeface="Arial"/>
-                <a:cs typeface="Arial"/>
-                <a:sym typeface="Arial"/>
-              </a:rPr>
-              <a:t>Geographic and demographic data for counties in the U.S.</a:t>
-            </a:r>
-            <a:endParaRPr sz="2000">
-              <a:solidFill>
-                <a:srgbClr val="000000"/>
-              </a:solidFill>
-              <a:latin typeface="Arial"/>
-              <a:ea typeface="Arial"/>
-              <a:cs typeface="Arial"/>
-              <a:sym typeface="Arial"/>
-            </a:endParaRPr>
-          </a:p>
-          <a:p>
-            <a:pPr indent="-355600" lvl="0" marL="457200" rtl="0" algn="l">
-              <a:lnSpc>
-                <a:spcPct val="115000"/>
-              </a:lnSpc>
-              <a:spcBef>
-                <a:spcPts val="0"/>
-              </a:spcBef>
-              <a:spcAft>
-                <a:spcPts val="0"/>
-              </a:spcAft>
-              <a:buClr>
-                <a:srgbClr val="000000"/>
-              </a:buClr>
-              <a:buSzPts val="2000"/>
-              <a:buFont typeface="Arial"/>
-              <a:buChar char="●"/>
-            </a:pPr>
-            <a:r>
-              <a:rPr b="1" lang="en" sz="2000">
-                <a:solidFill>
-                  <a:srgbClr val="000000"/>
-                </a:solidFill>
-                <a:latin typeface="Arial"/>
-                <a:ea typeface="Arial"/>
-                <a:cs typeface="Arial"/>
-                <a:sym typeface="Arial"/>
-              </a:rPr>
-              <a:t>Source:</a:t>
-            </a:r>
-            <a:r>
-              <a:rPr lang="en" sz="2000">
-                <a:solidFill>
-                  <a:srgbClr val="000000"/>
-                </a:solidFill>
-                <a:latin typeface="Arial"/>
-                <a:ea typeface="Arial"/>
-                <a:cs typeface="Arial"/>
-                <a:sym typeface="Arial"/>
-              </a:rPr>
-              <a:t> Kaggle</a:t>
-            </a:r>
-            <a:endParaRPr sz="2000">
-              <a:solidFill>
-                <a:srgbClr val="000000"/>
-              </a:solidFill>
-              <a:latin typeface="Arial"/>
-              <a:ea typeface="Arial"/>
-              <a:cs typeface="Arial"/>
-              <a:sym typeface="Arial"/>
-            </a:endParaRPr>
-          </a:p>
-          <a:p>
-            <a:pPr indent="0" lvl="0" marL="0" rtl="0" algn="l">
               <a:spcBef>
                 <a:spcPts val="1200"/>
               </a:spcBef>
@@ -38722,7 +38678,7 @@
       </p:sp>
       <p:sp>
         <p:nvSpPr>
-          <p:cNvPr id="393" name="Google Shape;393;p44"/>
+          <p:cNvPr id="392" name="Google Shape;392;p44"/>
           <p:cNvSpPr txBox="1"/>
           <p:nvPr>
             <p:ph idx="12" type="sldNum"/>
@@ -38762,7 +38718,7 @@
       </p:sp>
       <p:cxnSp>
         <p:nvCxnSpPr>
-          <p:cNvPr id="394" name="Google Shape;394;p44"/>
+          <p:cNvPr id="393" name="Google Shape;393;p44"/>
           <p:cNvCxnSpPr/>
           <p:nvPr/>
         </p:nvCxnSpPr>
@@ -38788,7 +38744,7 @@
       </p:cxnSp>
       <p:sp>
         <p:nvSpPr>
-          <p:cNvPr id="395" name="Google Shape;395;p44"/>
+          <p:cNvPr id="394" name="Google Shape;394;p44"/>
           <p:cNvSpPr txBox="1"/>
           <p:nvPr/>
         </p:nvSpPr>
@@ -38849,7 +38805,7 @@
       </p:sp>
       <p:sp>
         <p:nvSpPr>
-          <p:cNvPr id="396" name="Google Shape;396;p44"/>
+          <p:cNvPr id="395" name="Google Shape;395;p44"/>
           <p:cNvSpPr txBox="1"/>
           <p:nvPr>
             <p:ph idx="1" type="subTitle"/>
@@ -38910,7 +38866,7 @@
   <p:cSld>
     <p:spTree>
       <p:nvGrpSpPr>
-        <p:cNvPr id="400" name="Shape 400"/>
+        <p:cNvPr id="399" name="Shape 399"/>
         <p:cNvGrpSpPr/>
         <p:nvPr/>
       </p:nvGrpSpPr>
@@ -38924,7 +38880,7 @@
       </p:grpSpPr>
       <p:sp>
         <p:nvSpPr>
-          <p:cNvPr id="401" name="Google Shape;401;p45"/>
+          <p:cNvPr id="400" name="Google Shape;400;p45"/>
           <p:cNvSpPr txBox="1"/>
           <p:nvPr>
             <p:ph type="title"/>
@@ -38997,7 +38953,7 @@
       </p:sp>
       <p:sp>
         <p:nvSpPr>
-          <p:cNvPr id="402" name="Google Shape;402;p45"/>
+          <p:cNvPr id="401" name="Google Shape;401;p45"/>
           <p:cNvSpPr txBox="1"/>
           <p:nvPr>
             <p:ph idx="12" type="sldNum"/>
@@ -39037,7 +38993,7 @@
       </p:sp>
       <p:sp>
         <p:nvSpPr>
-          <p:cNvPr id="403" name="Google Shape;403;p45"/>
+          <p:cNvPr id="402" name="Google Shape;402;p45"/>
           <p:cNvSpPr txBox="1"/>
           <p:nvPr>
             <p:ph idx="2" type="subTitle"/>
@@ -39201,7 +39157,7 @@
   <p:cSld>
     <p:spTree>
       <p:nvGrpSpPr>
-        <p:cNvPr id="407" name="Shape 407"/>
+        <p:cNvPr id="406" name="Shape 406"/>
         <p:cNvGrpSpPr/>
         <p:nvPr/>
       </p:nvGrpSpPr>
@@ -39215,7 +39171,7 @@
       </p:grpSpPr>
       <p:sp>
         <p:nvSpPr>
-          <p:cNvPr id="408" name="Google Shape;408;p46"/>
+          <p:cNvPr id="407" name="Google Shape;407;p46"/>
           <p:cNvSpPr txBox="1"/>
           <p:nvPr>
             <p:ph type="title"/>
@@ -39297,7 +39253,7 @@
       </p:sp>
       <p:sp>
         <p:nvSpPr>
-          <p:cNvPr id="409" name="Google Shape;409;p46"/>
+          <p:cNvPr id="408" name="Google Shape;408;p46"/>
           <p:cNvSpPr txBox="1"/>
           <p:nvPr>
             <p:ph idx="12" type="sldNum"/>
@@ -39337,7 +39293,7 @@
       </p:sp>
       <p:sp>
         <p:nvSpPr>
-          <p:cNvPr id="410" name="Google Shape;410;p46"/>
+          <p:cNvPr id="409" name="Google Shape;409;p46"/>
           <p:cNvSpPr txBox="1"/>
           <p:nvPr>
             <p:ph idx="2" type="subTitle"/>
@@ -39345,7 +39301,7 @@
         </p:nvSpPr>
         <p:spPr>
           <a:xfrm>
-            <a:off x="342900" y="1469900"/>
+            <a:off x="342900" y="1546100"/>
             <a:ext cx="8343900" cy="3027300"/>
           </a:xfrm>
           <a:prstGeom prst="rect">
@@ -39394,7 +39350,7 @@
       </p:sp>
       <p:pic>
         <p:nvPicPr>
-          <p:cNvPr id="411" name="Google Shape;411;p46"/>
+          <p:cNvPr id="410" name="Google Shape;410;p46"/>
           <p:cNvPicPr preferRelativeResize="0"/>
           <p:nvPr/>
         </p:nvPicPr>
@@ -39422,7 +39378,7 @@
       </p:pic>
       <p:pic>
         <p:nvPicPr>
-          <p:cNvPr id="412" name="Google Shape;412;p46"/>
+          <p:cNvPr id="411" name="Google Shape;411;p46"/>
           <p:cNvPicPr preferRelativeResize="0"/>
           <p:nvPr/>
         </p:nvPicPr>
@@ -39436,8 +39392,8 @@
         </p:blipFill>
         <p:spPr>
           <a:xfrm>
-            <a:off x="528650" y="2914225"/>
-            <a:ext cx="8034601" cy="1003125"/>
+            <a:off x="528650" y="2862600"/>
+            <a:ext cx="8158151" cy="992525"/>
           </a:xfrm>
           <a:prstGeom prst="rect">
             <a:avLst/>
@@ -39461,7 +39417,7 @@
   <p:cSld>
     <p:spTree>
       <p:nvGrpSpPr>
-        <p:cNvPr id="416" name="Shape 416"/>
+        <p:cNvPr id="415" name="Shape 415"/>
         <p:cNvGrpSpPr/>
         <p:nvPr/>
       </p:nvGrpSpPr>
@@ -39475,7 +39431,7 @@
       </p:grpSpPr>
       <p:sp>
         <p:nvSpPr>
-          <p:cNvPr id="417" name="Google Shape;417;p47"/>
+          <p:cNvPr id="416" name="Google Shape;416;p47"/>
           <p:cNvSpPr txBox="1"/>
           <p:nvPr>
             <p:ph type="title"/>
@@ -39548,7 +39504,7 @@
       </p:sp>
       <p:sp>
         <p:nvSpPr>
-          <p:cNvPr id="418" name="Google Shape;418;p47"/>
+          <p:cNvPr id="417" name="Google Shape;417;p47"/>
           <p:cNvSpPr txBox="1"/>
           <p:nvPr>
             <p:ph idx="12" type="sldNum"/>
@@ -39588,7 +39544,7 @@
       </p:sp>
       <p:pic>
         <p:nvPicPr>
-          <p:cNvPr id="419" name="Google Shape;419;p47"/>
+          <p:cNvPr id="418" name="Google Shape;418;p47"/>
           <p:cNvPicPr preferRelativeResize="0"/>
           <p:nvPr/>
         </p:nvPicPr>
@@ -39616,7 +39572,7 @@
       </p:pic>
       <p:pic>
         <p:nvPicPr>
-          <p:cNvPr id="420" name="Google Shape;420;p47"/>
+          <p:cNvPr id="419" name="Google Shape;419;p47"/>
           <p:cNvPicPr preferRelativeResize="0"/>
           <p:nvPr/>
         </p:nvPicPr>
@@ -39655,7 +39611,7 @@
   <p:cSld>
     <p:spTree>
       <p:nvGrpSpPr>
-        <p:cNvPr id="424" name="Shape 424"/>
+        <p:cNvPr id="423" name="Shape 423"/>
         <p:cNvGrpSpPr/>
         <p:nvPr/>
       </p:nvGrpSpPr>
@@ -39669,7 +39625,7 @@
       </p:grpSpPr>
       <p:sp>
         <p:nvSpPr>
-          <p:cNvPr id="425" name="Google Shape;425;p48"/>
+          <p:cNvPr id="424" name="Google Shape;424;p48"/>
           <p:cNvSpPr txBox="1"/>
           <p:nvPr>
             <p:ph type="title"/>
@@ -39742,7 +39698,7 @@
       </p:sp>
       <p:sp>
         <p:nvSpPr>
-          <p:cNvPr id="426" name="Google Shape;426;p48"/>
+          <p:cNvPr id="425" name="Google Shape;425;p48"/>
           <p:cNvSpPr txBox="1"/>
           <p:nvPr>
             <p:ph idx="12" type="sldNum"/>
@@ -39782,7 +39738,7 @@
       </p:sp>
       <p:sp>
         <p:nvSpPr>
-          <p:cNvPr id="427" name="Google Shape;427;p48"/>
+          <p:cNvPr id="426" name="Google Shape;426;p48"/>
           <p:cNvSpPr txBox="1"/>
           <p:nvPr>
             <p:ph idx="2" type="subTitle"/>
@@ -39964,7 +39920,7 @@
   <p:cSld>
     <p:spTree>
       <p:nvGrpSpPr>
-        <p:cNvPr id="431" name="Shape 431"/>
+        <p:cNvPr id="430" name="Shape 430"/>
         <p:cNvGrpSpPr/>
         <p:nvPr/>
       </p:nvGrpSpPr>
@@ -39978,7 +39934,7 @@
       </p:grpSpPr>
       <p:sp>
         <p:nvSpPr>
-          <p:cNvPr id="432" name="Google Shape;432;p49"/>
+          <p:cNvPr id="431" name="Google Shape;431;p49"/>
           <p:cNvSpPr txBox="1"/>
           <p:nvPr>
             <p:ph type="title"/>
@@ -40028,7 +39984,7 @@
       </p:sp>
       <p:sp>
         <p:nvSpPr>
-          <p:cNvPr id="433" name="Google Shape;433;p49"/>
+          <p:cNvPr id="432" name="Google Shape;432;p49"/>
           <p:cNvSpPr txBox="1"/>
           <p:nvPr>
             <p:ph idx="12" type="sldNum"/>
@@ -40068,7 +40024,7 @@
       </p:sp>
       <p:pic>
         <p:nvPicPr>
-          <p:cNvPr id="434" name="Google Shape;434;p49"/>
+          <p:cNvPr id="433" name="Google Shape;433;p49"/>
           <p:cNvPicPr preferRelativeResize="0"/>
           <p:nvPr/>
         </p:nvPicPr>
@@ -40096,7 +40052,7 @@
       </p:pic>
       <p:pic>
         <p:nvPicPr>
-          <p:cNvPr id="435" name="Google Shape;435;p49"/>
+          <p:cNvPr id="434" name="Google Shape;434;p49"/>
           <p:cNvPicPr preferRelativeResize="0"/>
           <p:nvPr/>
         </p:nvPicPr>
@@ -40135,7 +40091,7 @@
   <p:cSld>
     <p:spTree>
       <p:nvGrpSpPr>
-        <p:cNvPr id="439" name="Shape 439"/>
+        <p:cNvPr id="438" name="Shape 438"/>
         <p:cNvGrpSpPr/>
         <p:nvPr/>
       </p:nvGrpSpPr>
@@ -40149,7 +40105,7 @@
       </p:grpSpPr>
       <p:sp>
         <p:nvSpPr>
-          <p:cNvPr id="440" name="Google Shape;440;p50"/>
+          <p:cNvPr id="439" name="Google Shape;439;p50"/>
           <p:cNvSpPr txBox="1"/>
           <p:nvPr>
             <p:ph type="title"/>
@@ -40222,7 +40178,7 @@
       </p:sp>
       <p:sp>
         <p:nvSpPr>
-          <p:cNvPr id="441" name="Google Shape;441;p50"/>
+          <p:cNvPr id="440" name="Google Shape;440;p50"/>
           <p:cNvSpPr txBox="1"/>
           <p:nvPr>
             <p:ph idx="12" type="sldNum"/>
@@ -40262,7 +40218,7 @@
       </p:sp>
       <p:sp>
         <p:nvSpPr>
-          <p:cNvPr id="442" name="Google Shape;442;p50"/>
+          <p:cNvPr id="441" name="Google Shape;441;p50"/>
           <p:cNvSpPr txBox="1"/>
           <p:nvPr>
             <p:ph idx="2" type="subTitle"/>
@@ -40301,7 +40257,7 @@
       </p:sp>
       <p:pic>
         <p:nvPicPr>
-          <p:cNvPr id="443" name="Google Shape;443;p50"/>
+          <p:cNvPr id="442" name="Google Shape;442;p50"/>
           <p:cNvPicPr preferRelativeResize="0"/>
           <p:nvPr/>
         </p:nvPicPr>

--- a/GROUP-10.pptx
+++ b/GROUP-10.pptx
@@ -26,44 +26,46 @@
     <p:sldId id="271" r:id="rId21"/>
     <p:sldId id="272" r:id="rId22"/>
     <p:sldId id="273" r:id="rId23"/>
+    <p:sldId id="274" r:id="rId24"/>
+    <p:sldId id="275" r:id="rId25"/>
   </p:sldIdLst>
   <p:sldSz cy="5143500" cx="9144000"/>
   <p:notesSz cx="6858000" cy="9144000"/>
   <p:embeddedFontLst>
     <p:embeddedFont>
       <p:font typeface="IBM Plex Sans"/>
-      <p:regular r:id="rId24"/>
-      <p:bold r:id="rId25"/>
-      <p:italic r:id="rId26"/>
-      <p:boldItalic r:id="rId27"/>
+      <p:regular r:id="rId26"/>
+      <p:bold r:id="rId27"/>
+      <p:italic r:id="rId28"/>
+      <p:boldItalic r:id="rId29"/>
     </p:embeddedFont>
     <p:embeddedFont>
       <p:font typeface="IBM Plex Sans Light"/>
-      <p:regular r:id="rId28"/>
-      <p:bold r:id="rId29"/>
-      <p:italic r:id="rId30"/>
-      <p:boldItalic r:id="rId31"/>
+      <p:regular r:id="rId30"/>
+      <p:bold r:id="rId31"/>
+      <p:italic r:id="rId32"/>
+      <p:boldItalic r:id="rId33"/>
     </p:embeddedFont>
     <p:embeddedFont>
       <p:font typeface="IBM Plex Mono Light"/>
-      <p:regular r:id="rId32"/>
-      <p:bold r:id="rId33"/>
-      <p:italic r:id="rId34"/>
-      <p:boldItalic r:id="rId35"/>
+      <p:regular r:id="rId34"/>
+      <p:bold r:id="rId35"/>
+      <p:italic r:id="rId36"/>
+      <p:boldItalic r:id="rId37"/>
     </p:embeddedFont>
     <p:embeddedFont>
       <p:font typeface="IBM Plex Sans Medium"/>
-      <p:regular r:id="rId36"/>
-      <p:bold r:id="rId37"/>
-      <p:italic r:id="rId38"/>
-      <p:boldItalic r:id="rId39"/>
+      <p:regular r:id="rId38"/>
+      <p:bold r:id="rId39"/>
+      <p:italic r:id="rId40"/>
+      <p:boldItalic r:id="rId41"/>
     </p:embeddedFont>
     <p:embeddedFont>
       <p:font typeface="IBM Plex Mono"/>
-      <p:regular r:id="rId40"/>
-      <p:bold r:id="rId41"/>
-      <p:italic r:id="rId42"/>
-      <p:boldItalic r:id="rId43"/>
+      <p:regular r:id="rId42"/>
+      <p:bold r:id="rId43"/>
+      <p:italic r:id="rId44"/>
+      <p:boldItalic r:id="rId45"/>
     </p:embeddedFont>
   </p:embeddedFontLst>
   <p:defaultTextStyle>
@@ -844,7 +846,7 @@
   <p:cSld>
     <p:spTree>
       <p:nvGrpSpPr>
-        <p:cNvPr id="443" name="Shape 443"/>
+        <p:cNvPr id="442" name="Shape 442"/>
         <p:cNvGrpSpPr/>
         <p:nvPr/>
       </p:nvGrpSpPr>
@@ -858,7 +860,7 @@
       </p:grpSpPr>
       <p:sp>
         <p:nvSpPr>
-          <p:cNvPr id="444" name="Google Shape;444;g31e1bf13743_0_600:notes"/>
+          <p:cNvPr id="443" name="Google Shape;443;g31e1bf13743_0_522:notes"/>
           <p:cNvSpPr/>
           <p:nvPr>
             <p:ph idx="2" type="sldImg"/>
@@ -893,7 +895,7 @@
       </p:sp>
       <p:sp>
         <p:nvSpPr>
-          <p:cNvPr id="445" name="Google Shape;445;g31e1bf13743_0_600:notes"/>
+          <p:cNvPr id="444" name="Google Shape;444;g31e1bf13743_0_522:notes"/>
           <p:cNvSpPr txBox="1"/>
           <p:nvPr>
             <p:ph idx="1" type="body"/>
@@ -943,7 +945,7 @@
   <p:cSld>
     <p:spTree>
       <p:nvGrpSpPr>
-        <p:cNvPr id="451" name="Shape 451"/>
+        <p:cNvPr id="450" name="Shape 450"/>
         <p:cNvGrpSpPr/>
         <p:nvPr/>
       </p:nvGrpSpPr>
@@ -957,7 +959,7 @@
       </p:grpSpPr>
       <p:sp>
         <p:nvSpPr>
-          <p:cNvPr id="452" name="Google Shape;452;g31e1bf13743_0_530:notes"/>
+          <p:cNvPr id="451" name="Google Shape;451;g31e1bf13743_0_600:notes"/>
           <p:cNvSpPr/>
           <p:nvPr>
             <p:ph idx="2" type="sldImg"/>
@@ -992,7 +994,7 @@
       </p:sp>
       <p:sp>
         <p:nvSpPr>
-          <p:cNvPr id="453" name="Google Shape;453;g31e1bf13743_0_530:notes"/>
+          <p:cNvPr id="452" name="Google Shape;452;g31e1bf13743_0_600:notes"/>
           <p:cNvSpPr txBox="1"/>
           <p:nvPr>
             <p:ph idx="1" type="body"/>
@@ -1056,7 +1058,7 @@
       </p:grpSpPr>
       <p:sp>
         <p:nvSpPr>
-          <p:cNvPr id="459" name="Google Shape;459;g31e1bf13743_0_539:notes"/>
+          <p:cNvPr id="459" name="Google Shape;459;g31e1bf13743_0_530:notes"/>
           <p:cNvSpPr/>
           <p:nvPr>
             <p:ph idx="2" type="sldImg"/>
@@ -1091,7 +1093,7 @@
       </p:sp>
       <p:sp>
         <p:nvSpPr>
-          <p:cNvPr id="460" name="Google Shape;460;g31e1bf13743_0_539:notes"/>
+          <p:cNvPr id="460" name="Google Shape;460;g31e1bf13743_0_530:notes"/>
           <p:cNvSpPr txBox="1"/>
           <p:nvPr>
             <p:ph idx="1" type="body"/>
@@ -1141,7 +1143,7 @@
   <p:cSld>
     <p:spTree>
       <p:nvGrpSpPr>
-        <p:cNvPr id="467" name="Shape 467"/>
+        <p:cNvPr id="465" name="Shape 465"/>
         <p:cNvGrpSpPr/>
         <p:nvPr/>
       </p:nvGrpSpPr>
@@ -1155,7 +1157,7 @@
       </p:grpSpPr>
       <p:sp>
         <p:nvSpPr>
-          <p:cNvPr id="468" name="Google Shape;468;g31e1bf13743_0_554:notes"/>
+          <p:cNvPr id="466" name="Google Shape;466;g31e1bf13743_0_539:notes"/>
           <p:cNvSpPr/>
           <p:nvPr>
             <p:ph idx="2" type="sldImg"/>
@@ -1190,7 +1192,7 @@
       </p:sp>
       <p:sp>
         <p:nvSpPr>
-          <p:cNvPr id="469" name="Google Shape;469;g31e1bf13743_0_554:notes"/>
+          <p:cNvPr id="467" name="Google Shape;467;g31e1bf13743_0_539:notes"/>
           <p:cNvSpPr txBox="1"/>
           <p:nvPr>
             <p:ph idx="1" type="body"/>
@@ -1240,7 +1242,7 @@
   <p:cSld>
     <p:spTree>
       <p:nvGrpSpPr>
-        <p:cNvPr id="475" name="Shape 475"/>
+        <p:cNvPr id="474" name="Shape 474"/>
         <p:cNvGrpSpPr/>
         <p:nvPr/>
       </p:nvGrpSpPr>
@@ -1254,7 +1256,7 @@
       </p:grpSpPr>
       <p:sp>
         <p:nvSpPr>
-          <p:cNvPr id="476" name="Google Shape;476;g31e1bf13743_0_572:notes"/>
+          <p:cNvPr id="475" name="Google Shape;475;g31e1bf13743_0_554:notes"/>
           <p:cNvSpPr/>
           <p:nvPr>
             <p:ph idx="2" type="sldImg"/>
@@ -1289,7 +1291,7 @@
       </p:sp>
       <p:sp>
         <p:nvSpPr>
-          <p:cNvPr id="477" name="Google Shape;477;g31e1bf13743_0_572:notes"/>
+          <p:cNvPr id="476" name="Google Shape;476;g31e1bf13743_0_554:notes"/>
           <p:cNvSpPr txBox="1"/>
           <p:nvPr>
             <p:ph idx="1" type="body"/>
@@ -1339,7 +1341,7 @@
   <p:cSld>
     <p:spTree>
       <p:nvGrpSpPr>
-        <p:cNvPr id="483" name="Shape 483"/>
+        <p:cNvPr id="482" name="Shape 482"/>
         <p:cNvGrpSpPr/>
         <p:nvPr/>
       </p:nvGrpSpPr>
@@ -1353,7 +1355,7 @@
       </p:grpSpPr>
       <p:sp>
         <p:nvSpPr>
-          <p:cNvPr id="484" name="Google Shape;484;g31e1bf13743_0_582:notes"/>
+          <p:cNvPr id="483" name="Google Shape;483;g31e1bf13743_0_657:notes"/>
           <p:cNvSpPr/>
           <p:nvPr>
             <p:ph idx="2" type="sldImg"/>
@@ -1388,7 +1390,7 @@
       </p:sp>
       <p:sp>
         <p:nvSpPr>
-          <p:cNvPr id="485" name="Google Shape;485;g31e1bf13743_0_582:notes"/>
+          <p:cNvPr id="484" name="Google Shape;484;g31e1bf13743_0_657:notes"/>
           <p:cNvSpPr txBox="1"/>
           <p:nvPr>
             <p:ph idx="1" type="body"/>
@@ -1438,7 +1440,7 @@
   <p:cSld>
     <p:spTree>
       <p:nvGrpSpPr>
-        <p:cNvPr id="491" name="Shape 491"/>
+        <p:cNvPr id="490" name="Shape 490"/>
         <p:cNvGrpSpPr/>
         <p:nvPr/>
       </p:nvGrpSpPr>
@@ -1452,7 +1454,7 @@
       </p:grpSpPr>
       <p:sp>
         <p:nvSpPr>
-          <p:cNvPr id="492" name="Google Shape;492;g31e1bf13743_0_615:notes"/>
+          <p:cNvPr id="491" name="Google Shape;491;g31e1bf13743_0_572:notes"/>
           <p:cNvSpPr/>
           <p:nvPr>
             <p:ph idx="2" type="sldImg"/>
@@ -1487,7 +1489,7 @@
       </p:sp>
       <p:sp>
         <p:nvSpPr>
-          <p:cNvPr id="493" name="Google Shape;493;g31e1bf13743_0_615:notes"/>
+          <p:cNvPr id="492" name="Google Shape;492;g31e1bf13743_0_572:notes"/>
           <p:cNvSpPr txBox="1"/>
           <p:nvPr>
             <p:ph idx="1" type="body"/>
@@ -1551,7 +1553,7 @@
       </p:grpSpPr>
       <p:sp>
         <p:nvSpPr>
-          <p:cNvPr id="499" name="Google Shape;499;g31e1bf13743_0_622:notes"/>
+          <p:cNvPr id="499" name="Google Shape;499;g31e1bf13743_0_582:notes"/>
           <p:cNvSpPr/>
           <p:nvPr>
             <p:ph idx="2" type="sldImg"/>
@@ -1586,7 +1588,7 @@
       </p:sp>
       <p:sp>
         <p:nvSpPr>
-          <p:cNvPr id="500" name="Google Shape;500;g31e1bf13743_0_622:notes"/>
+          <p:cNvPr id="500" name="Google Shape;500;g31e1bf13743_0_582:notes"/>
           <p:cNvSpPr txBox="1"/>
           <p:nvPr>
             <p:ph idx="1" type="body"/>
@@ -1636,7 +1638,7 @@
   <p:cSld>
     <p:spTree>
       <p:nvGrpSpPr>
-        <p:cNvPr id="505" name="Shape 505"/>
+        <p:cNvPr id="506" name="Shape 506"/>
         <p:cNvGrpSpPr/>
         <p:nvPr/>
       </p:nvGrpSpPr>
@@ -1650,7 +1652,7 @@
       </p:grpSpPr>
       <p:sp>
         <p:nvSpPr>
-          <p:cNvPr id="506" name="Google Shape;506;g31e1bf13743_0_630:notes"/>
+          <p:cNvPr id="507" name="Google Shape;507;g31e1bf13743_0_615:notes"/>
           <p:cNvSpPr/>
           <p:nvPr>
             <p:ph idx="2" type="sldImg"/>
@@ -1685,7 +1687,106 @@
       </p:sp>
       <p:sp>
         <p:nvSpPr>
-          <p:cNvPr id="507" name="Google Shape;507;g31e1bf13743_0_630:notes"/>
+          <p:cNvPr id="508" name="Google Shape;508;g31e1bf13743_0_615:notes"/>
+          <p:cNvSpPr txBox="1"/>
+          <p:nvPr>
+            <p:ph idx="1" type="body"/>
+          </p:nvPr>
+        </p:nvSpPr>
+        <p:spPr>
+          <a:xfrm>
+            <a:off x="685800" y="4343400"/>
+            <a:ext cx="5486400" cy="4114800"/>
+          </a:xfrm>
+          <a:prstGeom prst="rect">
+            <a:avLst/>
+          </a:prstGeom>
+        </p:spPr>
+        <p:txBody>
+          <a:bodyPr anchorCtr="0" anchor="t" bIns="91425" lIns="91425" spcFirstLastPara="1" rIns="91425" wrap="square" tIns="91425">
+            <a:noAutofit/>
+          </a:bodyPr>
+          <a:lstStyle/>
+          <a:p>
+            <a:pPr indent="0" lvl="0" marL="0" rtl="0" algn="l">
+              <a:spcBef>
+                <a:spcPts val="0"/>
+              </a:spcBef>
+              <a:spcAft>
+                <a:spcPts val="0"/>
+              </a:spcAft>
+              <a:buNone/>
+            </a:pPr>
+            <a:r>
+              <a:t/>
+            </a:r>
+            <a:endParaRPr/>
+          </a:p>
+        </p:txBody>
+      </p:sp>
+    </p:spTree>
+  </p:cSld>
+  <p:clrMapOvr>
+    <a:masterClrMapping/>
+  </p:clrMapOvr>
+</p:notes>
+</file>
+
+<file path=ppt/notesSlides/notesSlide19.xml><?xml version="1.0" encoding="utf-8"?>
+<p:notes xmlns:a="http://schemas.openxmlformats.org/drawingml/2006/main" xmlns:r="http://schemas.openxmlformats.org/officeDocument/2006/relationships" xmlns:mc="http://schemas.openxmlformats.org/markup-compatibility/2006" xmlns:mv="urn:schemas-microsoft-com:mac:vml" xmlns:p="http://schemas.openxmlformats.org/presentationml/2006/main" xmlns:c="http://schemas.openxmlformats.org/drawingml/2006/chart" xmlns:dgm="http://schemas.openxmlformats.org/drawingml/2006/diagram" xmlns:o="urn:schemas-microsoft-com:office:office" xmlns:v="urn:schemas-microsoft-com:vml" xmlns:pvml="urn:schemas-microsoft-com:office:powerpoint" xmlns:com="http://schemas.openxmlformats.org/drawingml/2006/compatibility" xmlns:p14="http://schemas.microsoft.com/office/powerpoint/2010/main" xmlns:p15="http://schemas.microsoft.com/office/powerpoint/2012/main" xmlns:ahyp="http://schemas.microsoft.com/office/drawing/2018/hyperlinkcolor" showMasterPhAnim="0" showMasterSp="0">
+  <p:cSld>
+    <p:spTree>
+      <p:nvGrpSpPr>
+        <p:cNvPr id="513" name="Shape 513"/>
+        <p:cNvGrpSpPr/>
+        <p:nvPr/>
+      </p:nvGrpSpPr>
+      <p:grpSpPr>
+        <a:xfrm>
+          <a:off x="0" y="0"/>
+          <a:ext cx="0" cy="0"/>
+          <a:chOff x="0" y="0"/>
+          <a:chExt cx="0" cy="0"/>
+        </a:xfrm>
+      </p:grpSpPr>
+      <p:sp>
+        <p:nvSpPr>
+          <p:cNvPr id="514" name="Google Shape;514;g31e1bf13743_0_622:notes"/>
+          <p:cNvSpPr/>
+          <p:nvPr>
+            <p:ph idx="2" type="sldImg"/>
+          </p:nvPr>
+        </p:nvSpPr>
+        <p:spPr>
+          <a:xfrm>
+            <a:off x="381300" y="685800"/>
+            <a:ext cx="6096000" cy="3429000"/>
+          </a:xfrm>
+          <a:custGeom>
+            <a:rect b="b" l="l" r="r" t="t"/>
+            <a:pathLst>
+              <a:path extrusionOk="0" h="120000" w="120000">
+                <a:moveTo>
+                  <a:pt x="0" y="0"/>
+                </a:moveTo>
+                <a:lnTo>
+                  <a:pt x="120000" y="0"/>
+                </a:lnTo>
+                <a:lnTo>
+                  <a:pt x="120000" y="120000"/>
+                </a:lnTo>
+                <a:lnTo>
+                  <a:pt x="0" y="120000"/>
+                </a:lnTo>
+                <a:close/>
+              </a:path>
+            </a:pathLst>
+          </a:custGeom>
+        </p:spPr>
+      </p:sp>
+      <p:sp>
+        <p:nvSpPr>
+          <p:cNvPr id="515" name="Google Shape;515;g31e1bf13743_0_622:notes"/>
           <p:cNvSpPr txBox="1"/>
           <p:nvPr>
             <p:ph idx="1" type="body"/>
@@ -1829,6 +1930,105 @@
 </p:notes>
 </file>
 
+<file path=ppt/notesSlides/notesSlide20.xml><?xml version="1.0" encoding="utf-8"?>
+<p:notes xmlns:a="http://schemas.openxmlformats.org/drawingml/2006/main" xmlns:r="http://schemas.openxmlformats.org/officeDocument/2006/relationships" xmlns:mc="http://schemas.openxmlformats.org/markup-compatibility/2006" xmlns:mv="urn:schemas-microsoft-com:mac:vml" xmlns:p="http://schemas.openxmlformats.org/presentationml/2006/main" xmlns:c="http://schemas.openxmlformats.org/drawingml/2006/chart" xmlns:dgm="http://schemas.openxmlformats.org/drawingml/2006/diagram" xmlns:o="urn:schemas-microsoft-com:office:office" xmlns:v="urn:schemas-microsoft-com:vml" xmlns:pvml="urn:schemas-microsoft-com:office:powerpoint" xmlns:com="http://schemas.openxmlformats.org/drawingml/2006/compatibility" xmlns:p14="http://schemas.microsoft.com/office/powerpoint/2010/main" xmlns:p15="http://schemas.microsoft.com/office/powerpoint/2012/main" xmlns:ahyp="http://schemas.microsoft.com/office/drawing/2018/hyperlinkcolor" showMasterPhAnim="0" showMasterSp="0">
+  <p:cSld>
+    <p:spTree>
+      <p:nvGrpSpPr>
+        <p:cNvPr id="520" name="Shape 520"/>
+        <p:cNvGrpSpPr/>
+        <p:nvPr/>
+      </p:nvGrpSpPr>
+      <p:grpSpPr>
+        <a:xfrm>
+          <a:off x="0" y="0"/>
+          <a:ext cx="0" cy="0"/>
+          <a:chOff x="0" y="0"/>
+          <a:chExt cx="0" cy="0"/>
+        </a:xfrm>
+      </p:grpSpPr>
+      <p:sp>
+        <p:nvSpPr>
+          <p:cNvPr id="521" name="Google Shape;521;g31e1bf13743_0_630:notes"/>
+          <p:cNvSpPr/>
+          <p:nvPr>
+            <p:ph idx="2" type="sldImg"/>
+          </p:nvPr>
+        </p:nvSpPr>
+        <p:spPr>
+          <a:xfrm>
+            <a:off x="381300" y="685800"/>
+            <a:ext cx="6096000" cy="3429000"/>
+          </a:xfrm>
+          <a:custGeom>
+            <a:rect b="b" l="l" r="r" t="t"/>
+            <a:pathLst>
+              <a:path extrusionOk="0" h="120000" w="120000">
+                <a:moveTo>
+                  <a:pt x="0" y="0"/>
+                </a:moveTo>
+                <a:lnTo>
+                  <a:pt x="120000" y="0"/>
+                </a:lnTo>
+                <a:lnTo>
+                  <a:pt x="120000" y="120000"/>
+                </a:lnTo>
+                <a:lnTo>
+                  <a:pt x="0" y="120000"/>
+                </a:lnTo>
+                <a:close/>
+              </a:path>
+            </a:pathLst>
+          </a:custGeom>
+        </p:spPr>
+      </p:sp>
+      <p:sp>
+        <p:nvSpPr>
+          <p:cNvPr id="522" name="Google Shape;522;g31e1bf13743_0_630:notes"/>
+          <p:cNvSpPr txBox="1"/>
+          <p:nvPr>
+            <p:ph idx="1" type="body"/>
+          </p:nvPr>
+        </p:nvSpPr>
+        <p:spPr>
+          <a:xfrm>
+            <a:off x="685800" y="4343400"/>
+            <a:ext cx="5486400" cy="4114800"/>
+          </a:xfrm>
+          <a:prstGeom prst="rect">
+            <a:avLst/>
+          </a:prstGeom>
+        </p:spPr>
+        <p:txBody>
+          <a:bodyPr anchorCtr="0" anchor="t" bIns="91425" lIns="91425" spcFirstLastPara="1" rIns="91425" wrap="square" tIns="91425">
+            <a:noAutofit/>
+          </a:bodyPr>
+          <a:lstStyle/>
+          <a:p>
+            <a:pPr indent="0" lvl="0" marL="0" rtl="0" algn="l">
+              <a:spcBef>
+                <a:spcPts val="0"/>
+              </a:spcBef>
+              <a:spcAft>
+                <a:spcPts val="0"/>
+              </a:spcAft>
+              <a:buNone/>
+            </a:pPr>
+            <a:r>
+              <a:t/>
+            </a:r>
+            <a:endParaRPr/>
+          </a:p>
+        </p:txBody>
+      </p:sp>
+    </p:spTree>
+  </p:cSld>
+  <p:clrMapOvr>
+    <a:masterClrMapping/>
+  </p:clrMapOvr>
+</p:notes>
+</file>
+
 <file path=ppt/notesSlides/notesSlide3.xml><?xml version="1.0" encoding="utf-8"?>
 <p:notes xmlns:a="http://schemas.openxmlformats.org/drawingml/2006/main" xmlns:r="http://schemas.openxmlformats.org/officeDocument/2006/relationships" xmlns:mc="http://schemas.openxmlformats.org/markup-compatibility/2006" xmlns:mv="urn:schemas-microsoft-com:mac:vml" xmlns:p="http://schemas.openxmlformats.org/presentationml/2006/main" xmlns:c="http://schemas.openxmlformats.org/drawingml/2006/chart" xmlns:dgm="http://schemas.openxmlformats.org/drawingml/2006/diagram" xmlns:o="urn:schemas-microsoft-com:office:office" xmlns:v="urn:schemas-microsoft-com:vml" xmlns:pvml="urn:schemas-microsoft-com:office:powerpoint" xmlns:com="http://schemas.openxmlformats.org/drawingml/2006/compatibility" xmlns:p14="http://schemas.microsoft.com/office/powerpoint/2010/main" xmlns:p15="http://schemas.microsoft.com/office/powerpoint/2012/main" xmlns:ahyp="http://schemas.microsoft.com/office/drawing/2018/hyperlinkcolor" showMasterPhAnim="0" showMasterSp="0">
   <p:cSld>
@@ -2046,7 +2246,7 @@
       </p:grpSpPr>
       <p:sp>
         <p:nvSpPr>
-          <p:cNvPr id="404" name="Google Shape;404;g31e1bf13743_0_497:notes"/>
+          <p:cNvPr id="404" name="Google Shape;404;g31e1bf13743_0_592:notes"/>
           <p:cNvSpPr/>
           <p:nvPr>
             <p:ph idx="2" type="sldImg"/>
@@ -2081,7 +2281,7 @@
       </p:sp>
       <p:sp>
         <p:nvSpPr>
-          <p:cNvPr id="405" name="Google Shape;405;g31e1bf13743_0_497:notes"/>
+          <p:cNvPr id="405" name="Google Shape;405;g31e1bf13743_0_592:notes"/>
           <p:cNvSpPr txBox="1"/>
           <p:nvPr>
             <p:ph idx="1" type="body"/>
@@ -2131,7 +2331,7 @@
   <p:cSld>
     <p:spTree>
       <p:nvGrpSpPr>
-        <p:cNvPr id="412" name="Shape 412"/>
+        <p:cNvPr id="411" name="Shape 411"/>
         <p:cNvGrpSpPr/>
         <p:nvPr/>
       </p:nvGrpSpPr>
@@ -2145,7 +2345,7 @@
       </p:grpSpPr>
       <p:sp>
         <p:nvSpPr>
-          <p:cNvPr id="413" name="Google Shape;413;g31e1bf13743_0_592:notes"/>
+          <p:cNvPr id="412" name="Google Shape;412;g31e1bf13743_0_644:notes"/>
           <p:cNvSpPr/>
           <p:nvPr>
             <p:ph idx="2" type="sldImg"/>
@@ -2180,7 +2380,7 @@
       </p:sp>
       <p:sp>
         <p:nvSpPr>
-          <p:cNvPr id="414" name="Google Shape;414;g31e1bf13743_0_592:notes"/>
+          <p:cNvPr id="413" name="Google Shape;413;g31e1bf13743_0_644:notes"/>
           <p:cNvSpPr txBox="1"/>
           <p:nvPr>
             <p:ph idx="1" type="body"/>
@@ -2230,7 +2430,7 @@
   <p:cSld>
     <p:spTree>
       <p:nvGrpSpPr>
-        <p:cNvPr id="420" name="Shape 420"/>
+        <p:cNvPr id="418" name="Shape 418"/>
         <p:cNvGrpSpPr/>
         <p:nvPr/>
       </p:nvGrpSpPr>
@@ -2244,7 +2444,7 @@
       </p:grpSpPr>
       <p:sp>
         <p:nvSpPr>
-          <p:cNvPr id="421" name="Google Shape;421;g31e1bf13743_0_505:notes"/>
+          <p:cNvPr id="419" name="Google Shape;419;g31e1bf13743_0_505:notes"/>
           <p:cNvSpPr/>
           <p:nvPr>
             <p:ph idx="2" type="sldImg"/>
@@ -2279,7 +2479,7 @@
       </p:sp>
       <p:sp>
         <p:nvSpPr>
-          <p:cNvPr id="422" name="Google Shape;422;g31e1bf13743_0_505:notes"/>
+          <p:cNvPr id="420" name="Google Shape;420;g31e1bf13743_0_505:notes"/>
           <p:cNvSpPr txBox="1"/>
           <p:nvPr>
             <p:ph idx="1" type="body"/>
@@ -2329,7 +2529,7 @@
   <p:cSld>
     <p:spTree>
       <p:nvGrpSpPr>
-        <p:cNvPr id="427" name="Shape 427"/>
+        <p:cNvPr id="425" name="Shape 425"/>
         <p:cNvGrpSpPr/>
         <p:nvPr/>
       </p:nvGrpSpPr>
@@ -2343,7 +2543,7 @@
       </p:grpSpPr>
       <p:sp>
         <p:nvSpPr>
-          <p:cNvPr id="428" name="Google Shape;428;g31e1bf13743_0_513:notes"/>
+          <p:cNvPr id="426" name="Google Shape;426;g31e1bf13743_0_497:notes"/>
           <p:cNvSpPr/>
           <p:nvPr>
             <p:ph idx="2" type="sldImg"/>
@@ -2378,7 +2578,7 @@
       </p:sp>
       <p:sp>
         <p:nvSpPr>
-          <p:cNvPr id="429" name="Google Shape;429;g31e1bf13743_0_513:notes"/>
+          <p:cNvPr id="427" name="Google Shape;427;g31e1bf13743_0_497:notes"/>
           <p:cNvSpPr txBox="1"/>
           <p:nvPr>
             <p:ph idx="1" type="body"/>
@@ -2428,7 +2628,7 @@
   <p:cSld>
     <p:spTree>
       <p:nvGrpSpPr>
-        <p:cNvPr id="435" name="Shape 435"/>
+        <p:cNvPr id="434" name="Shape 434"/>
         <p:cNvGrpSpPr/>
         <p:nvPr/>
       </p:nvGrpSpPr>
@@ -2442,7 +2642,7 @@
       </p:grpSpPr>
       <p:sp>
         <p:nvSpPr>
-          <p:cNvPr id="436" name="Google Shape;436;g31e1bf13743_0_522:notes"/>
+          <p:cNvPr id="435" name="Google Shape;435;g31e1bf13743_0_513:notes"/>
           <p:cNvSpPr/>
           <p:nvPr>
             <p:ph idx="2" type="sldImg"/>
@@ -2477,7 +2677,7 @@
       </p:sp>
       <p:sp>
         <p:nvSpPr>
-          <p:cNvPr id="437" name="Google Shape;437;g31e1bf13743_0_522:notes"/>
+          <p:cNvPr id="436" name="Google Shape;436;g31e1bf13743_0_513:notes"/>
           <p:cNvSpPr txBox="1"/>
           <p:nvPr>
             <p:ph idx="1" type="body"/>
@@ -35143,7 +35343,7 @@
   <p:cSld>
     <p:spTree>
       <p:nvGrpSpPr>
-        <p:cNvPr id="446" name="Shape 446"/>
+        <p:cNvPr id="445" name="Shape 445"/>
         <p:cNvGrpSpPr/>
         <p:nvPr/>
       </p:nvGrpSpPr>
@@ -35157,7 +35357,211 @@
       </p:grpSpPr>
       <p:sp>
         <p:nvSpPr>
+          <p:cNvPr id="446" name="Google Shape;446;p51"/>
+          <p:cNvSpPr txBox="1"/>
+          <p:nvPr>
+            <p:ph type="title"/>
+          </p:nvPr>
+        </p:nvSpPr>
+        <p:spPr>
+          <a:xfrm>
+            <a:off x="342900" y="84475"/>
+            <a:ext cx="8653200" cy="1341000"/>
+          </a:xfrm>
+          <a:prstGeom prst="rect">
+            <a:avLst/>
+          </a:prstGeom>
+        </p:spPr>
+        <p:txBody>
+          <a:bodyPr anchorCtr="0" anchor="ctr" bIns="91425" lIns="91425" spcFirstLastPara="1" rIns="91425" wrap="square" tIns="91425">
+            <a:noAutofit/>
+          </a:bodyPr>
+          <a:lstStyle/>
+          <a:p>
+            <a:pPr indent="0" lvl="0" marL="0" rtl="0" algn="l">
+              <a:spcBef>
+                <a:spcPts val="0"/>
+              </a:spcBef>
+              <a:spcAft>
+                <a:spcPts val="0"/>
+              </a:spcAft>
+              <a:buNone/>
+            </a:pPr>
+            <a:r>
+              <a:t/>
+            </a:r>
+            <a:endParaRPr b="1" sz="600">
+              <a:solidFill>
+                <a:srgbClr val="000000"/>
+              </a:solidFill>
+              <a:latin typeface="Times New Roman"/>
+              <a:ea typeface="Times New Roman"/>
+              <a:cs typeface="Times New Roman"/>
+              <a:sym typeface="Times New Roman"/>
+            </a:endParaRPr>
+          </a:p>
+          <a:p>
+            <a:pPr indent="0" lvl="0" marL="0" rtl="0" algn="l">
+              <a:spcBef>
+                <a:spcPts val="0"/>
+              </a:spcBef>
+              <a:spcAft>
+                <a:spcPts val="0"/>
+              </a:spcAft>
+              <a:buNone/>
+            </a:pPr>
+            <a:r>
+              <a:rPr b="1" lang="en" sz="4000">
+                <a:latin typeface="IBM Plex Sans"/>
+                <a:ea typeface="IBM Plex Sans"/>
+                <a:cs typeface="IBM Plex Sans"/>
+                <a:sym typeface="IBM Plex Sans"/>
+              </a:rPr>
+              <a:t>UNIVARIATE ANALYSIS</a:t>
+            </a:r>
+            <a:endParaRPr b="1" sz="4000">
+              <a:latin typeface="IBM Plex Sans"/>
+              <a:ea typeface="IBM Plex Sans"/>
+              <a:cs typeface="IBM Plex Sans"/>
+              <a:sym typeface="IBM Plex Sans"/>
+            </a:endParaRPr>
+          </a:p>
+        </p:txBody>
+      </p:sp>
+      <p:sp>
+        <p:nvSpPr>
           <p:cNvPr id="447" name="Google Shape;447;p51"/>
+          <p:cNvSpPr txBox="1"/>
+          <p:nvPr>
+            <p:ph idx="12" type="sldNum"/>
+          </p:nvPr>
+        </p:nvSpPr>
+        <p:spPr>
+          <a:xfrm>
+            <a:off x="8229600" y="4799170"/>
+            <a:ext cx="457200" cy="273900"/>
+          </a:xfrm>
+          <a:prstGeom prst="rect">
+            <a:avLst/>
+          </a:prstGeom>
+        </p:spPr>
+        <p:txBody>
+          <a:bodyPr anchorCtr="0" anchor="ctr" bIns="91425" lIns="91425" spcFirstLastPara="1" rIns="91425" wrap="square" tIns="91425">
+            <a:noAutofit/>
+          </a:bodyPr>
+          <a:lstStyle/>
+          <a:p>
+            <a:pPr indent="0" lvl="0" marL="0" rtl="0" algn="r">
+              <a:spcBef>
+                <a:spcPts val="0"/>
+              </a:spcBef>
+              <a:spcAft>
+                <a:spcPts val="0"/>
+              </a:spcAft>
+              <a:buNone/>
+            </a:pPr>
+            <a:fld id="{00000000-1234-1234-1234-123412341234}" type="slidenum">
+              <a:rPr lang="en"/>
+              <a:t>‹#›</a:t>
+            </a:fld>
+            <a:endParaRPr/>
+          </a:p>
+        </p:txBody>
+      </p:sp>
+      <p:sp>
+        <p:nvSpPr>
+          <p:cNvPr id="448" name="Google Shape;448;p51"/>
+          <p:cNvSpPr txBox="1"/>
+          <p:nvPr>
+            <p:ph idx="2" type="subTitle"/>
+          </p:nvPr>
+        </p:nvSpPr>
+        <p:spPr>
+          <a:xfrm>
+            <a:off x="400050" y="1358275"/>
+            <a:ext cx="8343900" cy="3666900"/>
+          </a:xfrm>
+          <a:prstGeom prst="rect">
+            <a:avLst/>
+          </a:prstGeom>
+        </p:spPr>
+        <p:txBody>
+          <a:bodyPr anchorCtr="0" anchor="ctr" bIns="91425" lIns="91425" spcFirstLastPara="1" rIns="91425" wrap="square" tIns="91425">
+            <a:noAutofit/>
+          </a:bodyPr>
+          <a:lstStyle/>
+          <a:p>
+            <a:pPr indent="0" lvl="0" marL="0" rtl="0" algn="l">
+              <a:spcBef>
+                <a:spcPts val="0"/>
+              </a:spcBef>
+              <a:spcAft>
+                <a:spcPts val="400"/>
+              </a:spcAft>
+              <a:buNone/>
+            </a:pPr>
+            <a:r>
+              <a:t/>
+            </a:r>
+            <a:endParaRPr/>
+          </a:p>
+        </p:txBody>
+      </p:sp>
+      <p:pic>
+        <p:nvPicPr>
+          <p:cNvPr id="449" name="Google Shape;449;p51"/>
+          <p:cNvPicPr preferRelativeResize="0"/>
+          <p:nvPr/>
+        </p:nvPicPr>
+        <p:blipFill rotWithShape="1">
+          <a:blip r:embed="rId3">
+            <a:alphaModFix/>
+          </a:blip>
+          <a:srcRect b="0" l="0" r="6725" t="0"/>
+          <a:stretch/>
+        </p:blipFill>
+        <p:spPr>
+          <a:xfrm>
+            <a:off x="392150" y="1168525"/>
+            <a:ext cx="5060949" cy="3525551"/>
+          </a:xfrm>
+          <a:prstGeom prst="rect">
+            <a:avLst/>
+          </a:prstGeom>
+          <a:noFill/>
+          <a:ln>
+            <a:noFill/>
+          </a:ln>
+        </p:spPr>
+      </p:pic>
+    </p:spTree>
+  </p:cSld>
+  <p:clrMapOvr>
+    <a:masterClrMapping/>
+  </p:clrMapOvr>
+</p:sld>
+</file>
+
+<file path=ppt/slides/slide11.xml><?xml version="1.0" encoding="utf-8"?>
+<p:sld xmlns:a="http://schemas.openxmlformats.org/drawingml/2006/main" xmlns:r="http://schemas.openxmlformats.org/officeDocument/2006/relationships" xmlns:mc="http://schemas.openxmlformats.org/markup-compatibility/2006" xmlns:mv="urn:schemas-microsoft-com:mac:vml" xmlns:p="http://schemas.openxmlformats.org/presentationml/2006/main" xmlns:c="http://schemas.openxmlformats.org/drawingml/2006/chart" xmlns:dgm="http://schemas.openxmlformats.org/drawingml/2006/diagram" xmlns:o="urn:schemas-microsoft-com:office:office" xmlns:v="urn:schemas-microsoft-com:vml" xmlns:pvml="urn:schemas-microsoft-com:office:powerpoint" xmlns:com="http://schemas.openxmlformats.org/drawingml/2006/compatibility" xmlns:p14="http://schemas.microsoft.com/office/powerpoint/2010/main" xmlns:p15="http://schemas.microsoft.com/office/powerpoint/2012/main" xmlns:ahyp="http://schemas.microsoft.com/office/drawing/2018/hyperlinkcolor">
+  <p:cSld>
+    <p:spTree>
+      <p:nvGrpSpPr>
+        <p:cNvPr id="453" name="Shape 453"/>
+        <p:cNvGrpSpPr/>
+        <p:nvPr/>
+      </p:nvGrpSpPr>
+      <p:grpSpPr>
+        <a:xfrm>
+          <a:off x="0" y="0"/>
+          <a:ext cx="0" cy="0"/>
+          <a:chOff x="0" y="0"/>
+          <a:chExt cx="0" cy="0"/>
+        </a:xfrm>
+      </p:grpSpPr>
+      <p:sp>
+        <p:nvSpPr>
+          <p:cNvPr id="454" name="Google Shape;454;p52"/>
           <p:cNvSpPr txBox="1"/>
           <p:nvPr>
             <p:ph type="title"/>
@@ -35230,7 +35634,7 @@
       </p:sp>
       <p:sp>
         <p:nvSpPr>
-          <p:cNvPr id="448" name="Google Shape;448;p51"/>
+          <p:cNvPr id="455" name="Google Shape;455;p52"/>
           <p:cNvSpPr txBox="1"/>
           <p:nvPr>
             <p:ph idx="12" type="sldNum"/>
@@ -35270,7 +35674,7 @@
       </p:sp>
       <p:sp>
         <p:nvSpPr>
-          <p:cNvPr id="449" name="Google Shape;449;p51"/>
+          <p:cNvPr id="456" name="Google Shape;456;p52"/>
           <p:cNvSpPr txBox="1"/>
           <p:nvPr>
             <p:ph idx="2" type="subTitle"/>
@@ -35309,7 +35713,7 @@
       </p:sp>
       <p:pic>
         <p:nvPicPr>
-          <p:cNvPr id="450" name="Google Shape;450;p51"/>
+          <p:cNvPr id="457" name="Google Shape;457;p52"/>
           <p:cNvPicPr preferRelativeResize="0"/>
           <p:nvPr/>
         </p:nvPicPr>
@@ -35343,12 +35747,12 @@
 </p:sld>
 </file>
 
-<file path=ppt/slides/slide11.xml><?xml version="1.0" encoding="utf-8"?>
+<file path=ppt/slides/slide12.xml><?xml version="1.0" encoding="utf-8"?>
 <p:sld xmlns:a="http://schemas.openxmlformats.org/drawingml/2006/main" xmlns:r="http://schemas.openxmlformats.org/officeDocument/2006/relationships" xmlns:mc="http://schemas.openxmlformats.org/markup-compatibility/2006" xmlns:mv="urn:schemas-microsoft-com:mac:vml" xmlns:p="http://schemas.openxmlformats.org/presentationml/2006/main" xmlns:c="http://schemas.openxmlformats.org/drawingml/2006/chart" xmlns:dgm="http://schemas.openxmlformats.org/drawingml/2006/diagram" xmlns:o="urn:schemas-microsoft-com:office:office" xmlns:v="urn:schemas-microsoft-com:vml" xmlns:pvml="urn:schemas-microsoft-com:office:powerpoint" xmlns:com="http://schemas.openxmlformats.org/drawingml/2006/compatibility" xmlns:p14="http://schemas.microsoft.com/office/powerpoint/2010/main" xmlns:p15="http://schemas.microsoft.com/office/powerpoint/2012/main" xmlns:ahyp="http://schemas.microsoft.com/office/drawing/2018/hyperlinkcolor">
   <p:cSld>
     <p:spTree>
       <p:nvGrpSpPr>
-        <p:cNvPr id="454" name="Shape 454"/>
+        <p:cNvPr id="461" name="Shape 461"/>
         <p:cNvGrpSpPr/>
         <p:nvPr/>
       </p:nvGrpSpPr>
@@ -35362,7 +35766,7 @@
       </p:grpSpPr>
       <p:sp>
         <p:nvSpPr>
-          <p:cNvPr id="455" name="Google Shape;455;p52"/>
+          <p:cNvPr id="462" name="Google Shape;462;p53"/>
           <p:cNvSpPr txBox="1"/>
           <p:nvPr>
             <p:ph type="title"/>
@@ -35412,7 +35816,7 @@
       </p:sp>
       <p:sp>
         <p:nvSpPr>
-          <p:cNvPr id="456" name="Google Shape;456;p52"/>
+          <p:cNvPr id="463" name="Google Shape;463;p53"/>
           <p:cNvSpPr txBox="1"/>
           <p:nvPr>
             <p:ph idx="12" type="sldNum"/>
@@ -35452,7 +35856,7 @@
       </p:sp>
       <p:sp>
         <p:nvSpPr>
-          <p:cNvPr id="457" name="Google Shape;457;p52"/>
+          <p:cNvPr id="464" name="Google Shape;464;p53"/>
           <p:cNvSpPr txBox="1"/>
           <p:nvPr>
             <p:ph idx="2" type="subTitle"/>
@@ -35824,12 +36228,12 @@
 </p:sld>
 </file>
 
-<file path=ppt/slides/slide12.xml><?xml version="1.0" encoding="utf-8"?>
+<file path=ppt/slides/slide13.xml><?xml version="1.0" encoding="utf-8"?>
 <p:sld xmlns:a="http://schemas.openxmlformats.org/drawingml/2006/main" xmlns:r="http://schemas.openxmlformats.org/officeDocument/2006/relationships" xmlns:mc="http://schemas.openxmlformats.org/markup-compatibility/2006" xmlns:mv="urn:schemas-microsoft-com:mac:vml" xmlns:p="http://schemas.openxmlformats.org/presentationml/2006/main" xmlns:c="http://schemas.openxmlformats.org/drawingml/2006/chart" xmlns:dgm="http://schemas.openxmlformats.org/drawingml/2006/diagram" xmlns:o="urn:schemas-microsoft-com:office:office" xmlns:v="urn:schemas-microsoft-com:vml" xmlns:pvml="urn:schemas-microsoft-com:office:powerpoint" xmlns:com="http://schemas.openxmlformats.org/drawingml/2006/compatibility" xmlns:p14="http://schemas.microsoft.com/office/powerpoint/2010/main" xmlns:p15="http://schemas.microsoft.com/office/powerpoint/2012/main" xmlns:ahyp="http://schemas.microsoft.com/office/drawing/2018/hyperlinkcolor">
   <p:cSld>
     <p:spTree>
       <p:nvGrpSpPr>
-        <p:cNvPr id="461" name="Shape 461"/>
+        <p:cNvPr id="468" name="Shape 468"/>
         <p:cNvGrpSpPr/>
         <p:nvPr/>
       </p:nvGrpSpPr>
@@ -35843,7 +36247,7 @@
       </p:grpSpPr>
       <p:sp>
         <p:nvSpPr>
-          <p:cNvPr id="462" name="Google Shape;462;p53"/>
+          <p:cNvPr id="469" name="Google Shape;469;p54"/>
           <p:cNvSpPr txBox="1"/>
           <p:nvPr>
             <p:ph type="title"/>
@@ -35893,7 +36297,7 @@
       </p:sp>
       <p:sp>
         <p:nvSpPr>
-          <p:cNvPr id="463" name="Google Shape;463;p53"/>
+          <p:cNvPr id="470" name="Google Shape;470;p54"/>
           <p:cNvSpPr txBox="1"/>
           <p:nvPr>
             <p:ph idx="12" type="sldNum"/>
@@ -35933,7 +36337,7 @@
       </p:sp>
       <p:sp>
         <p:nvSpPr>
-          <p:cNvPr id="464" name="Google Shape;464;p53"/>
+          <p:cNvPr id="471" name="Google Shape;471;p54"/>
           <p:cNvSpPr txBox="1"/>
           <p:nvPr>
             <p:ph idx="2" type="subTitle"/>
@@ -35983,7 +36387,7 @@
       </p:sp>
       <p:pic>
         <p:nvPicPr>
-          <p:cNvPr id="465" name="Google Shape;465;p53"/>
+          <p:cNvPr id="472" name="Google Shape;472;p54"/>
           <p:cNvPicPr preferRelativeResize="0"/>
           <p:nvPr/>
         </p:nvPicPr>
@@ -35997,8 +36401,8 @@
         </p:blipFill>
         <p:spPr>
           <a:xfrm>
-            <a:off x="400050" y="1078625"/>
-            <a:ext cx="3275299" cy="3946425"/>
+            <a:off x="4500600" y="1589725"/>
+            <a:ext cx="3910425" cy="2848625"/>
           </a:xfrm>
           <a:prstGeom prst="rect">
             <a:avLst/>
@@ -36011,7 +36415,7 @@
       </p:pic>
       <p:pic>
         <p:nvPicPr>
-          <p:cNvPr id="466" name="Google Shape;466;p53"/>
+          <p:cNvPr id="473" name="Google Shape;473;p54"/>
           <p:cNvPicPr preferRelativeResize="0"/>
           <p:nvPr/>
         </p:nvPicPr>
@@ -36025,8 +36429,8 @@
         </p:blipFill>
         <p:spPr>
           <a:xfrm>
-            <a:off x="4319175" y="1688013"/>
-            <a:ext cx="3910425" cy="2848625"/>
+            <a:off x="457200" y="1356375"/>
+            <a:ext cx="3599874" cy="3315400"/>
           </a:xfrm>
           <a:prstGeom prst="rect">
             <a:avLst/>
@@ -36045,12 +36449,12 @@
 </p:sld>
 </file>
 
-<file path=ppt/slides/slide13.xml><?xml version="1.0" encoding="utf-8"?>
+<file path=ppt/slides/slide14.xml><?xml version="1.0" encoding="utf-8"?>
 <p:sld xmlns:a="http://schemas.openxmlformats.org/drawingml/2006/main" xmlns:r="http://schemas.openxmlformats.org/officeDocument/2006/relationships" xmlns:mc="http://schemas.openxmlformats.org/markup-compatibility/2006" xmlns:mv="urn:schemas-microsoft-com:mac:vml" xmlns:p="http://schemas.openxmlformats.org/presentationml/2006/main" xmlns:c="http://schemas.openxmlformats.org/drawingml/2006/chart" xmlns:dgm="http://schemas.openxmlformats.org/drawingml/2006/diagram" xmlns:o="urn:schemas-microsoft-com:office:office" xmlns:v="urn:schemas-microsoft-com:vml" xmlns:pvml="urn:schemas-microsoft-com:office:powerpoint" xmlns:com="http://schemas.openxmlformats.org/drawingml/2006/compatibility" xmlns:p14="http://schemas.microsoft.com/office/powerpoint/2010/main" xmlns:p15="http://schemas.microsoft.com/office/powerpoint/2012/main" xmlns:ahyp="http://schemas.microsoft.com/office/drawing/2018/hyperlinkcolor">
   <p:cSld>
     <p:spTree>
       <p:nvGrpSpPr>
-        <p:cNvPr id="470" name="Shape 470"/>
+        <p:cNvPr id="477" name="Shape 477"/>
         <p:cNvGrpSpPr/>
         <p:nvPr/>
       </p:nvGrpSpPr>
@@ -36064,7 +36468,7 @@
       </p:grpSpPr>
       <p:sp>
         <p:nvSpPr>
-          <p:cNvPr id="471" name="Google Shape;471;p54"/>
+          <p:cNvPr id="478" name="Google Shape;478;p55"/>
           <p:cNvSpPr txBox="1"/>
           <p:nvPr>
             <p:ph type="title"/>
@@ -36123,7 +36527,7 @@
       </p:sp>
       <p:sp>
         <p:nvSpPr>
-          <p:cNvPr id="472" name="Google Shape;472;p54"/>
+          <p:cNvPr id="479" name="Google Shape;479;p55"/>
           <p:cNvSpPr txBox="1"/>
           <p:nvPr>
             <p:ph idx="12" type="sldNum"/>
@@ -36161,444 +36565,9 @@
           </a:p>
         </p:txBody>
       </p:sp>
-      <p:sp>
-        <p:nvSpPr>
-          <p:cNvPr id="473" name="Google Shape;473;p54"/>
-          <p:cNvSpPr txBox="1"/>
-          <p:nvPr>
-            <p:ph idx="2" type="subTitle"/>
-          </p:nvPr>
-        </p:nvSpPr>
-        <p:spPr>
-          <a:xfrm>
-            <a:off x="3345775" y="1308350"/>
-            <a:ext cx="5398200" cy="3716700"/>
-          </a:xfrm>
-          <a:prstGeom prst="rect">
-            <a:avLst/>
-          </a:prstGeom>
-        </p:spPr>
-        <p:txBody>
-          <a:bodyPr anchorCtr="0" anchor="ctr" bIns="91425" lIns="91425" spcFirstLastPara="1" rIns="91425" wrap="square" tIns="91425">
-            <a:noAutofit/>
-          </a:bodyPr>
-          <a:lstStyle/>
-          <a:p>
-            <a:pPr indent="0" lvl="0" marL="457200" rtl="0" algn="just">
-              <a:lnSpc>
-                <a:spcPct val="100000"/>
-              </a:lnSpc>
-              <a:spcBef>
-                <a:spcPts val="1200"/>
-              </a:spcBef>
-              <a:spcAft>
-                <a:spcPts val="0"/>
-              </a:spcAft>
-              <a:buNone/>
-            </a:pPr>
-            <a:r>
-              <a:rPr lang="en" sz="900">
-                <a:solidFill>
-                  <a:srgbClr val="000000"/>
-                </a:solidFill>
-                <a:latin typeface="Arial"/>
-                <a:ea typeface="Arial"/>
-                <a:cs typeface="Arial"/>
-                <a:sym typeface="Arial"/>
-              </a:rPr>
-              <a:t>Discretization:</a:t>
-            </a:r>
-            <a:endParaRPr sz="900">
-              <a:solidFill>
-                <a:srgbClr val="000000"/>
-              </a:solidFill>
-              <a:latin typeface="Arial"/>
-              <a:ea typeface="Arial"/>
-              <a:cs typeface="Arial"/>
-              <a:sym typeface="Arial"/>
-            </a:endParaRPr>
-          </a:p>
-          <a:p>
-            <a:pPr indent="0" lvl="0" marL="457200" rtl="0" algn="just">
-              <a:lnSpc>
-                <a:spcPct val="100000"/>
-              </a:lnSpc>
-              <a:spcBef>
-                <a:spcPts val="1200"/>
-              </a:spcBef>
-              <a:spcAft>
-                <a:spcPts val="0"/>
-              </a:spcAft>
-              <a:buNone/>
-            </a:pPr>
-            <a:r>
-              <a:rPr lang="en" sz="900">
-                <a:solidFill>
-                  <a:srgbClr val="000000"/>
-                </a:solidFill>
-                <a:latin typeface="Arial"/>
-                <a:ea typeface="Arial"/>
-                <a:cs typeface="Arial"/>
-                <a:sym typeface="Arial"/>
-              </a:rPr>
-              <a:t>    The numeric columns are divided into "Low," "Medium," and "High" categories using cut().</a:t>
-            </a:r>
-            <a:endParaRPr sz="900">
-              <a:solidFill>
-                <a:srgbClr val="000000"/>
-              </a:solidFill>
-              <a:latin typeface="Arial"/>
-              <a:ea typeface="Arial"/>
-              <a:cs typeface="Arial"/>
-              <a:sym typeface="Arial"/>
-            </a:endParaRPr>
-          </a:p>
-          <a:p>
-            <a:pPr indent="0" lvl="0" marL="457200" rtl="0" algn="just">
-              <a:lnSpc>
-                <a:spcPct val="100000"/>
-              </a:lnSpc>
-              <a:spcBef>
-                <a:spcPts val="1200"/>
-              </a:spcBef>
-              <a:spcAft>
-                <a:spcPts val="0"/>
-              </a:spcAft>
-              <a:buNone/>
-            </a:pPr>
-            <a:r>
-              <a:rPr lang="en" sz="900">
-                <a:solidFill>
-                  <a:srgbClr val="000000"/>
-                </a:solidFill>
-                <a:latin typeface="Arial"/>
-                <a:ea typeface="Arial"/>
-                <a:cs typeface="Arial"/>
-                <a:sym typeface="Arial"/>
-              </a:rPr>
-              <a:t>- Transactions Conversion:</a:t>
-            </a:r>
-            <a:endParaRPr sz="900">
-              <a:solidFill>
-                <a:srgbClr val="000000"/>
-              </a:solidFill>
-              <a:latin typeface="Arial"/>
-              <a:ea typeface="Arial"/>
-              <a:cs typeface="Arial"/>
-              <a:sym typeface="Arial"/>
-            </a:endParaRPr>
-          </a:p>
-          <a:p>
-            <a:pPr indent="0" lvl="0" marL="457200" rtl="0" algn="just">
-              <a:lnSpc>
-                <a:spcPct val="100000"/>
-              </a:lnSpc>
-              <a:spcBef>
-                <a:spcPts val="1200"/>
-              </a:spcBef>
-              <a:spcAft>
-                <a:spcPts val="0"/>
-              </a:spcAft>
-              <a:buNone/>
-            </a:pPr>
-            <a:r>
-              <a:rPr lang="en" sz="900">
-                <a:solidFill>
-                  <a:srgbClr val="000000"/>
-                </a:solidFill>
-                <a:latin typeface="Arial"/>
-                <a:ea typeface="Arial"/>
-                <a:cs typeface="Arial"/>
-                <a:sym typeface="Arial"/>
-              </a:rPr>
-              <a:t>    Convert the preprocessed data into a transaction format, required by arules.</a:t>
-            </a:r>
-            <a:endParaRPr sz="900">
-              <a:solidFill>
-                <a:srgbClr val="000000"/>
-              </a:solidFill>
-              <a:latin typeface="Arial"/>
-              <a:ea typeface="Arial"/>
-              <a:cs typeface="Arial"/>
-              <a:sym typeface="Arial"/>
-            </a:endParaRPr>
-          </a:p>
-          <a:p>
-            <a:pPr indent="0" lvl="0" marL="457200" rtl="0" algn="just">
-              <a:lnSpc>
-                <a:spcPct val="100000"/>
-              </a:lnSpc>
-              <a:spcBef>
-                <a:spcPts val="1200"/>
-              </a:spcBef>
-              <a:spcAft>
-                <a:spcPts val="0"/>
-              </a:spcAft>
-              <a:buNone/>
-            </a:pPr>
-            <a:r>
-              <a:rPr lang="en" sz="900">
-                <a:solidFill>
-                  <a:srgbClr val="000000"/>
-                </a:solidFill>
-                <a:latin typeface="Arial"/>
-                <a:ea typeface="Arial"/>
-                <a:cs typeface="Arial"/>
-                <a:sym typeface="Arial"/>
-              </a:rPr>
-              <a:t>- Eclat Algorithm:</a:t>
-            </a:r>
-            <a:endParaRPr sz="900">
-              <a:solidFill>
-                <a:srgbClr val="000000"/>
-              </a:solidFill>
-              <a:latin typeface="Arial"/>
-              <a:ea typeface="Arial"/>
-              <a:cs typeface="Arial"/>
-              <a:sym typeface="Arial"/>
-            </a:endParaRPr>
-          </a:p>
-          <a:p>
-            <a:pPr indent="0" lvl="0" marL="457200" rtl="0" algn="just">
-              <a:lnSpc>
-                <a:spcPct val="100000"/>
-              </a:lnSpc>
-              <a:spcBef>
-                <a:spcPts val="1200"/>
-              </a:spcBef>
-              <a:spcAft>
-                <a:spcPts val="0"/>
-              </a:spcAft>
-              <a:buNone/>
-            </a:pPr>
-            <a:r>
-              <a:rPr lang="en" sz="900">
-                <a:solidFill>
-                  <a:srgbClr val="000000"/>
-                </a:solidFill>
-                <a:latin typeface="Arial"/>
-                <a:ea typeface="Arial"/>
-                <a:cs typeface="Arial"/>
-                <a:sym typeface="Arial"/>
-              </a:rPr>
-              <a:t>    eclat() generates frequent itemsets based on support.</a:t>
-            </a:r>
-            <a:endParaRPr sz="900">
-              <a:solidFill>
-                <a:srgbClr val="000000"/>
-              </a:solidFill>
-              <a:latin typeface="Arial"/>
-              <a:ea typeface="Arial"/>
-              <a:cs typeface="Arial"/>
-              <a:sym typeface="Arial"/>
-            </a:endParaRPr>
-          </a:p>
-          <a:p>
-            <a:pPr indent="0" lvl="0" marL="457200" rtl="0" algn="just">
-              <a:lnSpc>
-                <a:spcPct val="100000"/>
-              </a:lnSpc>
-              <a:spcBef>
-                <a:spcPts val="1200"/>
-              </a:spcBef>
-              <a:spcAft>
-                <a:spcPts val="0"/>
-              </a:spcAft>
-              <a:buNone/>
-            </a:pPr>
-            <a:r>
-              <a:rPr lang="en" sz="900">
-                <a:solidFill>
-                  <a:srgbClr val="000000"/>
-                </a:solidFill>
-                <a:latin typeface="Arial"/>
-                <a:ea typeface="Arial"/>
-                <a:cs typeface="Arial"/>
-                <a:sym typeface="Arial"/>
-              </a:rPr>
-              <a:t>    Parameters:</a:t>
-            </a:r>
-            <a:endParaRPr sz="900">
-              <a:solidFill>
-                <a:srgbClr val="000000"/>
-              </a:solidFill>
-              <a:latin typeface="Arial"/>
-              <a:ea typeface="Arial"/>
-              <a:cs typeface="Arial"/>
-              <a:sym typeface="Arial"/>
-            </a:endParaRPr>
-          </a:p>
-          <a:p>
-            <a:pPr indent="0" lvl="0" marL="457200" rtl="0" algn="just">
-              <a:lnSpc>
-                <a:spcPct val="100000"/>
-              </a:lnSpc>
-              <a:spcBef>
-                <a:spcPts val="1200"/>
-              </a:spcBef>
-              <a:spcAft>
-                <a:spcPts val="0"/>
-              </a:spcAft>
-              <a:buNone/>
-            </a:pPr>
-            <a:r>
-              <a:rPr lang="en" sz="900">
-                <a:solidFill>
-                  <a:srgbClr val="000000"/>
-                </a:solidFill>
-                <a:latin typeface="Arial"/>
-                <a:ea typeface="Arial"/>
-                <a:cs typeface="Arial"/>
-                <a:sym typeface="Arial"/>
-              </a:rPr>
-              <a:t>        supp = 0.01: Minimum support threshold (at least 1% of transactions must contain the itemset).</a:t>
-            </a:r>
-            <a:endParaRPr sz="900">
-              <a:solidFill>
-                <a:srgbClr val="000000"/>
-              </a:solidFill>
-              <a:latin typeface="Arial"/>
-              <a:ea typeface="Arial"/>
-              <a:cs typeface="Arial"/>
-              <a:sym typeface="Arial"/>
-            </a:endParaRPr>
-          </a:p>
-          <a:p>
-            <a:pPr indent="0" lvl="0" marL="457200" rtl="0" algn="just">
-              <a:lnSpc>
-                <a:spcPct val="100000"/>
-              </a:lnSpc>
-              <a:spcBef>
-                <a:spcPts val="1200"/>
-              </a:spcBef>
-              <a:spcAft>
-                <a:spcPts val="0"/>
-              </a:spcAft>
-              <a:buNone/>
-            </a:pPr>
-            <a:r>
-              <a:rPr lang="en" sz="900">
-                <a:solidFill>
-                  <a:srgbClr val="000000"/>
-                </a:solidFill>
-                <a:latin typeface="Arial"/>
-                <a:ea typeface="Arial"/>
-                <a:cs typeface="Arial"/>
-                <a:sym typeface="Arial"/>
-              </a:rPr>
-              <a:t>        maxlen = 5: Maximum length of itemsets.</a:t>
-            </a:r>
-            <a:endParaRPr sz="900">
-              <a:solidFill>
-                <a:srgbClr val="000000"/>
-              </a:solidFill>
-              <a:latin typeface="Arial"/>
-              <a:ea typeface="Arial"/>
-              <a:cs typeface="Arial"/>
-              <a:sym typeface="Arial"/>
-            </a:endParaRPr>
-          </a:p>
-          <a:p>
-            <a:pPr indent="0" lvl="0" marL="457200" rtl="0" algn="just">
-              <a:lnSpc>
-                <a:spcPct val="100000"/>
-              </a:lnSpc>
-              <a:spcBef>
-                <a:spcPts val="1200"/>
-              </a:spcBef>
-              <a:spcAft>
-                <a:spcPts val="0"/>
-              </a:spcAft>
-              <a:buNone/>
-            </a:pPr>
-            <a:r>
-              <a:rPr lang="en" sz="900">
-                <a:solidFill>
-                  <a:srgbClr val="000000"/>
-                </a:solidFill>
-                <a:latin typeface="Arial"/>
-                <a:ea typeface="Arial"/>
-                <a:cs typeface="Arial"/>
-                <a:sym typeface="Arial"/>
-              </a:rPr>
-              <a:t>- Frequent Itemsets:</a:t>
-            </a:r>
-            <a:endParaRPr sz="900">
-              <a:solidFill>
-                <a:srgbClr val="000000"/>
-              </a:solidFill>
-              <a:latin typeface="Arial"/>
-              <a:ea typeface="Arial"/>
-              <a:cs typeface="Arial"/>
-              <a:sym typeface="Arial"/>
-            </a:endParaRPr>
-          </a:p>
-          <a:p>
-            <a:pPr indent="0" lvl="0" marL="457200" rtl="0" algn="just">
-              <a:lnSpc>
-                <a:spcPct val="100000"/>
-              </a:lnSpc>
-              <a:spcBef>
-                <a:spcPts val="1200"/>
-              </a:spcBef>
-              <a:spcAft>
-                <a:spcPts val="0"/>
-              </a:spcAft>
-              <a:buNone/>
-            </a:pPr>
-            <a:r>
-              <a:rPr lang="en" sz="900">
-                <a:solidFill>
-                  <a:srgbClr val="000000"/>
-                </a:solidFill>
-                <a:latin typeface="Arial"/>
-                <a:ea typeface="Arial"/>
-                <a:cs typeface="Arial"/>
-                <a:sym typeface="Arial"/>
-              </a:rPr>
-              <a:t>    The output includes the most frequently occurring combinations of items.</a:t>
-            </a:r>
-            <a:endParaRPr sz="900">
-              <a:solidFill>
-                <a:srgbClr val="000000"/>
-              </a:solidFill>
-              <a:latin typeface="Arial"/>
-              <a:ea typeface="Arial"/>
-              <a:cs typeface="Arial"/>
-              <a:sym typeface="Arial"/>
-            </a:endParaRPr>
-          </a:p>
-          <a:p>
-            <a:pPr indent="0" lvl="0" marL="457200" rtl="0" algn="just">
-              <a:lnSpc>
-                <a:spcPct val="100000"/>
-              </a:lnSpc>
-              <a:spcBef>
-                <a:spcPts val="1200"/>
-              </a:spcBef>
-              <a:spcAft>
-                <a:spcPts val="1200"/>
-              </a:spcAft>
-              <a:buNone/>
-            </a:pPr>
-            <a:r>
-              <a:t/>
-            </a:r>
-            <a:endParaRPr sz="900">
-              <a:solidFill>
-                <a:srgbClr val="000000"/>
-              </a:solidFill>
-              <a:latin typeface="Arial"/>
-              <a:ea typeface="Arial"/>
-              <a:cs typeface="Arial"/>
-              <a:sym typeface="Arial"/>
-            </a:endParaRPr>
-          </a:p>
-        </p:txBody>
-      </p:sp>
       <p:pic>
         <p:nvPicPr>
-          <p:cNvPr id="474" name="Google Shape;474;p54"/>
+          <p:cNvPr id="480" name="Google Shape;480;p55"/>
           <p:cNvPicPr preferRelativeResize="0"/>
           <p:nvPr/>
         </p:nvPicPr>
@@ -36624,6 +36593,33 @@
           </a:ln>
         </p:spPr>
       </p:pic>
+      <p:pic>
+        <p:nvPicPr>
+          <p:cNvPr id="481" name="Google Shape;481;p55"/>
+          <p:cNvPicPr preferRelativeResize="0"/>
+          <p:nvPr/>
+        </p:nvPicPr>
+        <p:blipFill rotWithShape="1">
+          <a:blip r:embed="rId4">
+            <a:alphaModFix/>
+          </a:blip>
+          <a:srcRect b="-7642" l="0" r="3288" t="0"/>
+          <a:stretch/>
+        </p:blipFill>
+        <p:spPr>
+          <a:xfrm>
+            <a:off x="3602150" y="1425475"/>
+            <a:ext cx="4969399" cy="3303400"/>
+          </a:xfrm>
+          <a:prstGeom prst="rect">
+            <a:avLst/>
+          </a:prstGeom>
+          <a:noFill/>
+          <a:ln>
+            <a:noFill/>
+          </a:ln>
+        </p:spPr>
+      </p:pic>
     </p:spTree>
   </p:cSld>
   <p:clrMapOvr>
@@ -36632,12 +36628,12 @@
 </p:sld>
 </file>
 
-<file path=ppt/slides/slide14.xml><?xml version="1.0" encoding="utf-8"?>
+<file path=ppt/slides/slide15.xml><?xml version="1.0" encoding="utf-8"?>
 <p:sld xmlns:a="http://schemas.openxmlformats.org/drawingml/2006/main" xmlns:r="http://schemas.openxmlformats.org/officeDocument/2006/relationships" xmlns:mc="http://schemas.openxmlformats.org/markup-compatibility/2006" xmlns:mv="urn:schemas-microsoft-com:mac:vml" xmlns:p="http://schemas.openxmlformats.org/presentationml/2006/main" xmlns:c="http://schemas.openxmlformats.org/drawingml/2006/chart" xmlns:dgm="http://schemas.openxmlformats.org/drawingml/2006/diagram" xmlns:o="urn:schemas-microsoft-com:office:office" xmlns:v="urn:schemas-microsoft-com:vml" xmlns:pvml="urn:schemas-microsoft-com:office:powerpoint" xmlns:com="http://schemas.openxmlformats.org/drawingml/2006/compatibility" xmlns:p14="http://schemas.microsoft.com/office/powerpoint/2010/main" xmlns:p15="http://schemas.microsoft.com/office/powerpoint/2012/main" xmlns:ahyp="http://schemas.microsoft.com/office/drawing/2018/hyperlinkcolor">
   <p:cSld>
     <p:spTree>
       <p:nvGrpSpPr>
-        <p:cNvPr id="478" name="Shape 478"/>
+        <p:cNvPr id="485" name="Shape 485"/>
         <p:cNvGrpSpPr/>
         <p:nvPr/>
       </p:nvGrpSpPr>
@@ -36651,7 +36647,207 @@
       </p:grpSpPr>
       <p:sp>
         <p:nvSpPr>
-          <p:cNvPr id="479" name="Google Shape;479;p55"/>
+          <p:cNvPr id="486" name="Google Shape;486;p56"/>
+          <p:cNvSpPr txBox="1"/>
+          <p:nvPr>
+            <p:ph type="title"/>
+          </p:nvPr>
+        </p:nvSpPr>
+        <p:spPr>
+          <a:xfrm>
+            <a:off x="342900" y="84475"/>
+            <a:ext cx="8653200" cy="1341000"/>
+          </a:xfrm>
+          <a:prstGeom prst="rect">
+            <a:avLst/>
+          </a:prstGeom>
+        </p:spPr>
+        <p:txBody>
+          <a:bodyPr anchorCtr="0" anchor="ctr" bIns="91425" lIns="91425" spcFirstLastPara="1" rIns="91425" wrap="square" tIns="91425">
+            <a:noAutofit/>
+          </a:bodyPr>
+          <a:lstStyle/>
+          <a:p>
+            <a:pPr indent="0" lvl="0" marL="0" rtl="0" algn="l">
+              <a:spcBef>
+                <a:spcPts val="0"/>
+              </a:spcBef>
+              <a:spcAft>
+                <a:spcPts val="0"/>
+              </a:spcAft>
+              <a:buNone/>
+            </a:pPr>
+            <a:r>
+              <a:rPr b="1" lang="en" sz="4000">
+                <a:latin typeface="IBM Plex Sans"/>
+                <a:ea typeface="IBM Plex Sans"/>
+                <a:cs typeface="IBM Plex Sans"/>
+                <a:sym typeface="IBM Plex Sans"/>
+              </a:rPr>
+              <a:t>L</a:t>
+            </a:r>
+            <a:r>
+              <a:rPr b="1" lang="en" sz="4000">
+                <a:latin typeface="IBM Plex Sans"/>
+                <a:ea typeface="IBM Plex Sans"/>
+                <a:cs typeface="IBM Plex Sans"/>
+                <a:sym typeface="IBM Plex Sans"/>
+              </a:rPr>
+              <a:t>ogistic regression</a:t>
+            </a:r>
+            <a:endParaRPr b="1" sz="4000">
+              <a:latin typeface="IBM Plex Sans"/>
+              <a:ea typeface="IBM Plex Sans"/>
+              <a:cs typeface="IBM Plex Sans"/>
+              <a:sym typeface="IBM Plex Sans"/>
+            </a:endParaRPr>
+          </a:p>
+          <a:p>
+            <a:pPr indent="0" lvl="0" marL="0" rtl="0" algn="l">
+              <a:spcBef>
+                <a:spcPts val="0"/>
+              </a:spcBef>
+              <a:spcAft>
+                <a:spcPts val="0"/>
+              </a:spcAft>
+              <a:buNone/>
+            </a:pPr>
+            <a:r>
+              <a:t/>
+            </a:r>
+            <a:endParaRPr b="1" sz="4000">
+              <a:latin typeface="IBM Plex Sans"/>
+              <a:ea typeface="IBM Plex Sans"/>
+              <a:cs typeface="IBM Plex Sans"/>
+              <a:sym typeface="IBM Plex Sans"/>
+            </a:endParaRPr>
+          </a:p>
+        </p:txBody>
+      </p:sp>
+      <p:sp>
+        <p:nvSpPr>
+          <p:cNvPr id="487" name="Google Shape;487;p56"/>
+          <p:cNvSpPr txBox="1"/>
+          <p:nvPr>
+            <p:ph idx="12" type="sldNum"/>
+          </p:nvPr>
+        </p:nvSpPr>
+        <p:spPr>
+          <a:xfrm>
+            <a:off x="8229600" y="4799170"/>
+            <a:ext cx="457200" cy="273900"/>
+          </a:xfrm>
+          <a:prstGeom prst="rect">
+            <a:avLst/>
+          </a:prstGeom>
+        </p:spPr>
+        <p:txBody>
+          <a:bodyPr anchorCtr="0" anchor="ctr" bIns="91425" lIns="91425" spcFirstLastPara="1" rIns="91425" wrap="square" tIns="91425">
+            <a:noAutofit/>
+          </a:bodyPr>
+          <a:lstStyle/>
+          <a:p>
+            <a:pPr indent="0" lvl="0" marL="0" rtl="0" algn="r">
+              <a:spcBef>
+                <a:spcPts val="0"/>
+              </a:spcBef>
+              <a:spcAft>
+                <a:spcPts val="0"/>
+              </a:spcAft>
+              <a:buNone/>
+            </a:pPr>
+            <a:fld id="{00000000-1234-1234-1234-123412341234}" type="slidenum">
+              <a:rPr lang="en"/>
+              <a:t>‹#›</a:t>
+            </a:fld>
+            <a:endParaRPr/>
+          </a:p>
+        </p:txBody>
+      </p:sp>
+      <p:pic>
+        <p:nvPicPr>
+          <p:cNvPr id="488" name="Google Shape;488;p56"/>
+          <p:cNvPicPr preferRelativeResize="0"/>
+          <p:nvPr/>
+        </p:nvPicPr>
+        <p:blipFill>
+          <a:blip r:embed="rId3">
+            <a:alphaModFix/>
+          </a:blip>
+          <a:stretch>
+            <a:fillRect/>
+          </a:stretch>
+        </p:blipFill>
+        <p:spPr>
+          <a:xfrm>
+            <a:off x="457200" y="1155775"/>
+            <a:ext cx="3198149" cy="3413225"/>
+          </a:xfrm>
+          <a:prstGeom prst="rect">
+            <a:avLst/>
+          </a:prstGeom>
+          <a:noFill/>
+          <a:ln>
+            <a:noFill/>
+          </a:ln>
+        </p:spPr>
+      </p:pic>
+      <p:pic>
+        <p:nvPicPr>
+          <p:cNvPr id="489" name="Google Shape;489;p56"/>
+          <p:cNvPicPr preferRelativeResize="0"/>
+          <p:nvPr/>
+        </p:nvPicPr>
+        <p:blipFill>
+          <a:blip r:embed="rId4">
+            <a:alphaModFix/>
+          </a:blip>
+          <a:stretch>
+            <a:fillRect/>
+          </a:stretch>
+        </p:blipFill>
+        <p:spPr>
+          <a:xfrm>
+            <a:off x="3807750" y="1155775"/>
+            <a:ext cx="4969399" cy="3337775"/>
+          </a:xfrm>
+          <a:prstGeom prst="rect">
+            <a:avLst/>
+          </a:prstGeom>
+          <a:noFill/>
+          <a:ln>
+            <a:noFill/>
+          </a:ln>
+        </p:spPr>
+      </p:pic>
+    </p:spTree>
+  </p:cSld>
+  <p:clrMapOvr>
+    <a:masterClrMapping/>
+  </p:clrMapOvr>
+</p:sld>
+</file>
+
+<file path=ppt/slides/slide16.xml><?xml version="1.0" encoding="utf-8"?>
+<p:sld xmlns:a="http://schemas.openxmlformats.org/drawingml/2006/main" xmlns:r="http://schemas.openxmlformats.org/officeDocument/2006/relationships" xmlns:mc="http://schemas.openxmlformats.org/markup-compatibility/2006" xmlns:mv="urn:schemas-microsoft-com:mac:vml" xmlns:p="http://schemas.openxmlformats.org/presentationml/2006/main" xmlns:c="http://schemas.openxmlformats.org/drawingml/2006/chart" xmlns:dgm="http://schemas.openxmlformats.org/drawingml/2006/diagram" xmlns:o="urn:schemas-microsoft-com:office:office" xmlns:v="urn:schemas-microsoft-com:vml" xmlns:pvml="urn:schemas-microsoft-com:office:powerpoint" xmlns:com="http://schemas.openxmlformats.org/drawingml/2006/compatibility" xmlns:p14="http://schemas.microsoft.com/office/powerpoint/2010/main" xmlns:p15="http://schemas.microsoft.com/office/powerpoint/2012/main" xmlns:ahyp="http://schemas.microsoft.com/office/drawing/2018/hyperlinkcolor">
+  <p:cSld>
+    <p:spTree>
+      <p:nvGrpSpPr>
+        <p:cNvPr id="493" name="Shape 493"/>
+        <p:cNvGrpSpPr/>
+        <p:nvPr/>
+      </p:nvGrpSpPr>
+      <p:grpSpPr>
+        <a:xfrm>
+          <a:off x="0" y="0"/>
+          <a:ext cx="0" cy="0"/>
+          <a:chOff x="0" y="0"/>
+          <a:chExt cx="0" cy="0"/>
+        </a:xfrm>
+      </p:grpSpPr>
+      <p:sp>
+        <p:nvSpPr>
+          <p:cNvPr id="494" name="Google Shape;494;p57"/>
           <p:cNvSpPr txBox="1"/>
           <p:nvPr>
             <p:ph type="title"/>
@@ -36701,7 +36897,7 @@
       </p:sp>
       <p:sp>
         <p:nvSpPr>
-          <p:cNvPr id="480" name="Google Shape;480;p55"/>
+          <p:cNvPr id="495" name="Google Shape;495;p57"/>
           <p:cNvSpPr txBox="1"/>
           <p:nvPr>
             <p:ph idx="12" type="sldNum"/>
@@ -36741,7 +36937,7 @@
       </p:sp>
       <p:sp>
         <p:nvSpPr>
-          <p:cNvPr id="481" name="Google Shape;481;p55"/>
+          <p:cNvPr id="496" name="Google Shape;496;p57"/>
           <p:cNvSpPr txBox="1"/>
           <p:nvPr>
             <p:ph idx="2" type="subTitle"/>
@@ -37028,7 +37224,7 @@
       </p:sp>
       <p:pic>
         <p:nvPicPr>
-          <p:cNvPr id="482" name="Google Shape;482;p55"/>
+          <p:cNvPr id="497" name="Google Shape;497;p57"/>
           <p:cNvPicPr preferRelativeResize="0"/>
           <p:nvPr/>
         </p:nvPicPr>
@@ -37062,12 +37258,12 @@
 </p:sld>
 </file>
 
-<file path=ppt/slides/slide15.xml><?xml version="1.0" encoding="utf-8"?>
+<file path=ppt/slides/slide17.xml><?xml version="1.0" encoding="utf-8"?>
 <p:sld xmlns:a="http://schemas.openxmlformats.org/drawingml/2006/main" xmlns:r="http://schemas.openxmlformats.org/officeDocument/2006/relationships" xmlns:mc="http://schemas.openxmlformats.org/markup-compatibility/2006" xmlns:mv="urn:schemas-microsoft-com:mac:vml" xmlns:p="http://schemas.openxmlformats.org/presentationml/2006/main" xmlns:c="http://schemas.openxmlformats.org/drawingml/2006/chart" xmlns:dgm="http://schemas.openxmlformats.org/drawingml/2006/diagram" xmlns:o="urn:schemas-microsoft-com:office:office" xmlns:v="urn:schemas-microsoft-com:vml" xmlns:pvml="urn:schemas-microsoft-com:office:powerpoint" xmlns:com="http://schemas.openxmlformats.org/drawingml/2006/compatibility" xmlns:p14="http://schemas.microsoft.com/office/powerpoint/2010/main" xmlns:p15="http://schemas.microsoft.com/office/powerpoint/2012/main" xmlns:ahyp="http://schemas.microsoft.com/office/drawing/2018/hyperlinkcolor">
   <p:cSld>
     <p:spTree>
       <p:nvGrpSpPr>
-        <p:cNvPr id="486" name="Shape 486"/>
+        <p:cNvPr id="501" name="Shape 501"/>
         <p:cNvGrpSpPr/>
         <p:nvPr/>
       </p:nvGrpSpPr>
@@ -37081,7 +37277,7 @@
       </p:grpSpPr>
       <p:sp>
         <p:nvSpPr>
-          <p:cNvPr id="487" name="Google Shape;487;p56"/>
+          <p:cNvPr id="502" name="Google Shape;502;p58"/>
           <p:cNvSpPr txBox="1"/>
           <p:nvPr>
             <p:ph type="title"/>
@@ -37157,7 +37353,7 @@
       </p:sp>
       <p:sp>
         <p:nvSpPr>
-          <p:cNvPr id="488" name="Google Shape;488;p56"/>
+          <p:cNvPr id="503" name="Google Shape;503;p58"/>
           <p:cNvSpPr txBox="1"/>
           <p:nvPr>
             <p:ph idx="12" type="sldNum"/>
@@ -37197,7 +37393,7 @@
       </p:sp>
       <p:sp>
         <p:nvSpPr>
-          <p:cNvPr id="489" name="Google Shape;489;p56"/>
+          <p:cNvPr id="504" name="Google Shape;504;p58"/>
           <p:cNvSpPr txBox="1"/>
           <p:nvPr>
             <p:ph idx="2" type="subTitle"/>
@@ -37351,7 +37547,7 @@
       </p:sp>
       <p:pic>
         <p:nvPicPr>
-          <p:cNvPr id="490" name="Google Shape;490;p56"/>
+          <p:cNvPr id="505" name="Google Shape;505;p58"/>
           <p:cNvPicPr preferRelativeResize="0"/>
           <p:nvPr/>
         </p:nvPicPr>
@@ -37384,12 +37580,12 @@
 </p:sld>
 </file>
 
-<file path=ppt/slides/slide16.xml><?xml version="1.0" encoding="utf-8"?>
+<file path=ppt/slides/slide18.xml><?xml version="1.0" encoding="utf-8"?>
 <p:sld xmlns:a="http://schemas.openxmlformats.org/drawingml/2006/main" xmlns:r="http://schemas.openxmlformats.org/officeDocument/2006/relationships" xmlns:mc="http://schemas.openxmlformats.org/markup-compatibility/2006" xmlns:mv="urn:schemas-microsoft-com:mac:vml" xmlns:p="http://schemas.openxmlformats.org/presentationml/2006/main" xmlns:c="http://schemas.openxmlformats.org/drawingml/2006/chart" xmlns:dgm="http://schemas.openxmlformats.org/drawingml/2006/diagram" xmlns:o="urn:schemas-microsoft-com:office:office" xmlns:v="urn:schemas-microsoft-com:vml" xmlns:pvml="urn:schemas-microsoft-com:office:powerpoint" xmlns:com="http://schemas.openxmlformats.org/drawingml/2006/compatibility" xmlns:p14="http://schemas.microsoft.com/office/powerpoint/2010/main" xmlns:p15="http://schemas.microsoft.com/office/powerpoint/2012/main" xmlns:ahyp="http://schemas.microsoft.com/office/drawing/2018/hyperlinkcolor">
   <p:cSld>
     <p:spTree>
       <p:nvGrpSpPr>
-        <p:cNvPr id="494" name="Shape 494"/>
+        <p:cNvPr id="509" name="Shape 509"/>
         <p:cNvGrpSpPr/>
         <p:nvPr/>
       </p:nvGrpSpPr>
@@ -37403,7 +37599,7 @@
       </p:grpSpPr>
       <p:sp>
         <p:nvSpPr>
-          <p:cNvPr id="495" name="Google Shape;495;p57"/>
+          <p:cNvPr id="510" name="Google Shape;510;p59"/>
           <p:cNvSpPr txBox="1"/>
           <p:nvPr>
             <p:ph type="title"/>
@@ -37453,7 +37649,7 @@
       </p:sp>
       <p:sp>
         <p:nvSpPr>
-          <p:cNvPr id="496" name="Google Shape;496;p57"/>
+          <p:cNvPr id="511" name="Google Shape;511;p59"/>
           <p:cNvSpPr txBox="1"/>
           <p:nvPr>
             <p:ph idx="12" type="sldNum"/>
@@ -37493,7 +37689,7 @@
       </p:sp>
       <p:sp>
         <p:nvSpPr>
-          <p:cNvPr id="497" name="Google Shape;497;p57"/>
+          <p:cNvPr id="512" name="Google Shape;512;p59"/>
           <p:cNvSpPr txBox="1"/>
           <p:nvPr>
             <p:ph idx="2" type="subTitle"/>
@@ -37501,7 +37697,7 @@
         </p:nvSpPr>
         <p:spPr>
           <a:xfrm>
-            <a:off x="400050" y="1308350"/>
+            <a:off x="294225" y="852300"/>
             <a:ext cx="8343900" cy="3716700"/>
           </a:xfrm>
           <a:prstGeom prst="rect">
@@ -37514,7 +37710,7 @@
           </a:bodyPr>
           <a:lstStyle/>
           <a:p>
-            <a:pPr indent="-317500" lvl="0" marL="457200" rtl="0" algn="l">
+            <a:pPr indent="-323850" lvl="0" marL="457200" rtl="0" algn="l">
               <a:lnSpc>
                 <a:spcPct val="115000"/>
               </a:lnSpc>
@@ -37527,12 +37723,12 @@
               <a:buClr>
                 <a:srgbClr val="000000"/>
               </a:buClr>
-              <a:buSzPts val="1400"/>
+              <a:buSzPts val="1500"/>
               <a:buFont typeface="Arial"/>
               <a:buChar char="●"/>
             </a:pPr>
             <a:r>
-              <a:rPr b="1" lang="en" sz="1900">
+              <a:rPr lang="en">
                 <a:solidFill>
                   <a:srgbClr val="000000"/>
                 </a:solidFill>
@@ -37541,9 +37737,9 @@
                 <a:cs typeface="Arial"/>
                 <a:sym typeface="Arial"/>
               </a:rPr>
-              <a:t>The Gender and Regional Unemployment Disparities highlighted notable differences in unemployment by gender and region, underscoring diverse economic challenges.</a:t>
+              <a:t>Link Between Unemployment and Poverty showed a strong relationship between the rates, stressing the need for focused support.</a:t>
             </a:r>
-            <a:endParaRPr b="1" sz="1900">
+            <a:endParaRPr>
               <a:solidFill>
                 <a:srgbClr val="000000"/>
               </a:solidFill>
@@ -37554,36 +37750,22 @@
             </a:endParaRPr>
           </a:p>
           <a:p>
-            <a:pPr indent="-317500" lvl="0" marL="457200" rtl="0" algn="l">
+            <a:pPr indent="0" lvl="0" marL="0" rtl="0" algn="l">
               <a:lnSpc>
                 <a:spcPct val="115000"/>
               </a:lnSpc>
               <a:spcBef>
-                <a:spcPts val="0"/>
-              </a:spcBef>
-              <a:spcAft>
-                <a:spcPts val="0"/>
-              </a:spcAft>
-              <a:buClr>
-                <a:srgbClr val="000000"/>
-              </a:buClr>
-              <a:buSzPts val="1400"/>
-              <a:buFont typeface="Arial"/>
-              <a:buChar char="●"/>
+                <a:spcPts val="1200"/>
+              </a:spcBef>
+              <a:spcAft>
+                <a:spcPts val="0"/>
+              </a:spcAft>
+              <a:buNone/>
             </a:pPr>
             <a:r>
-              <a:rPr b="1" lang="en" sz="1900">
-                <a:solidFill>
-                  <a:srgbClr val="000000"/>
-                </a:solidFill>
-                <a:latin typeface="Arial"/>
-                <a:ea typeface="Arial"/>
-                <a:cs typeface="Arial"/>
-                <a:sym typeface="Arial"/>
-              </a:rPr>
-              <a:t>Link Between Unemployment and Poverty showed a strong relationship between the rates, stressing the need for focused support.</a:t>
+              <a:t/>
             </a:r>
-            <a:endParaRPr b="1" sz="1900">
+            <a:endParaRPr>
               <a:solidFill>
                 <a:srgbClr val="000000"/>
               </a:solidFill>
@@ -37594,12 +37776,12 @@
             </a:endParaRPr>
           </a:p>
           <a:p>
-            <a:pPr indent="-317500" lvl="0" marL="457200" rtl="0" algn="l">
+            <a:pPr indent="-323850" lvl="0" marL="457200" rtl="0" algn="l">
               <a:lnSpc>
                 <a:spcPct val="115000"/>
               </a:lnSpc>
               <a:spcBef>
-                <a:spcPts val="0"/>
+                <a:spcPts val="1200"/>
               </a:spcBef>
               <a:spcAft>
                 <a:spcPts val="0"/>
@@ -37607,12 +37789,12 @@
               <a:buClr>
                 <a:srgbClr val="000000"/>
               </a:buClr>
-              <a:buSzPts val="1400"/>
+              <a:buSzPts val="1500"/>
               <a:buFont typeface="Arial"/>
               <a:buChar char="●"/>
             </a:pPr>
             <a:r>
-              <a:rPr b="1" lang="en" sz="1900">
+              <a:rPr lang="en">
                 <a:solidFill>
                   <a:srgbClr val="000000"/>
                 </a:solidFill>
@@ -37623,7 +37805,7 @@
               </a:rPr>
               <a:t>The Childcare Costs Affecting Family Poverty identified regions where high childcare costs contribute significantly to family poverty.</a:t>
             </a:r>
-            <a:endParaRPr b="1" sz="1900">
+            <a:endParaRPr>
               <a:solidFill>
                 <a:srgbClr val="000000"/>
               </a:solidFill>
@@ -37669,12 +37851,12 @@
 </p:sld>
 </file>
 
-<file path=ppt/slides/slide17.xml><?xml version="1.0" encoding="utf-8"?>
+<file path=ppt/slides/slide19.xml><?xml version="1.0" encoding="utf-8"?>
 <p:sld xmlns:a="http://schemas.openxmlformats.org/drawingml/2006/main" xmlns:r="http://schemas.openxmlformats.org/officeDocument/2006/relationships" xmlns:mc="http://schemas.openxmlformats.org/markup-compatibility/2006" xmlns:mv="urn:schemas-microsoft-com:mac:vml" xmlns:p="http://schemas.openxmlformats.org/presentationml/2006/main" xmlns:c="http://schemas.openxmlformats.org/drawingml/2006/chart" xmlns:dgm="http://schemas.openxmlformats.org/drawingml/2006/diagram" xmlns:o="urn:schemas-microsoft-com:office:office" xmlns:v="urn:schemas-microsoft-com:vml" xmlns:pvml="urn:schemas-microsoft-com:office:powerpoint" xmlns:com="http://schemas.openxmlformats.org/drawingml/2006/compatibility" xmlns:p14="http://schemas.microsoft.com/office/powerpoint/2010/main" xmlns:p15="http://schemas.microsoft.com/office/powerpoint/2012/main" xmlns:ahyp="http://schemas.microsoft.com/office/drawing/2018/hyperlinkcolor">
   <p:cSld>
     <p:spTree>
       <p:nvGrpSpPr>
-        <p:cNvPr id="501" name="Shape 501"/>
+        <p:cNvPr id="516" name="Shape 516"/>
         <p:cNvGrpSpPr/>
         <p:nvPr/>
       </p:nvGrpSpPr>
@@ -37688,7 +37870,7 @@
       </p:grpSpPr>
       <p:sp>
         <p:nvSpPr>
-          <p:cNvPr id="502" name="Google Shape;502;p58"/>
+          <p:cNvPr id="517" name="Google Shape;517;p60"/>
           <p:cNvSpPr txBox="1"/>
           <p:nvPr>
             <p:ph type="title"/>
@@ -37747,7 +37929,7 @@
       </p:sp>
       <p:sp>
         <p:nvSpPr>
-          <p:cNvPr id="503" name="Google Shape;503;p58"/>
+          <p:cNvPr id="518" name="Google Shape;518;p60"/>
           <p:cNvSpPr txBox="1"/>
           <p:nvPr>
             <p:ph idx="12" type="sldNum"/>
@@ -37787,7 +37969,7 @@
       </p:sp>
       <p:sp>
         <p:nvSpPr>
-          <p:cNvPr id="504" name="Google Shape;504;p58"/>
+          <p:cNvPr id="519" name="Google Shape;519;p60"/>
           <p:cNvSpPr txBox="1"/>
           <p:nvPr>
             <p:ph idx="2" type="subTitle"/>
@@ -37964,121 +38146,6 @@
               <a:cs typeface="Arial"/>
               <a:sym typeface="Arial"/>
             </a:endParaRPr>
-          </a:p>
-        </p:txBody>
-      </p:sp>
-    </p:spTree>
-  </p:cSld>
-  <p:clrMapOvr>
-    <a:masterClrMapping/>
-  </p:clrMapOvr>
-</p:sld>
-</file>
-
-<file path=ppt/slides/slide18.xml><?xml version="1.0" encoding="utf-8"?>
-<p:sld xmlns:a="http://schemas.openxmlformats.org/drawingml/2006/main" xmlns:r="http://schemas.openxmlformats.org/officeDocument/2006/relationships" xmlns:mc="http://schemas.openxmlformats.org/markup-compatibility/2006" xmlns:mv="urn:schemas-microsoft-com:mac:vml" xmlns:p="http://schemas.openxmlformats.org/presentationml/2006/main" xmlns:c="http://schemas.openxmlformats.org/drawingml/2006/chart" xmlns:dgm="http://schemas.openxmlformats.org/drawingml/2006/diagram" xmlns:o="urn:schemas-microsoft-com:office:office" xmlns:v="urn:schemas-microsoft-com:vml" xmlns:pvml="urn:schemas-microsoft-com:office:powerpoint" xmlns:com="http://schemas.openxmlformats.org/drawingml/2006/compatibility" xmlns:p14="http://schemas.microsoft.com/office/powerpoint/2010/main" xmlns:p15="http://schemas.microsoft.com/office/powerpoint/2012/main" xmlns:ahyp="http://schemas.microsoft.com/office/drawing/2018/hyperlinkcolor">
-  <p:cSld>
-    <p:spTree>
-      <p:nvGrpSpPr>
-        <p:cNvPr id="508" name="Shape 508"/>
-        <p:cNvGrpSpPr/>
-        <p:nvPr/>
-      </p:nvGrpSpPr>
-      <p:grpSpPr>
-        <a:xfrm>
-          <a:off x="0" y="0"/>
-          <a:ext cx="0" cy="0"/>
-          <a:chOff x="0" y="0"/>
-          <a:chExt cx="0" cy="0"/>
-        </a:xfrm>
-      </p:grpSpPr>
-      <p:sp>
-        <p:nvSpPr>
-          <p:cNvPr id="509" name="Google Shape;509;p59"/>
-          <p:cNvSpPr txBox="1"/>
-          <p:nvPr>
-            <p:ph type="title"/>
-          </p:nvPr>
-        </p:nvSpPr>
-        <p:spPr>
-          <a:xfrm>
-            <a:off x="342900" y="84475"/>
-            <a:ext cx="8653200" cy="4779300"/>
-          </a:xfrm>
-          <a:prstGeom prst="rect">
-            <a:avLst/>
-          </a:prstGeom>
-        </p:spPr>
-        <p:txBody>
-          <a:bodyPr anchorCtr="0" anchor="ctr" bIns="91425" lIns="91425" spcFirstLastPara="1" rIns="91425" wrap="square" tIns="91425">
-            <a:noAutofit/>
-          </a:bodyPr>
-          <a:lstStyle/>
-          <a:p>
-            <a:pPr indent="0" lvl="0" marL="0" rtl="0" algn="ctr">
-              <a:spcBef>
-                <a:spcPts val="0"/>
-              </a:spcBef>
-              <a:spcAft>
-                <a:spcPts val="0"/>
-              </a:spcAft>
-              <a:buNone/>
-            </a:pPr>
-            <a:r>
-              <a:rPr b="1" lang="en" sz="4000">
-                <a:latin typeface="IBM Plex Sans"/>
-                <a:ea typeface="IBM Plex Sans"/>
-                <a:cs typeface="IBM Plex Sans"/>
-                <a:sym typeface="IBM Plex Sans"/>
-              </a:rPr>
-              <a:t>THANK YOU</a:t>
-            </a:r>
-            <a:endParaRPr b="1" sz="4000">
-              <a:latin typeface="IBM Plex Sans"/>
-              <a:ea typeface="IBM Plex Sans"/>
-              <a:cs typeface="IBM Plex Sans"/>
-              <a:sym typeface="IBM Plex Sans"/>
-            </a:endParaRPr>
-          </a:p>
-        </p:txBody>
-      </p:sp>
-      <p:sp>
-        <p:nvSpPr>
-          <p:cNvPr id="510" name="Google Shape;510;p59"/>
-          <p:cNvSpPr txBox="1"/>
-          <p:nvPr>
-            <p:ph idx="12" type="sldNum"/>
-          </p:nvPr>
-        </p:nvSpPr>
-        <p:spPr>
-          <a:xfrm>
-            <a:off x="8229600" y="4799170"/>
-            <a:ext cx="457200" cy="273900"/>
-          </a:xfrm>
-          <a:prstGeom prst="rect">
-            <a:avLst/>
-          </a:prstGeom>
-        </p:spPr>
-        <p:txBody>
-          <a:bodyPr anchorCtr="0" anchor="ctr" bIns="91425" lIns="91425" spcFirstLastPara="1" rIns="91425" wrap="square" tIns="91425">
-            <a:noAutofit/>
-          </a:bodyPr>
-          <a:lstStyle/>
-          <a:p>
-            <a:pPr indent="0" lvl="0" marL="0" rtl="0" algn="r">
-              <a:spcBef>
-                <a:spcPts val="0"/>
-              </a:spcBef>
-              <a:spcAft>
-                <a:spcPts val="0"/>
-              </a:spcAft>
-              <a:buNone/>
-            </a:pPr>
-            <a:fld id="{00000000-1234-1234-1234-123412341234}" type="slidenum">
-              <a:rPr lang="en"/>
-              <a:t>‹#›</a:t>
-            </a:fld>
-            <a:endParaRPr/>
           </a:p>
         </p:txBody>
       </p:sp>
@@ -38346,6 +38413,121 @@
             <a:r>
               <a:t/>
             </a:r>
+            <a:endParaRPr/>
+          </a:p>
+        </p:txBody>
+      </p:sp>
+    </p:spTree>
+  </p:cSld>
+  <p:clrMapOvr>
+    <a:masterClrMapping/>
+  </p:clrMapOvr>
+</p:sld>
+</file>
+
+<file path=ppt/slides/slide20.xml><?xml version="1.0" encoding="utf-8"?>
+<p:sld xmlns:a="http://schemas.openxmlformats.org/drawingml/2006/main" xmlns:r="http://schemas.openxmlformats.org/officeDocument/2006/relationships" xmlns:mc="http://schemas.openxmlformats.org/markup-compatibility/2006" xmlns:mv="urn:schemas-microsoft-com:mac:vml" xmlns:p="http://schemas.openxmlformats.org/presentationml/2006/main" xmlns:c="http://schemas.openxmlformats.org/drawingml/2006/chart" xmlns:dgm="http://schemas.openxmlformats.org/drawingml/2006/diagram" xmlns:o="urn:schemas-microsoft-com:office:office" xmlns:v="urn:schemas-microsoft-com:vml" xmlns:pvml="urn:schemas-microsoft-com:office:powerpoint" xmlns:com="http://schemas.openxmlformats.org/drawingml/2006/compatibility" xmlns:p14="http://schemas.microsoft.com/office/powerpoint/2010/main" xmlns:p15="http://schemas.microsoft.com/office/powerpoint/2012/main" xmlns:ahyp="http://schemas.microsoft.com/office/drawing/2018/hyperlinkcolor">
+  <p:cSld>
+    <p:spTree>
+      <p:nvGrpSpPr>
+        <p:cNvPr id="523" name="Shape 523"/>
+        <p:cNvGrpSpPr/>
+        <p:nvPr/>
+      </p:nvGrpSpPr>
+      <p:grpSpPr>
+        <a:xfrm>
+          <a:off x="0" y="0"/>
+          <a:ext cx="0" cy="0"/>
+          <a:chOff x="0" y="0"/>
+          <a:chExt cx="0" cy="0"/>
+        </a:xfrm>
+      </p:grpSpPr>
+      <p:sp>
+        <p:nvSpPr>
+          <p:cNvPr id="524" name="Google Shape;524;p61"/>
+          <p:cNvSpPr txBox="1"/>
+          <p:nvPr>
+            <p:ph type="title"/>
+          </p:nvPr>
+        </p:nvSpPr>
+        <p:spPr>
+          <a:xfrm>
+            <a:off x="342900" y="84475"/>
+            <a:ext cx="8653200" cy="4779300"/>
+          </a:xfrm>
+          <a:prstGeom prst="rect">
+            <a:avLst/>
+          </a:prstGeom>
+        </p:spPr>
+        <p:txBody>
+          <a:bodyPr anchorCtr="0" anchor="ctr" bIns="91425" lIns="91425" spcFirstLastPara="1" rIns="91425" wrap="square" tIns="91425">
+            <a:noAutofit/>
+          </a:bodyPr>
+          <a:lstStyle/>
+          <a:p>
+            <a:pPr indent="0" lvl="0" marL="0" rtl="0" algn="ctr">
+              <a:spcBef>
+                <a:spcPts val="0"/>
+              </a:spcBef>
+              <a:spcAft>
+                <a:spcPts val="0"/>
+              </a:spcAft>
+              <a:buNone/>
+            </a:pPr>
+            <a:r>
+              <a:rPr b="1" lang="en" sz="4000">
+                <a:latin typeface="IBM Plex Sans"/>
+                <a:ea typeface="IBM Plex Sans"/>
+                <a:cs typeface="IBM Plex Sans"/>
+                <a:sym typeface="IBM Plex Sans"/>
+              </a:rPr>
+              <a:t>THANK YOU</a:t>
+            </a:r>
+            <a:endParaRPr b="1" sz="4000">
+              <a:latin typeface="IBM Plex Sans"/>
+              <a:ea typeface="IBM Plex Sans"/>
+              <a:cs typeface="IBM Plex Sans"/>
+              <a:sym typeface="IBM Plex Sans"/>
+            </a:endParaRPr>
+          </a:p>
+        </p:txBody>
+      </p:sp>
+      <p:sp>
+        <p:nvSpPr>
+          <p:cNvPr id="525" name="Google Shape;525;p61"/>
+          <p:cNvSpPr txBox="1"/>
+          <p:nvPr>
+            <p:ph idx="12" type="sldNum"/>
+          </p:nvPr>
+        </p:nvSpPr>
+        <p:spPr>
+          <a:xfrm>
+            <a:off x="8229600" y="4799170"/>
+            <a:ext cx="457200" cy="273900"/>
+          </a:xfrm>
+          <a:prstGeom prst="rect">
+            <a:avLst/>
+          </a:prstGeom>
+        </p:spPr>
+        <p:txBody>
+          <a:bodyPr anchorCtr="0" anchor="ctr" bIns="91425" lIns="91425" spcFirstLastPara="1" rIns="91425" wrap="square" tIns="91425">
+            <a:noAutofit/>
+          </a:bodyPr>
+          <a:lstStyle/>
+          <a:p>
+            <a:pPr indent="0" lvl="0" marL="0" rtl="0" algn="r">
+              <a:spcBef>
+                <a:spcPts val="0"/>
+              </a:spcBef>
+              <a:spcAft>
+                <a:spcPts val="0"/>
+              </a:spcAft>
+              <a:buNone/>
+            </a:pPr>
+            <a:fld id="{00000000-1234-1234-1234-123412341234}" type="slidenum">
+              <a:rPr lang="en"/>
+              <a:t>‹#›</a:t>
+            </a:fld>
             <a:endParaRPr/>
           </a:p>
         </p:txBody>
@@ -38512,7 +38694,32 @@
                 <a:cs typeface="Arial"/>
                 <a:sym typeface="Arial"/>
               </a:rPr>
-              <a:t>(kaggle)</a:t>
+              <a:t>(</a:t>
+            </a:r>
+            <a:r>
+              <a:rPr lang="en" sz="1700" u="sng">
+                <a:solidFill>
+                  <a:schemeClr val="hlink"/>
+                </a:solidFill>
+                <a:latin typeface="Arial"/>
+                <a:ea typeface="Arial"/>
+                <a:cs typeface="Arial"/>
+                <a:sym typeface="Arial"/>
+                <a:hlinkClick r:id="rId3"/>
+              </a:rPr>
+              <a:t>Tidytuesday</a:t>
+            </a:r>
+            <a:r>
+              <a:rPr lang="en" sz="2000">
+                <a:solidFill>
+                  <a:srgbClr val="000000"/>
+                </a:solidFill>
+                <a:latin typeface="Arial"/>
+                <a:ea typeface="Arial"/>
+                <a:cs typeface="Arial"/>
+                <a:sym typeface="Arial"/>
+              </a:rPr>
+              <a:t>)</a:t>
             </a:r>
             <a:endParaRPr sz="2000">
               <a:solidFill>
@@ -38639,7 +38846,20 @@
                 <a:cs typeface="Arial"/>
                 <a:sym typeface="Arial"/>
               </a:rPr>
-              <a:t> Kaggle</a:t>
+              <a:t> </a:t>
+            </a:r>
+            <a:r>
+              <a:rPr lang="en" sz="1700" u="sng">
+                <a:solidFill>
+                  <a:schemeClr val="hlink"/>
+                </a:solidFill>
+                <a:latin typeface="Arial"/>
+                <a:ea typeface="Arial"/>
+                <a:cs typeface="Arial"/>
+                <a:sym typeface="Arial"/>
+                <a:hlinkClick r:id="rId4"/>
+              </a:rPr>
+              <a:t>Tidytuesday</a:t>
             </a:r>
             <a:endParaRPr sz="2000">
               <a:solidFill>
@@ -39180,6 +39400,684 @@
         <p:spPr>
           <a:xfrm>
             <a:off x="342900" y="84475"/>
+            <a:ext cx="8653200" cy="1341000"/>
+          </a:xfrm>
+          <a:prstGeom prst="rect">
+            <a:avLst/>
+          </a:prstGeom>
+        </p:spPr>
+        <p:txBody>
+          <a:bodyPr anchorCtr="0" anchor="ctr" bIns="91425" lIns="91425" spcFirstLastPara="1" rIns="91425" wrap="square" tIns="91425">
+            <a:noAutofit/>
+          </a:bodyPr>
+          <a:lstStyle/>
+          <a:p>
+            <a:pPr indent="0" lvl="0" marL="0" rtl="0" algn="l">
+              <a:spcBef>
+                <a:spcPts val="0"/>
+              </a:spcBef>
+              <a:spcAft>
+                <a:spcPts val="0"/>
+              </a:spcAft>
+              <a:buNone/>
+            </a:pPr>
+            <a:r>
+              <a:t/>
+            </a:r>
+            <a:endParaRPr b="1" sz="600">
+              <a:solidFill>
+                <a:srgbClr val="000000"/>
+              </a:solidFill>
+              <a:latin typeface="Times New Roman"/>
+              <a:ea typeface="Times New Roman"/>
+              <a:cs typeface="Times New Roman"/>
+              <a:sym typeface="Times New Roman"/>
+            </a:endParaRPr>
+          </a:p>
+          <a:p>
+            <a:pPr indent="0" lvl="0" marL="0" rtl="0" algn="l">
+              <a:spcBef>
+                <a:spcPts val="0"/>
+              </a:spcBef>
+              <a:spcAft>
+                <a:spcPts val="0"/>
+              </a:spcAft>
+              <a:buNone/>
+            </a:pPr>
+            <a:r>
+              <a:rPr b="1" lang="en" sz="4000">
+                <a:latin typeface="IBM Plex Sans"/>
+                <a:ea typeface="IBM Plex Sans"/>
+                <a:cs typeface="IBM Plex Sans"/>
+                <a:sym typeface="IBM Plex Sans"/>
+              </a:rPr>
+              <a:t>DATA EXPLORATION</a:t>
+            </a:r>
+            <a:endParaRPr b="1" sz="4000">
+              <a:latin typeface="IBM Plex Sans"/>
+              <a:ea typeface="IBM Plex Sans"/>
+              <a:cs typeface="IBM Plex Sans"/>
+              <a:sym typeface="IBM Plex Sans"/>
+            </a:endParaRPr>
+          </a:p>
+        </p:txBody>
+      </p:sp>
+      <p:sp>
+        <p:nvSpPr>
+          <p:cNvPr id="408" name="Google Shape;408;p46"/>
+          <p:cNvSpPr txBox="1"/>
+          <p:nvPr>
+            <p:ph idx="12" type="sldNum"/>
+          </p:nvPr>
+        </p:nvSpPr>
+        <p:spPr>
+          <a:xfrm>
+            <a:off x="8229600" y="4799170"/>
+            <a:ext cx="457200" cy="273900"/>
+          </a:xfrm>
+          <a:prstGeom prst="rect">
+            <a:avLst/>
+          </a:prstGeom>
+        </p:spPr>
+        <p:txBody>
+          <a:bodyPr anchorCtr="0" anchor="ctr" bIns="91425" lIns="91425" spcFirstLastPara="1" rIns="91425" wrap="square" tIns="91425">
+            <a:noAutofit/>
+          </a:bodyPr>
+          <a:lstStyle/>
+          <a:p>
+            <a:pPr indent="0" lvl="0" marL="0" rtl="0" algn="r">
+              <a:spcBef>
+                <a:spcPts val="0"/>
+              </a:spcBef>
+              <a:spcAft>
+                <a:spcPts val="0"/>
+              </a:spcAft>
+              <a:buNone/>
+            </a:pPr>
+            <a:fld id="{00000000-1234-1234-1234-123412341234}" type="slidenum">
+              <a:rPr lang="en"/>
+              <a:t>‹#›</a:t>
+            </a:fld>
+            <a:endParaRPr/>
+          </a:p>
+        </p:txBody>
+      </p:sp>
+      <p:pic>
+        <p:nvPicPr>
+          <p:cNvPr id="409" name="Google Shape;409;p46"/>
+          <p:cNvPicPr preferRelativeResize="0"/>
+          <p:nvPr/>
+        </p:nvPicPr>
+        <p:blipFill>
+          <a:blip r:embed="rId3">
+            <a:alphaModFix/>
+          </a:blip>
+          <a:stretch>
+            <a:fillRect/>
+          </a:stretch>
+        </p:blipFill>
+        <p:spPr>
+          <a:xfrm>
+            <a:off x="402100" y="1228300"/>
+            <a:ext cx="3532926" cy="3695475"/>
+          </a:xfrm>
+          <a:prstGeom prst="rect">
+            <a:avLst/>
+          </a:prstGeom>
+          <a:noFill/>
+          <a:ln>
+            <a:noFill/>
+          </a:ln>
+        </p:spPr>
+      </p:pic>
+      <p:pic>
+        <p:nvPicPr>
+          <p:cNvPr id="410" name="Google Shape;410;p46"/>
+          <p:cNvPicPr preferRelativeResize="0"/>
+          <p:nvPr/>
+        </p:nvPicPr>
+        <p:blipFill>
+          <a:blip r:embed="rId4">
+            <a:alphaModFix/>
+          </a:blip>
+          <a:stretch>
+            <a:fillRect/>
+          </a:stretch>
+        </p:blipFill>
+        <p:spPr>
+          <a:xfrm>
+            <a:off x="4127400" y="1228300"/>
+            <a:ext cx="3901149" cy="3652924"/>
+          </a:xfrm>
+          <a:prstGeom prst="rect">
+            <a:avLst/>
+          </a:prstGeom>
+          <a:noFill/>
+          <a:ln>
+            <a:noFill/>
+          </a:ln>
+        </p:spPr>
+      </p:pic>
+    </p:spTree>
+  </p:cSld>
+  <p:clrMapOvr>
+    <a:masterClrMapping/>
+  </p:clrMapOvr>
+</p:sld>
+</file>
+
+<file path=ppt/slides/slide6.xml><?xml version="1.0" encoding="utf-8"?>
+<p:sld xmlns:a="http://schemas.openxmlformats.org/drawingml/2006/main" xmlns:r="http://schemas.openxmlformats.org/officeDocument/2006/relationships" xmlns:mc="http://schemas.openxmlformats.org/markup-compatibility/2006" xmlns:mv="urn:schemas-microsoft-com:mac:vml" xmlns:p="http://schemas.openxmlformats.org/presentationml/2006/main" xmlns:c="http://schemas.openxmlformats.org/drawingml/2006/chart" xmlns:dgm="http://schemas.openxmlformats.org/drawingml/2006/diagram" xmlns:o="urn:schemas-microsoft-com:office:office" xmlns:v="urn:schemas-microsoft-com:vml" xmlns:pvml="urn:schemas-microsoft-com:office:powerpoint" xmlns:com="http://schemas.openxmlformats.org/drawingml/2006/compatibility" xmlns:p14="http://schemas.microsoft.com/office/powerpoint/2010/main" xmlns:p15="http://schemas.microsoft.com/office/powerpoint/2012/main" xmlns:ahyp="http://schemas.microsoft.com/office/drawing/2018/hyperlinkcolor">
+  <p:cSld>
+    <p:spTree>
+      <p:nvGrpSpPr>
+        <p:cNvPr id="414" name="Shape 414"/>
+        <p:cNvGrpSpPr/>
+        <p:nvPr/>
+      </p:nvGrpSpPr>
+      <p:grpSpPr>
+        <a:xfrm>
+          <a:off x="0" y="0"/>
+          <a:ext cx="0" cy="0"/>
+          <a:chOff x="0" y="0"/>
+          <a:chExt cx="0" cy="0"/>
+        </a:xfrm>
+      </p:grpSpPr>
+      <p:sp>
+        <p:nvSpPr>
+          <p:cNvPr id="415" name="Google Shape;415;p47"/>
+          <p:cNvSpPr txBox="1"/>
+          <p:nvPr>
+            <p:ph type="title"/>
+          </p:nvPr>
+        </p:nvSpPr>
+        <p:spPr>
+          <a:xfrm>
+            <a:off x="342900" y="84475"/>
+            <a:ext cx="8653200" cy="1079700"/>
+          </a:xfrm>
+          <a:prstGeom prst="rect">
+            <a:avLst/>
+          </a:prstGeom>
+        </p:spPr>
+        <p:txBody>
+          <a:bodyPr anchorCtr="0" anchor="ctr" bIns="91425" lIns="91425" spcFirstLastPara="1" rIns="91425" wrap="square" tIns="91425">
+            <a:noAutofit/>
+          </a:bodyPr>
+          <a:lstStyle/>
+          <a:p>
+            <a:pPr indent="0" lvl="0" marL="0" rtl="0" algn="l">
+              <a:spcBef>
+                <a:spcPts val="0"/>
+              </a:spcBef>
+              <a:spcAft>
+                <a:spcPts val="0"/>
+              </a:spcAft>
+              <a:buNone/>
+            </a:pPr>
+            <a:r>
+              <a:t/>
+            </a:r>
+            <a:endParaRPr b="1" sz="600">
+              <a:solidFill>
+                <a:srgbClr val="000000"/>
+              </a:solidFill>
+              <a:latin typeface="Times New Roman"/>
+              <a:ea typeface="Times New Roman"/>
+              <a:cs typeface="Times New Roman"/>
+              <a:sym typeface="Times New Roman"/>
+            </a:endParaRPr>
+          </a:p>
+          <a:p>
+            <a:pPr indent="0" lvl="0" marL="0" rtl="0" algn="l">
+              <a:spcBef>
+                <a:spcPts val="0"/>
+              </a:spcBef>
+              <a:spcAft>
+                <a:spcPts val="0"/>
+              </a:spcAft>
+              <a:buNone/>
+            </a:pPr>
+            <a:r>
+              <a:rPr b="1" lang="en" sz="4000">
+                <a:latin typeface="IBM Plex Sans"/>
+                <a:ea typeface="IBM Plex Sans"/>
+                <a:cs typeface="IBM Plex Sans"/>
+                <a:sym typeface="IBM Plex Sans"/>
+              </a:rPr>
+              <a:t>DATA EXPLORATION </a:t>
+            </a:r>
+            <a:r>
+              <a:rPr b="1" lang="en" sz="1500">
+                <a:latin typeface="IBM Plex Sans"/>
+                <a:ea typeface="IBM Plex Sans"/>
+                <a:cs typeface="IBM Plex Sans"/>
+                <a:sym typeface="IBM Plex Sans"/>
+              </a:rPr>
+              <a:t>counties Dataset</a:t>
+            </a:r>
+            <a:endParaRPr b="1" sz="3800">
+              <a:latin typeface="IBM Plex Sans"/>
+              <a:ea typeface="IBM Plex Sans"/>
+              <a:cs typeface="IBM Plex Sans"/>
+              <a:sym typeface="IBM Plex Sans"/>
+            </a:endParaRPr>
+          </a:p>
+        </p:txBody>
+      </p:sp>
+      <p:sp>
+        <p:nvSpPr>
+          <p:cNvPr id="416" name="Google Shape;416;p47"/>
+          <p:cNvSpPr txBox="1"/>
+          <p:nvPr>
+            <p:ph idx="12" type="sldNum"/>
+          </p:nvPr>
+        </p:nvSpPr>
+        <p:spPr>
+          <a:xfrm>
+            <a:off x="8229600" y="4799170"/>
+            <a:ext cx="457200" cy="273900"/>
+          </a:xfrm>
+          <a:prstGeom prst="rect">
+            <a:avLst/>
+          </a:prstGeom>
+        </p:spPr>
+        <p:txBody>
+          <a:bodyPr anchorCtr="0" anchor="ctr" bIns="91425" lIns="91425" spcFirstLastPara="1" rIns="91425" wrap="square" tIns="91425">
+            <a:noAutofit/>
+          </a:bodyPr>
+          <a:lstStyle/>
+          <a:p>
+            <a:pPr indent="0" lvl="0" marL="0" rtl="0" algn="r">
+              <a:spcBef>
+                <a:spcPts val="0"/>
+              </a:spcBef>
+              <a:spcAft>
+                <a:spcPts val="0"/>
+              </a:spcAft>
+              <a:buNone/>
+            </a:pPr>
+            <a:fld id="{00000000-1234-1234-1234-123412341234}" type="slidenum">
+              <a:rPr lang="en"/>
+              <a:t>‹#›</a:t>
+            </a:fld>
+            <a:endParaRPr/>
+          </a:p>
+        </p:txBody>
+      </p:sp>
+      <p:pic>
+        <p:nvPicPr>
+          <p:cNvPr id="417" name="Google Shape;417;p47"/>
+          <p:cNvPicPr preferRelativeResize="0"/>
+          <p:nvPr/>
+        </p:nvPicPr>
+        <p:blipFill>
+          <a:blip r:embed="rId3">
+            <a:alphaModFix/>
+          </a:blip>
+          <a:stretch>
+            <a:fillRect/>
+          </a:stretch>
+        </p:blipFill>
+        <p:spPr>
+          <a:xfrm>
+            <a:off x="555825" y="1124650"/>
+            <a:ext cx="7579651" cy="3674525"/>
+          </a:xfrm>
+          <a:prstGeom prst="rect">
+            <a:avLst/>
+          </a:prstGeom>
+          <a:noFill/>
+          <a:ln>
+            <a:noFill/>
+          </a:ln>
+        </p:spPr>
+      </p:pic>
+    </p:spTree>
+  </p:cSld>
+  <p:clrMapOvr>
+    <a:masterClrMapping/>
+  </p:clrMapOvr>
+</p:sld>
+</file>
+
+<file path=ppt/slides/slide7.xml><?xml version="1.0" encoding="utf-8"?>
+<p:sld xmlns:a="http://schemas.openxmlformats.org/drawingml/2006/main" xmlns:r="http://schemas.openxmlformats.org/officeDocument/2006/relationships" xmlns:mc="http://schemas.openxmlformats.org/markup-compatibility/2006" xmlns:mv="urn:schemas-microsoft-com:mac:vml" xmlns:p="http://schemas.openxmlformats.org/presentationml/2006/main" xmlns:c="http://schemas.openxmlformats.org/drawingml/2006/chart" xmlns:dgm="http://schemas.openxmlformats.org/drawingml/2006/diagram" xmlns:o="urn:schemas-microsoft-com:office:office" xmlns:v="urn:schemas-microsoft-com:vml" xmlns:pvml="urn:schemas-microsoft-com:office:powerpoint" xmlns:com="http://schemas.openxmlformats.org/drawingml/2006/compatibility" xmlns:p14="http://schemas.microsoft.com/office/powerpoint/2010/main" xmlns:p15="http://schemas.microsoft.com/office/powerpoint/2012/main" xmlns:ahyp="http://schemas.microsoft.com/office/drawing/2018/hyperlinkcolor">
+  <p:cSld>
+    <p:spTree>
+      <p:nvGrpSpPr>
+        <p:cNvPr id="421" name="Shape 421"/>
+        <p:cNvGrpSpPr/>
+        <p:nvPr/>
+      </p:nvGrpSpPr>
+      <p:grpSpPr>
+        <a:xfrm>
+          <a:off x="0" y="0"/>
+          <a:ext cx="0" cy="0"/>
+          <a:chOff x="0" y="0"/>
+          <a:chExt cx="0" cy="0"/>
+        </a:xfrm>
+      </p:grpSpPr>
+      <p:sp>
+        <p:nvSpPr>
+          <p:cNvPr id="422" name="Google Shape;422;p48"/>
+          <p:cNvSpPr txBox="1"/>
+          <p:nvPr>
+            <p:ph type="title"/>
+          </p:nvPr>
+        </p:nvSpPr>
+        <p:spPr>
+          <a:xfrm>
+            <a:off x="342900" y="84475"/>
+            <a:ext cx="8653200" cy="1341000"/>
+          </a:xfrm>
+          <a:prstGeom prst="rect">
+            <a:avLst/>
+          </a:prstGeom>
+        </p:spPr>
+        <p:txBody>
+          <a:bodyPr anchorCtr="0" anchor="ctr" bIns="91425" lIns="91425" spcFirstLastPara="1" rIns="91425" wrap="square" tIns="91425">
+            <a:noAutofit/>
+          </a:bodyPr>
+          <a:lstStyle/>
+          <a:p>
+            <a:pPr indent="0" lvl="0" marL="0" rtl="0" algn="l">
+              <a:spcBef>
+                <a:spcPts val="0"/>
+              </a:spcBef>
+              <a:spcAft>
+                <a:spcPts val="0"/>
+              </a:spcAft>
+              <a:buNone/>
+            </a:pPr>
+            <a:r>
+              <a:t/>
+            </a:r>
+            <a:endParaRPr b="1" sz="600">
+              <a:solidFill>
+                <a:srgbClr val="000000"/>
+              </a:solidFill>
+              <a:latin typeface="Times New Roman"/>
+              <a:ea typeface="Times New Roman"/>
+              <a:cs typeface="Times New Roman"/>
+              <a:sym typeface="Times New Roman"/>
+            </a:endParaRPr>
+          </a:p>
+          <a:p>
+            <a:pPr indent="0" lvl="0" marL="0" rtl="0" algn="l">
+              <a:spcBef>
+                <a:spcPts val="0"/>
+              </a:spcBef>
+              <a:spcAft>
+                <a:spcPts val="0"/>
+              </a:spcAft>
+              <a:buNone/>
+            </a:pPr>
+            <a:r>
+              <a:rPr b="1" lang="en" sz="4000">
+                <a:latin typeface="IBM Plex Sans"/>
+                <a:ea typeface="IBM Plex Sans"/>
+                <a:cs typeface="IBM Plex Sans"/>
+                <a:sym typeface="IBM Plex Sans"/>
+              </a:rPr>
+              <a:t>DATA EXPLORATION</a:t>
+            </a:r>
+            <a:endParaRPr b="1" sz="4000">
+              <a:latin typeface="IBM Plex Sans"/>
+              <a:ea typeface="IBM Plex Sans"/>
+              <a:cs typeface="IBM Plex Sans"/>
+              <a:sym typeface="IBM Plex Sans"/>
+            </a:endParaRPr>
+          </a:p>
+        </p:txBody>
+      </p:sp>
+      <p:sp>
+        <p:nvSpPr>
+          <p:cNvPr id="423" name="Google Shape;423;p48"/>
+          <p:cNvSpPr txBox="1"/>
+          <p:nvPr>
+            <p:ph idx="12" type="sldNum"/>
+          </p:nvPr>
+        </p:nvSpPr>
+        <p:spPr>
+          <a:xfrm>
+            <a:off x="8229600" y="4799170"/>
+            <a:ext cx="457200" cy="273900"/>
+          </a:xfrm>
+          <a:prstGeom prst="rect">
+            <a:avLst/>
+          </a:prstGeom>
+        </p:spPr>
+        <p:txBody>
+          <a:bodyPr anchorCtr="0" anchor="ctr" bIns="91425" lIns="91425" spcFirstLastPara="1" rIns="91425" wrap="square" tIns="91425">
+            <a:noAutofit/>
+          </a:bodyPr>
+          <a:lstStyle/>
+          <a:p>
+            <a:pPr indent="0" lvl="0" marL="0" rtl="0" algn="r">
+              <a:spcBef>
+                <a:spcPts val="0"/>
+              </a:spcBef>
+              <a:spcAft>
+                <a:spcPts val="0"/>
+              </a:spcAft>
+              <a:buNone/>
+            </a:pPr>
+            <a:fld id="{00000000-1234-1234-1234-123412341234}" type="slidenum">
+              <a:rPr lang="en"/>
+              <a:t>‹#›</a:t>
+            </a:fld>
+            <a:endParaRPr/>
+          </a:p>
+        </p:txBody>
+      </p:sp>
+      <p:sp>
+        <p:nvSpPr>
+          <p:cNvPr id="424" name="Google Shape;424;p48"/>
+          <p:cNvSpPr txBox="1"/>
+          <p:nvPr>
+            <p:ph idx="2" type="subTitle"/>
+          </p:nvPr>
+        </p:nvSpPr>
+        <p:spPr>
+          <a:xfrm>
+            <a:off x="400050" y="1997850"/>
+            <a:ext cx="8343900" cy="3027300"/>
+          </a:xfrm>
+          <a:prstGeom prst="rect">
+            <a:avLst/>
+          </a:prstGeom>
+        </p:spPr>
+        <p:txBody>
+          <a:bodyPr anchorCtr="0" anchor="ctr" bIns="91425" lIns="91425" spcFirstLastPara="1" rIns="91425" wrap="square" tIns="91425">
+            <a:noAutofit/>
+          </a:bodyPr>
+          <a:lstStyle/>
+          <a:p>
+            <a:pPr indent="-298450" lvl="0" marL="457200" rtl="0" algn="l">
+              <a:lnSpc>
+                <a:spcPct val="115000"/>
+              </a:lnSpc>
+              <a:spcBef>
+                <a:spcPts val="1200"/>
+              </a:spcBef>
+              <a:spcAft>
+                <a:spcPts val="0"/>
+              </a:spcAft>
+              <a:buClr>
+                <a:srgbClr val="000000"/>
+              </a:buClr>
+              <a:buSzPts val="1100"/>
+              <a:buFont typeface="Arial"/>
+              <a:buChar char="●"/>
+            </a:pPr>
+            <a:r>
+              <a:rPr lang="en"/>
+              <a:t>Unemployment rates: unr_16, funr_16, munr_16.</a:t>
+            </a:r>
+            <a:endParaRPr/>
+          </a:p>
+          <a:p>
+            <a:pPr indent="-298450" lvl="0" marL="457200" rtl="0" algn="l">
+              <a:lnSpc>
+                <a:spcPct val="115000"/>
+              </a:lnSpc>
+              <a:spcBef>
+                <a:spcPts val="0"/>
+              </a:spcBef>
+              <a:spcAft>
+                <a:spcPts val="0"/>
+              </a:spcAft>
+              <a:buClr>
+                <a:srgbClr val="000000"/>
+              </a:buClr>
+              <a:buSzPts val="1100"/>
+              <a:buFont typeface="Arial"/>
+              <a:buChar char="●"/>
+            </a:pPr>
+            <a:r>
+              <a:rPr lang="en"/>
+              <a:t>Median household income: mhi_2018.</a:t>
+            </a:r>
+            <a:endParaRPr/>
+          </a:p>
+          <a:p>
+            <a:pPr indent="-298450" lvl="0" marL="457200" rtl="0" algn="l">
+              <a:lnSpc>
+                <a:spcPct val="115000"/>
+              </a:lnSpc>
+              <a:spcBef>
+                <a:spcPts val="0"/>
+              </a:spcBef>
+              <a:spcAft>
+                <a:spcPts val="0"/>
+              </a:spcAft>
+              <a:buClr>
+                <a:srgbClr val="000000"/>
+              </a:buClr>
+              <a:buSzPts val="1100"/>
+              <a:buFont typeface="Arial"/>
+              <a:buChar char="●"/>
+            </a:pPr>
+            <a:r>
+              <a:rPr lang="en"/>
+              <a:t>Total population: total_pop.</a:t>
+            </a:r>
+            <a:endParaRPr/>
+          </a:p>
+          <a:p>
+            <a:pPr indent="-298450" lvl="0" marL="457200" rtl="0" algn="l">
+              <a:lnSpc>
+                <a:spcPct val="115000"/>
+              </a:lnSpc>
+              <a:spcBef>
+                <a:spcPts val="0"/>
+              </a:spcBef>
+              <a:spcAft>
+                <a:spcPts val="0"/>
+              </a:spcAft>
+              <a:buClr>
+                <a:srgbClr val="000000"/>
+              </a:buClr>
+              <a:buSzPts val="1100"/>
+              <a:buFont typeface="Arial"/>
+              <a:buChar char="●"/>
+            </a:pPr>
+            <a:r>
+              <a:rPr lang="en"/>
+              <a:t>Childcare costs: mc_infant, mc_toddler, mc_preschool.</a:t>
+            </a:r>
+            <a:endParaRPr/>
+          </a:p>
+          <a:p>
+            <a:pPr indent="0" lvl="0" marL="457200" rtl="0" algn="l">
+              <a:lnSpc>
+                <a:spcPct val="115000"/>
+              </a:lnSpc>
+              <a:spcBef>
+                <a:spcPts val="1200"/>
+              </a:spcBef>
+              <a:spcAft>
+                <a:spcPts val="0"/>
+              </a:spcAft>
+              <a:buNone/>
+            </a:pPr>
+            <a:r>
+              <a:t/>
+            </a:r>
+            <a:endParaRPr/>
+          </a:p>
+          <a:p>
+            <a:pPr indent="0" lvl="0" marL="457200" rtl="0" algn="l">
+              <a:lnSpc>
+                <a:spcPct val="115000"/>
+              </a:lnSpc>
+              <a:spcBef>
+                <a:spcPts val="1200"/>
+              </a:spcBef>
+              <a:spcAft>
+                <a:spcPts val="0"/>
+              </a:spcAft>
+              <a:buNone/>
+            </a:pPr>
+            <a:r>
+              <a:t/>
+            </a:r>
+            <a:endParaRPr/>
+          </a:p>
+          <a:p>
+            <a:pPr indent="0" lvl="0" marL="0" rtl="0" algn="l">
+              <a:spcBef>
+                <a:spcPts val="1200"/>
+              </a:spcBef>
+              <a:spcAft>
+                <a:spcPts val="400"/>
+              </a:spcAft>
+              <a:buNone/>
+            </a:pPr>
+            <a:r>
+              <a:t/>
+            </a:r>
+            <a:endParaRPr/>
+          </a:p>
+        </p:txBody>
+      </p:sp>
+    </p:spTree>
+  </p:cSld>
+  <p:clrMapOvr>
+    <a:masterClrMapping/>
+  </p:clrMapOvr>
+</p:sld>
+</file>
+
+<file path=ppt/slides/slide8.xml><?xml version="1.0" encoding="utf-8"?>
+<p:sld xmlns:a="http://schemas.openxmlformats.org/drawingml/2006/main" xmlns:r="http://schemas.openxmlformats.org/officeDocument/2006/relationships" xmlns:mc="http://schemas.openxmlformats.org/markup-compatibility/2006" xmlns:mv="urn:schemas-microsoft-com:mac:vml" xmlns:p="http://schemas.openxmlformats.org/presentationml/2006/main" xmlns:c="http://schemas.openxmlformats.org/drawingml/2006/chart" xmlns:dgm="http://schemas.openxmlformats.org/drawingml/2006/diagram" xmlns:o="urn:schemas-microsoft-com:office:office" xmlns:v="urn:schemas-microsoft-com:vml" xmlns:pvml="urn:schemas-microsoft-com:office:powerpoint" xmlns:com="http://schemas.openxmlformats.org/drawingml/2006/compatibility" xmlns:p14="http://schemas.microsoft.com/office/powerpoint/2010/main" xmlns:p15="http://schemas.microsoft.com/office/powerpoint/2012/main" xmlns:ahyp="http://schemas.microsoft.com/office/drawing/2018/hyperlinkcolor">
+  <p:cSld>
+    <p:spTree>
+      <p:nvGrpSpPr>
+        <p:cNvPr id="428" name="Shape 428"/>
+        <p:cNvGrpSpPr/>
+        <p:nvPr/>
+      </p:nvGrpSpPr>
+      <p:grpSpPr>
+        <a:xfrm>
+          <a:off x="0" y="0"/>
+          <a:ext cx="0" cy="0"/>
+          <a:chOff x="0" y="0"/>
+          <a:chExt cx="0" cy="0"/>
+        </a:xfrm>
+      </p:grpSpPr>
+      <p:sp>
+        <p:nvSpPr>
+          <p:cNvPr id="429" name="Google Shape;429;p49"/>
+          <p:cNvSpPr txBox="1"/>
+          <p:nvPr>
+            <p:ph type="title"/>
+          </p:nvPr>
+        </p:nvSpPr>
+        <p:spPr>
+          <a:xfrm>
+            <a:off x="342900" y="84475"/>
             <a:ext cx="7724100" cy="1341000"/>
           </a:xfrm>
           <a:prstGeom prst="rect">
@@ -39253,7 +40151,7 @@
       </p:sp>
       <p:sp>
         <p:nvSpPr>
-          <p:cNvPr id="408" name="Google Shape;408;p46"/>
+          <p:cNvPr id="430" name="Google Shape;430;p49"/>
           <p:cNvSpPr txBox="1"/>
           <p:nvPr>
             <p:ph idx="12" type="sldNum"/>
@@ -39293,7 +40191,7 @@
       </p:sp>
       <p:sp>
         <p:nvSpPr>
-          <p:cNvPr id="409" name="Google Shape;409;p46"/>
+          <p:cNvPr id="431" name="Google Shape;431;p49"/>
           <p:cNvSpPr txBox="1"/>
           <p:nvPr>
             <p:ph idx="2" type="subTitle"/>
@@ -39350,7 +40248,7 @@
       </p:sp>
       <p:pic>
         <p:nvPicPr>
-          <p:cNvPr id="410" name="Google Shape;410;p46"/>
+          <p:cNvPr id="432" name="Google Shape;432;p49"/>
           <p:cNvPicPr preferRelativeResize="0"/>
           <p:nvPr/>
         </p:nvPicPr>
@@ -39364,8 +40262,8 @@
         </p:blipFill>
         <p:spPr>
           <a:xfrm>
-            <a:off x="528650" y="1814520"/>
-            <a:ext cx="8086725" cy="909675"/>
+            <a:off x="528675" y="1759975"/>
+            <a:ext cx="8086726" cy="992525"/>
           </a:xfrm>
           <a:prstGeom prst="rect">
             <a:avLst/>
@@ -39378,7 +40276,7 @@
       </p:pic>
       <p:pic>
         <p:nvPicPr>
-          <p:cNvPr id="411" name="Google Shape;411;p46"/>
+          <p:cNvPr id="433" name="Google Shape;433;p49"/>
           <p:cNvPicPr preferRelativeResize="0"/>
           <p:nvPr/>
         </p:nvPicPr>
@@ -39392,8 +40290,8 @@
         </p:blipFill>
         <p:spPr>
           <a:xfrm>
-            <a:off x="528650" y="2862600"/>
-            <a:ext cx="8158151" cy="992525"/>
+            <a:off x="528675" y="2965625"/>
+            <a:ext cx="8129601" cy="992525"/>
           </a:xfrm>
           <a:prstGeom prst="rect">
             <a:avLst/>
@@ -39412,12 +40310,12 @@
 </p:sld>
 </file>
 
-<file path=ppt/slides/slide6.xml><?xml version="1.0" encoding="utf-8"?>
+<file path=ppt/slides/slide9.xml><?xml version="1.0" encoding="utf-8"?>
 <p:sld xmlns:a="http://schemas.openxmlformats.org/drawingml/2006/main" xmlns:r="http://schemas.openxmlformats.org/officeDocument/2006/relationships" xmlns:mc="http://schemas.openxmlformats.org/markup-compatibility/2006" xmlns:mv="urn:schemas-microsoft-com:mac:vml" xmlns:p="http://schemas.openxmlformats.org/presentationml/2006/main" xmlns:c="http://schemas.openxmlformats.org/drawingml/2006/chart" xmlns:dgm="http://schemas.openxmlformats.org/drawingml/2006/diagram" xmlns:o="urn:schemas-microsoft-com:office:office" xmlns:v="urn:schemas-microsoft-com:vml" xmlns:pvml="urn:schemas-microsoft-com:office:powerpoint" xmlns:com="http://schemas.openxmlformats.org/drawingml/2006/compatibility" xmlns:p14="http://schemas.microsoft.com/office/powerpoint/2010/main" xmlns:p15="http://schemas.microsoft.com/office/powerpoint/2012/main" xmlns:ahyp="http://schemas.microsoft.com/office/drawing/2018/hyperlinkcolor">
   <p:cSld>
     <p:spTree>
       <p:nvGrpSpPr>
-        <p:cNvPr id="415" name="Shape 415"/>
+        <p:cNvPr id="437" name="Shape 437"/>
         <p:cNvGrpSpPr/>
         <p:nvPr/>
       </p:nvGrpSpPr>
@@ -39431,510 +40329,7 @@
       </p:grpSpPr>
       <p:sp>
         <p:nvSpPr>
-          <p:cNvPr id="416" name="Google Shape;416;p47"/>
-          <p:cNvSpPr txBox="1"/>
-          <p:nvPr>
-            <p:ph type="title"/>
-          </p:nvPr>
-        </p:nvSpPr>
-        <p:spPr>
-          <a:xfrm>
-            <a:off x="342900" y="84475"/>
-            <a:ext cx="8653200" cy="1341000"/>
-          </a:xfrm>
-          <a:prstGeom prst="rect">
-            <a:avLst/>
-          </a:prstGeom>
-        </p:spPr>
-        <p:txBody>
-          <a:bodyPr anchorCtr="0" anchor="ctr" bIns="91425" lIns="91425" spcFirstLastPara="1" rIns="91425" wrap="square" tIns="91425">
-            <a:noAutofit/>
-          </a:bodyPr>
-          <a:lstStyle/>
-          <a:p>
-            <a:pPr indent="0" lvl="0" marL="0" rtl="0" algn="l">
-              <a:spcBef>
-                <a:spcPts val="0"/>
-              </a:spcBef>
-              <a:spcAft>
-                <a:spcPts val="0"/>
-              </a:spcAft>
-              <a:buNone/>
-            </a:pPr>
-            <a:r>
-              <a:t/>
-            </a:r>
-            <a:endParaRPr b="1" sz="600">
-              <a:solidFill>
-                <a:srgbClr val="000000"/>
-              </a:solidFill>
-              <a:latin typeface="Times New Roman"/>
-              <a:ea typeface="Times New Roman"/>
-              <a:cs typeface="Times New Roman"/>
-              <a:sym typeface="Times New Roman"/>
-            </a:endParaRPr>
-          </a:p>
-          <a:p>
-            <a:pPr indent="0" lvl="0" marL="0" rtl="0" algn="l">
-              <a:spcBef>
-                <a:spcPts val="0"/>
-              </a:spcBef>
-              <a:spcAft>
-                <a:spcPts val="0"/>
-              </a:spcAft>
-              <a:buNone/>
-            </a:pPr>
-            <a:r>
-              <a:rPr b="1" lang="en" sz="4000">
-                <a:latin typeface="IBM Plex Sans"/>
-                <a:ea typeface="IBM Plex Sans"/>
-                <a:cs typeface="IBM Plex Sans"/>
-                <a:sym typeface="IBM Plex Sans"/>
-              </a:rPr>
-              <a:t>DATA EXPLORATION</a:t>
-            </a:r>
-            <a:endParaRPr b="1" sz="4000">
-              <a:latin typeface="IBM Plex Sans"/>
-              <a:ea typeface="IBM Plex Sans"/>
-              <a:cs typeface="IBM Plex Sans"/>
-              <a:sym typeface="IBM Plex Sans"/>
-            </a:endParaRPr>
-          </a:p>
-        </p:txBody>
-      </p:sp>
-      <p:sp>
-        <p:nvSpPr>
-          <p:cNvPr id="417" name="Google Shape;417;p47"/>
-          <p:cNvSpPr txBox="1"/>
-          <p:nvPr>
-            <p:ph idx="12" type="sldNum"/>
-          </p:nvPr>
-        </p:nvSpPr>
-        <p:spPr>
-          <a:xfrm>
-            <a:off x="8229600" y="4799170"/>
-            <a:ext cx="457200" cy="273900"/>
-          </a:xfrm>
-          <a:prstGeom prst="rect">
-            <a:avLst/>
-          </a:prstGeom>
-        </p:spPr>
-        <p:txBody>
-          <a:bodyPr anchorCtr="0" anchor="ctr" bIns="91425" lIns="91425" spcFirstLastPara="1" rIns="91425" wrap="square" tIns="91425">
-            <a:noAutofit/>
-          </a:bodyPr>
-          <a:lstStyle/>
-          <a:p>
-            <a:pPr indent="0" lvl="0" marL="0" rtl="0" algn="r">
-              <a:spcBef>
-                <a:spcPts val="0"/>
-              </a:spcBef>
-              <a:spcAft>
-                <a:spcPts val="0"/>
-              </a:spcAft>
-              <a:buNone/>
-            </a:pPr>
-            <a:fld id="{00000000-1234-1234-1234-123412341234}" type="slidenum">
-              <a:rPr lang="en"/>
-              <a:t>‹#›</a:t>
-            </a:fld>
-            <a:endParaRPr/>
-          </a:p>
-        </p:txBody>
-      </p:sp>
-      <p:pic>
-        <p:nvPicPr>
-          <p:cNvPr id="418" name="Google Shape;418;p47"/>
-          <p:cNvPicPr preferRelativeResize="0"/>
-          <p:nvPr/>
-        </p:nvPicPr>
-        <p:blipFill>
-          <a:blip r:embed="rId3">
-            <a:alphaModFix/>
-          </a:blip>
-          <a:stretch>
-            <a:fillRect/>
-          </a:stretch>
-        </p:blipFill>
-        <p:spPr>
-          <a:xfrm>
-            <a:off x="402100" y="1228300"/>
-            <a:ext cx="3532926" cy="3695475"/>
-          </a:xfrm>
-          <a:prstGeom prst="rect">
-            <a:avLst/>
-          </a:prstGeom>
-          <a:noFill/>
-          <a:ln>
-            <a:noFill/>
-          </a:ln>
-        </p:spPr>
-      </p:pic>
-      <p:pic>
-        <p:nvPicPr>
-          <p:cNvPr id="419" name="Google Shape;419;p47"/>
-          <p:cNvPicPr preferRelativeResize="0"/>
-          <p:nvPr/>
-        </p:nvPicPr>
-        <p:blipFill>
-          <a:blip r:embed="rId4">
-            <a:alphaModFix/>
-          </a:blip>
-          <a:stretch>
-            <a:fillRect/>
-          </a:stretch>
-        </p:blipFill>
-        <p:spPr>
-          <a:xfrm>
-            <a:off x="4127400" y="1228300"/>
-            <a:ext cx="3901149" cy="3652924"/>
-          </a:xfrm>
-          <a:prstGeom prst="rect">
-            <a:avLst/>
-          </a:prstGeom>
-          <a:noFill/>
-          <a:ln>
-            <a:noFill/>
-          </a:ln>
-        </p:spPr>
-      </p:pic>
-    </p:spTree>
-  </p:cSld>
-  <p:clrMapOvr>
-    <a:masterClrMapping/>
-  </p:clrMapOvr>
-</p:sld>
-</file>
-
-<file path=ppt/slides/slide7.xml><?xml version="1.0" encoding="utf-8"?>
-<p:sld xmlns:a="http://schemas.openxmlformats.org/drawingml/2006/main" xmlns:r="http://schemas.openxmlformats.org/officeDocument/2006/relationships" xmlns:mc="http://schemas.openxmlformats.org/markup-compatibility/2006" xmlns:mv="urn:schemas-microsoft-com:mac:vml" xmlns:p="http://schemas.openxmlformats.org/presentationml/2006/main" xmlns:c="http://schemas.openxmlformats.org/drawingml/2006/chart" xmlns:dgm="http://schemas.openxmlformats.org/drawingml/2006/diagram" xmlns:o="urn:schemas-microsoft-com:office:office" xmlns:v="urn:schemas-microsoft-com:vml" xmlns:pvml="urn:schemas-microsoft-com:office:powerpoint" xmlns:com="http://schemas.openxmlformats.org/drawingml/2006/compatibility" xmlns:p14="http://schemas.microsoft.com/office/powerpoint/2010/main" xmlns:p15="http://schemas.microsoft.com/office/powerpoint/2012/main" xmlns:ahyp="http://schemas.microsoft.com/office/drawing/2018/hyperlinkcolor">
-  <p:cSld>
-    <p:spTree>
-      <p:nvGrpSpPr>
-        <p:cNvPr id="423" name="Shape 423"/>
-        <p:cNvGrpSpPr/>
-        <p:nvPr/>
-      </p:nvGrpSpPr>
-      <p:grpSpPr>
-        <a:xfrm>
-          <a:off x="0" y="0"/>
-          <a:ext cx="0" cy="0"/>
-          <a:chOff x="0" y="0"/>
-          <a:chExt cx="0" cy="0"/>
-        </a:xfrm>
-      </p:grpSpPr>
-      <p:sp>
-        <p:nvSpPr>
-          <p:cNvPr id="424" name="Google Shape;424;p48"/>
-          <p:cNvSpPr txBox="1"/>
-          <p:nvPr>
-            <p:ph type="title"/>
-          </p:nvPr>
-        </p:nvSpPr>
-        <p:spPr>
-          <a:xfrm>
-            <a:off x="342900" y="84475"/>
-            <a:ext cx="8653200" cy="1341000"/>
-          </a:xfrm>
-          <a:prstGeom prst="rect">
-            <a:avLst/>
-          </a:prstGeom>
-        </p:spPr>
-        <p:txBody>
-          <a:bodyPr anchorCtr="0" anchor="ctr" bIns="91425" lIns="91425" spcFirstLastPara="1" rIns="91425" wrap="square" tIns="91425">
-            <a:noAutofit/>
-          </a:bodyPr>
-          <a:lstStyle/>
-          <a:p>
-            <a:pPr indent="0" lvl="0" marL="0" rtl="0" algn="l">
-              <a:spcBef>
-                <a:spcPts val="0"/>
-              </a:spcBef>
-              <a:spcAft>
-                <a:spcPts val="0"/>
-              </a:spcAft>
-              <a:buNone/>
-            </a:pPr>
-            <a:r>
-              <a:t/>
-            </a:r>
-            <a:endParaRPr b="1" sz="600">
-              <a:solidFill>
-                <a:srgbClr val="000000"/>
-              </a:solidFill>
-              <a:latin typeface="Times New Roman"/>
-              <a:ea typeface="Times New Roman"/>
-              <a:cs typeface="Times New Roman"/>
-              <a:sym typeface="Times New Roman"/>
-            </a:endParaRPr>
-          </a:p>
-          <a:p>
-            <a:pPr indent="0" lvl="0" marL="0" rtl="0" algn="l">
-              <a:spcBef>
-                <a:spcPts val="0"/>
-              </a:spcBef>
-              <a:spcAft>
-                <a:spcPts val="0"/>
-              </a:spcAft>
-              <a:buNone/>
-            </a:pPr>
-            <a:r>
-              <a:rPr b="1" lang="en" sz="4000">
-                <a:latin typeface="IBM Plex Sans"/>
-                <a:ea typeface="IBM Plex Sans"/>
-                <a:cs typeface="IBM Plex Sans"/>
-                <a:sym typeface="IBM Plex Sans"/>
-              </a:rPr>
-              <a:t>DATA EXPLORATION</a:t>
-            </a:r>
-            <a:endParaRPr b="1" sz="4000">
-              <a:latin typeface="IBM Plex Sans"/>
-              <a:ea typeface="IBM Plex Sans"/>
-              <a:cs typeface="IBM Plex Sans"/>
-              <a:sym typeface="IBM Plex Sans"/>
-            </a:endParaRPr>
-          </a:p>
-        </p:txBody>
-      </p:sp>
-      <p:sp>
-        <p:nvSpPr>
-          <p:cNvPr id="425" name="Google Shape;425;p48"/>
-          <p:cNvSpPr txBox="1"/>
-          <p:nvPr>
-            <p:ph idx="12" type="sldNum"/>
-          </p:nvPr>
-        </p:nvSpPr>
-        <p:spPr>
-          <a:xfrm>
-            <a:off x="8229600" y="4799170"/>
-            <a:ext cx="457200" cy="273900"/>
-          </a:xfrm>
-          <a:prstGeom prst="rect">
-            <a:avLst/>
-          </a:prstGeom>
-        </p:spPr>
-        <p:txBody>
-          <a:bodyPr anchorCtr="0" anchor="ctr" bIns="91425" lIns="91425" spcFirstLastPara="1" rIns="91425" wrap="square" tIns="91425">
-            <a:noAutofit/>
-          </a:bodyPr>
-          <a:lstStyle/>
-          <a:p>
-            <a:pPr indent="0" lvl="0" marL="0" rtl="0" algn="r">
-              <a:spcBef>
-                <a:spcPts val="0"/>
-              </a:spcBef>
-              <a:spcAft>
-                <a:spcPts val="0"/>
-              </a:spcAft>
-              <a:buNone/>
-            </a:pPr>
-            <a:fld id="{00000000-1234-1234-1234-123412341234}" type="slidenum">
-              <a:rPr lang="en"/>
-              <a:t>‹#›</a:t>
-            </a:fld>
-            <a:endParaRPr/>
-          </a:p>
-        </p:txBody>
-      </p:sp>
-      <p:sp>
-        <p:nvSpPr>
-          <p:cNvPr id="426" name="Google Shape;426;p48"/>
-          <p:cNvSpPr txBox="1"/>
-          <p:nvPr>
-            <p:ph idx="2" type="subTitle"/>
-          </p:nvPr>
-        </p:nvSpPr>
-        <p:spPr>
-          <a:xfrm>
-            <a:off x="400050" y="1997850"/>
-            <a:ext cx="8343900" cy="3027300"/>
-          </a:xfrm>
-          <a:prstGeom prst="rect">
-            <a:avLst/>
-          </a:prstGeom>
-        </p:spPr>
-        <p:txBody>
-          <a:bodyPr anchorCtr="0" anchor="ctr" bIns="91425" lIns="91425" spcFirstLastPara="1" rIns="91425" wrap="square" tIns="91425">
-            <a:noAutofit/>
-          </a:bodyPr>
-          <a:lstStyle/>
-          <a:p>
-            <a:pPr indent="-298450" lvl="0" marL="457200" rtl="0" algn="l">
-              <a:lnSpc>
-                <a:spcPct val="115000"/>
-              </a:lnSpc>
-              <a:spcBef>
-                <a:spcPts val="1200"/>
-              </a:spcBef>
-              <a:spcAft>
-                <a:spcPts val="0"/>
-              </a:spcAft>
-              <a:buClr>
-                <a:srgbClr val="000000"/>
-              </a:buClr>
-              <a:buSzPts val="1100"/>
-              <a:buFont typeface="Arial"/>
-              <a:buChar char="●"/>
-            </a:pPr>
-            <a:r>
-              <a:rPr lang="en"/>
-              <a:t>Unemployment rates: unr_16, funr_16, munr_16.</a:t>
-            </a:r>
-            <a:endParaRPr/>
-          </a:p>
-          <a:p>
-            <a:pPr indent="-298450" lvl="0" marL="457200" rtl="0" algn="l">
-              <a:lnSpc>
-                <a:spcPct val="115000"/>
-              </a:lnSpc>
-              <a:spcBef>
-                <a:spcPts val="0"/>
-              </a:spcBef>
-              <a:spcAft>
-                <a:spcPts val="0"/>
-              </a:spcAft>
-              <a:buClr>
-                <a:srgbClr val="000000"/>
-              </a:buClr>
-              <a:buSzPts val="1100"/>
-              <a:buFont typeface="Arial"/>
-              <a:buChar char="●"/>
-            </a:pPr>
-            <a:r>
-              <a:rPr lang="en"/>
-              <a:t>Median household income: mhi_2018.</a:t>
-            </a:r>
-            <a:endParaRPr/>
-          </a:p>
-          <a:p>
-            <a:pPr indent="-298450" lvl="0" marL="457200" rtl="0" algn="l">
-              <a:lnSpc>
-                <a:spcPct val="115000"/>
-              </a:lnSpc>
-              <a:spcBef>
-                <a:spcPts val="0"/>
-              </a:spcBef>
-              <a:spcAft>
-                <a:spcPts val="0"/>
-              </a:spcAft>
-              <a:buClr>
-                <a:srgbClr val="000000"/>
-              </a:buClr>
-              <a:buSzPts val="1100"/>
-              <a:buFont typeface="Arial"/>
-              <a:buChar char="●"/>
-            </a:pPr>
-            <a:r>
-              <a:rPr lang="en"/>
-              <a:t>Total population: total_pop.</a:t>
-            </a:r>
-            <a:endParaRPr/>
-          </a:p>
-          <a:p>
-            <a:pPr indent="-298450" lvl="0" marL="457200" rtl="0" algn="l">
-              <a:lnSpc>
-                <a:spcPct val="115000"/>
-              </a:lnSpc>
-              <a:spcBef>
-                <a:spcPts val="0"/>
-              </a:spcBef>
-              <a:spcAft>
-                <a:spcPts val="0"/>
-              </a:spcAft>
-              <a:buClr>
-                <a:srgbClr val="000000"/>
-              </a:buClr>
-              <a:buSzPts val="1100"/>
-              <a:buFont typeface="Arial"/>
-              <a:buChar char="●"/>
-            </a:pPr>
-            <a:r>
-              <a:rPr lang="en"/>
-              <a:t>Childcare costs: mc_infant, mc_toddler, mc_preschool.</a:t>
-            </a:r>
-            <a:endParaRPr/>
-          </a:p>
-          <a:p>
-            <a:pPr indent="0" lvl="0" marL="457200" rtl="0" algn="l">
-              <a:lnSpc>
-                <a:spcPct val="115000"/>
-              </a:lnSpc>
-              <a:spcBef>
-                <a:spcPts val="1200"/>
-              </a:spcBef>
-              <a:spcAft>
-                <a:spcPts val="0"/>
-              </a:spcAft>
-              <a:buNone/>
-            </a:pPr>
-            <a:r>
-              <a:t/>
-            </a:r>
-            <a:endParaRPr/>
-          </a:p>
-          <a:p>
-            <a:pPr indent="0" lvl="0" marL="457200" rtl="0" algn="l">
-              <a:lnSpc>
-                <a:spcPct val="115000"/>
-              </a:lnSpc>
-              <a:spcBef>
-                <a:spcPts val="1200"/>
-              </a:spcBef>
-              <a:spcAft>
-                <a:spcPts val="0"/>
-              </a:spcAft>
-              <a:buNone/>
-            </a:pPr>
-            <a:r>
-              <a:t/>
-            </a:r>
-            <a:endParaRPr/>
-          </a:p>
-          <a:p>
-            <a:pPr indent="0" lvl="0" marL="0" rtl="0" algn="l">
-              <a:spcBef>
-                <a:spcPts val="1200"/>
-              </a:spcBef>
-              <a:spcAft>
-                <a:spcPts val="400"/>
-              </a:spcAft>
-              <a:buNone/>
-            </a:pPr>
-            <a:r>
-              <a:t/>
-            </a:r>
-            <a:endParaRPr/>
-          </a:p>
-        </p:txBody>
-      </p:sp>
-    </p:spTree>
-  </p:cSld>
-  <p:clrMapOvr>
-    <a:masterClrMapping/>
-  </p:clrMapOvr>
-</p:sld>
-</file>
-
-<file path=ppt/slides/slide8.xml><?xml version="1.0" encoding="utf-8"?>
-<p:sld xmlns:a="http://schemas.openxmlformats.org/drawingml/2006/main" xmlns:r="http://schemas.openxmlformats.org/officeDocument/2006/relationships" xmlns:mc="http://schemas.openxmlformats.org/markup-compatibility/2006" xmlns:mv="urn:schemas-microsoft-com:mac:vml" xmlns:p="http://schemas.openxmlformats.org/presentationml/2006/main" xmlns:c="http://schemas.openxmlformats.org/drawingml/2006/chart" xmlns:dgm="http://schemas.openxmlformats.org/drawingml/2006/diagram" xmlns:o="urn:schemas-microsoft-com:office:office" xmlns:v="urn:schemas-microsoft-com:vml" xmlns:pvml="urn:schemas-microsoft-com:office:powerpoint" xmlns:com="http://schemas.openxmlformats.org/drawingml/2006/compatibility" xmlns:p14="http://schemas.microsoft.com/office/powerpoint/2010/main" xmlns:p15="http://schemas.microsoft.com/office/powerpoint/2012/main" xmlns:ahyp="http://schemas.microsoft.com/office/drawing/2018/hyperlinkcolor">
-  <p:cSld>
-    <p:spTree>
-      <p:nvGrpSpPr>
-        <p:cNvPr id="430" name="Shape 430"/>
-        <p:cNvGrpSpPr/>
-        <p:nvPr/>
-      </p:nvGrpSpPr>
-      <p:grpSpPr>
-        <a:xfrm>
-          <a:off x="0" y="0"/>
-          <a:ext cx="0" cy="0"/>
-          <a:chOff x="0" y="0"/>
-          <a:chExt cx="0" cy="0"/>
-        </a:xfrm>
-      </p:grpSpPr>
-      <p:sp>
-        <p:nvSpPr>
-          <p:cNvPr id="431" name="Google Shape;431;p49"/>
+          <p:cNvPr id="438" name="Google Shape;438;p50"/>
           <p:cNvSpPr txBox="1"/>
           <p:nvPr>
             <p:ph type="title"/>
@@ -39984,7 +40379,7 @@
       </p:sp>
       <p:sp>
         <p:nvSpPr>
-          <p:cNvPr id="432" name="Google Shape;432;p49"/>
+          <p:cNvPr id="439" name="Google Shape;439;p50"/>
           <p:cNvSpPr txBox="1"/>
           <p:nvPr>
             <p:ph idx="12" type="sldNum"/>
@@ -40024,7 +40419,7 @@
       </p:sp>
       <p:pic>
         <p:nvPicPr>
-          <p:cNvPr id="433" name="Google Shape;433;p49"/>
+          <p:cNvPr id="440" name="Google Shape;440;p50"/>
           <p:cNvPicPr preferRelativeResize="0"/>
           <p:nvPr/>
         </p:nvPicPr>
@@ -40052,7 +40447,7 @@
       </p:pic>
       <p:pic>
         <p:nvPicPr>
-          <p:cNvPr id="434" name="Google Shape;434;p49"/>
+          <p:cNvPr id="441" name="Google Shape;441;p50"/>
           <p:cNvPicPr preferRelativeResize="0"/>
           <p:nvPr/>
         </p:nvPicPr>
@@ -40086,211 +40481,286 @@
 </p:sld>
 </file>
 
-<file path=ppt/slides/slide9.xml><?xml version="1.0" encoding="utf-8"?>
-<p:sld xmlns:a="http://schemas.openxmlformats.org/drawingml/2006/main" xmlns:r="http://schemas.openxmlformats.org/officeDocument/2006/relationships" xmlns:mc="http://schemas.openxmlformats.org/markup-compatibility/2006" xmlns:mv="urn:schemas-microsoft-com:mac:vml" xmlns:p="http://schemas.openxmlformats.org/presentationml/2006/main" xmlns:c="http://schemas.openxmlformats.org/drawingml/2006/chart" xmlns:dgm="http://schemas.openxmlformats.org/drawingml/2006/diagram" xmlns:o="urn:schemas-microsoft-com:office:office" xmlns:v="urn:schemas-microsoft-com:vml" xmlns:pvml="urn:schemas-microsoft-com:office:powerpoint" xmlns:com="http://schemas.openxmlformats.org/drawingml/2006/compatibility" xmlns:p14="http://schemas.microsoft.com/office/powerpoint/2010/main" xmlns:p15="http://schemas.microsoft.com/office/powerpoint/2012/main" xmlns:ahyp="http://schemas.microsoft.com/office/drawing/2018/hyperlinkcolor">
-  <p:cSld>
-    <p:spTree>
-      <p:nvGrpSpPr>
-        <p:cNvPr id="438" name="Shape 438"/>
-        <p:cNvGrpSpPr/>
-        <p:nvPr/>
-      </p:nvGrpSpPr>
-      <p:grpSpPr>
-        <a:xfrm>
-          <a:off x="0" y="0"/>
-          <a:ext cx="0" cy="0"/>
-          <a:chOff x="0" y="0"/>
-          <a:chExt cx="0" cy="0"/>
-        </a:xfrm>
-      </p:grpSpPr>
-      <p:sp>
-        <p:nvSpPr>
-          <p:cNvPr id="439" name="Google Shape;439;p50"/>
-          <p:cNvSpPr txBox="1"/>
-          <p:nvPr>
-            <p:ph type="title"/>
-          </p:nvPr>
-        </p:nvSpPr>
-        <p:spPr>
-          <a:xfrm>
-            <a:off x="342900" y="84475"/>
-            <a:ext cx="8653200" cy="1341000"/>
-          </a:xfrm>
-          <a:prstGeom prst="rect">
-            <a:avLst/>
-          </a:prstGeom>
-        </p:spPr>
-        <p:txBody>
-          <a:bodyPr anchorCtr="0" anchor="ctr" bIns="91425" lIns="91425" spcFirstLastPara="1" rIns="91425" wrap="square" tIns="91425">
-            <a:noAutofit/>
-          </a:bodyPr>
-          <a:lstStyle/>
-          <a:p>
-            <a:pPr indent="0" lvl="0" marL="0" rtl="0" algn="l">
-              <a:spcBef>
-                <a:spcPts val="0"/>
-              </a:spcBef>
-              <a:spcAft>
-                <a:spcPts val="0"/>
-              </a:spcAft>
-              <a:buNone/>
-            </a:pPr>
-            <a:r>
-              <a:t/>
-            </a:r>
-            <a:endParaRPr b="1" sz="600">
-              <a:solidFill>
-                <a:srgbClr val="000000"/>
-              </a:solidFill>
-              <a:latin typeface="Times New Roman"/>
-              <a:ea typeface="Times New Roman"/>
-              <a:cs typeface="Times New Roman"/>
-              <a:sym typeface="Times New Roman"/>
-            </a:endParaRPr>
-          </a:p>
-          <a:p>
-            <a:pPr indent="0" lvl="0" marL="0" rtl="0" algn="l">
-              <a:spcBef>
-                <a:spcPts val="0"/>
-              </a:spcBef>
-              <a:spcAft>
-                <a:spcPts val="0"/>
-              </a:spcAft>
-              <a:buNone/>
-            </a:pPr>
-            <a:r>
-              <a:rPr b="1" lang="en" sz="4000">
-                <a:latin typeface="IBM Plex Sans"/>
-                <a:ea typeface="IBM Plex Sans"/>
-                <a:cs typeface="IBM Plex Sans"/>
-                <a:sym typeface="IBM Plex Sans"/>
-              </a:rPr>
-              <a:t>UNIVARIATE ANALYSIS</a:t>
-            </a:r>
-            <a:endParaRPr b="1" sz="4000">
-              <a:latin typeface="IBM Plex Sans"/>
-              <a:ea typeface="IBM Plex Sans"/>
-              <a:cs typeface="IBM Plex Sans"/>
-              <a:sym typeface="IBM Plex Sans"/>
-            </a:endParaRPr>
-          </a:p>
-        </p:txBody>
-      </p:sp>
-      <p:sp>
-        <p:nvSpPr>
-          <p:cNvPr id="440" name="Google Shape;440;p50"/>
-          <p:cNvSpPr txBox="1"/>
-          <p:nvPr>
-            <p:ph idx="12" type="sldNum"/>
-          </p:nvPr>
-        </p:nvSpPr>
-        <p:spPr>
-          <a:xfrm>
-            <a:off x="8229600" y="4799170"/>
-            <a:ext cx="457200" cy="273900"/>
-          </a:xfrm>
-          <a:prstGeom prst="rect">
-            <a:avLst/>
-          </a:prstGeom>
-        </p:spPr>
-        <p:txBody>
-          <a:bodyPr anchorCtr="0" anchor="ctr" bIns="91425" lIns="91425" spcFirstLastPara="1" rIns="91425" wrap="square" tIns="91425">
-            <a:noAutofit/>
-          </a:bodyPr>
-          <a:lstStyle/>
-          <a:p>
-            <a:pPr indent="0" lvl="0" marL="0" rtl="0" algn="r">
-              <a:spcBef>
-                <a:spcPts val="0"/>
-              </a:spcBef>
-              <a:spcAft>
-                <a:spcPts val="0"/>
-              </a:spcAft>
-              <a:buNone/>
-            </a:pPr>
-            <a:fld id="{00000000-1234-1234-1234-123412341234}" type="slidenum">
-              <a:rPr lang="en"/>
-              <a:t>‹#›</a:t>
-            </a:fld>
-            <a:endParaRPr/>
-          </a:p>
-        </p:txBody>
-      </p:sp>
-      <p:sp>
-        <p:nvSpPr>
-          <p:cNvPr id="441" name="Google Shape;441;p50"/>
-          <p:cNvSpPr txBox="1"/>
-          <p:nvPr>
-            <p:ph idx="2" type="subTitle"/>
-          </p:nvPr>
-        </p:nvSpPr>
-        <p:spPr>
-          <a:xfrm>
-            <a:off x="400050" y="1358275"/>
-            <a:ext cx="8343900" cy="3666900"/>
-          </a:xfrm>
-          <a:prstGeom prst="rect">
-            <a:avLst/>
-          </a:prstGeom>
-        </p:spPr>
-        <p:txBody>
-          <a:bodyPr anchorCtr="0" anchor="ctr" bIns="91425" lIns="91425" spcFirstLastPara="1" rIns="91425" wrap="square" tIns="91425">
-            <a:noAutofit/>
-          </a:bodyPr>
-          <a:lstStyle/>
-          <a:p>
-            <a:pPr indent="0" lvl="0" marL="0" rtl="0" algn="l">
-              <a:spcBef>
-                <a:spcPts val="0"/>
-              </a:spcBef>
-              <a:spcAft>
-                <a:spcPts val="400"/>
-              </a:spcAft>
-              <a:buNone/>
-            </a:pPr>
-            <a:r>
-              <a:t/>
-            </a:r>
-            <a:endParaRPr/>
-          </a:p>
-        </p:txBody>
-      </p:sp>
-      <p:pic>
-        <p:nvPicPr>
-          <p:cNvPr id="442" name="Google Shape;442;p50"/>
-          <p:cNvPicPr preferRelativeResize="0"/>
-          <p:nvPr/>
-        </p:nvPicPr>
-        <p:blipFill rotWithShape="1">
-          <a:blip r:embed="rId3">
-            <a:alphaModFix/>
-          </a:blip>
-          <a:srcRect b="0" l="0" r="6725" t="0"/>
-          <a:stretch/>
-        </p:blipFill>
-        <p:spPr>
-          <a:xfrm>
-            <a:off x="392150" y="1168525"/>
-            <a:ext cx="5060949" cy="3525551"/>
-          </a:xfrm>
-          <a:prstGeom prst="rect">
-            <a:avLst/>
-          </a:prstGeom>
-          <a:noFill/>
-          <a:ln>
-            <a:noFill/>
-          </a:ln>
-        </p:spPr>
-      </p:pic>
-    </p:spTree>
-  </p:cSld>
-  <p:clrMapOvr>
-    <a:masterClrMapping/>
-  </p:clrMapOvr>
-</p:sld>
+<file path=ppt/theme/theme1.xml><?xml version="1.0" encoding="utf-8"?>
+<a:theme xmlns:a="http://schemas.openxmlformats.org/drawingml/2006/main" xmlns:r="http://schemas.openxmlformats.org/officeDocument/2006/relationships">
+  <a:themeElements>
+    <a:clrScheme name="Default">
+      <a:dk1>
+        <a:srgbClr val="000000"/>
+      </a:dk1>
+      <a:lt1>
+        <a:srgbClr val="FFFFFF"/>
+      </a:lt1>
+      <a:dk2>
+        <a:srgbClr val="158158"/>
+      </a:dk2>
+      <a:lt2>
+        <a:srgbClr val="F3F3F3"/>
+      </a:lt2>
+      <a:accent1>
+        <a:srgbClr val="058DC7"/>
+      </a:accent1>
+      <a:accent2>
+        <a:srgbClr val="50B432"/>
+      </a:accent2>
+      <a:accent3>
+        <a:srgbClr val="ED561B"/>
+      </a:accent3>
+      <a:accent4>
+        <a:srgbClr val="EDEF00"/>
+      </a:accent4>
+      <a:accent5>
+        <a:srgbClr val="24CBE5"/>
+      </a:accent5>
+      <a:accent6>
+        <a:srgbClr val="64E572"/>
+      </a:accent6>
+      <a:hlink>
+        <a:srgbClr val="2200CC"/>
+      </a:hlink>
+      <a:folHlink>
+        <a:srgbClr val="551A8B"/>
+      </a:folHlink>
+    </a:clrScheme>
+    <a:fontScheme name="Office">
+      <a:majorFont>
+        <a:latin typeface="Arial"/>
+        <a:ea typeface=""/>
+        <a:cs typeface=""/>
+        <a:font script="Jpan" typeface="ＭＳ Ｐゴシック"/>
+        <a:font script="Hang" typeface="맑은 고딕"/>
+        <a:font script="Hans" typeface="宋体"/>
+        <a:font script="Hant" typeface="新細明體"/>
+        <a:font script="Arab" typeface="Times New Roman"/>
+        <a:font script="Hebr" typeface="Times New Roman"/>
+        <a:font script="Thai" typeface="Angsana New"/>
+        <a:font script="Ethi" typeface="Nyala"/>
+        <a:font script="Beng" typeface="Vrinda"/>
+        <a:font script="Gujr" typeface="Shruti"/>
+        <a:font script="Khmr" typeface="MoolBoran"/>
+        <a:font script="Knda" typeface="Tunga"/>
+        <a:font script="Guru" typeface="Raavi"/>
+        <a:font script="Cans" typeface="Euphemia"/>
+        <a:font script="Cher" typeface="Plantagenet Cherokee"/>
+        <a:font script="Yiii" typeface="Microsoft Yi Baiti"/>
+        <a:font script="Tibt" typeface="Microsoft Himalaya"/>
+        <a:font script="Thaa" typeface="MV Boli"/>
+        <a:font script="Deva" typeface="Mangal"/>
+        <a:font script="Telu" typeface="Gautami"/>
+        <a:font script="Taml" typeface="Latha"/>
+        <a:font script="Syrc" typeface="Estrangelo Edessa"/>
+        <a:font script="Orya" typeface="Kalinga"/>
+        <a:font script="Mlym" typeface="Kartika"/>
+        <a:font script="Laoo" typeface="DokChampa"/>
+        <a:font script="Sinh" typeface="Iskoola Pota"/>
+        <a:font script="Mong" typeface="Mongolian Baiti"/>
+        <a:font script="Viet" typeface="Times New Roman"/>
+        <a:font script="Uigh" typeface="Microsoft Uighur"/>
+        <a:font script="Geor" typeface="Sylfaen"/>
+      </a:majorFont>
+      <a:minorFont>
+        <a:latin typeface="Arial"/>
+        <a:ea typeface=""/>
+        <a:cs typeface=""/>
+        <a:font script="Jpan" typeface="ＭＳ Ｐゴシック"/>
+        <a:font script="Hang" typeface="맑은 고딕"/>
+        <a:font script="Hans" typeface="宋体"/>
+        <a:font script="Hant" typeface="新細明體"/>
+        <a:font script="Arab" typeface="Arial"/>
+        <a:font script="Hebr" typeface="Arial"/>
+        <a:font script="Thai" typeface="Cordia New"/>
+        <a:font script="Ethi" typeface="Nyala"/>
+        <a:font script="Beng" typeface="Vrinda"/>
+        <a:font script="Gujr" typeface="Shruti"/>
+        <a:font script="Khmr" typeface="DaunPenh"/>
+        <a:font script="Knda" typeface="Tunga"/>
+        <a:font script="Guru" typeface="Raavi"/>
+        <a:font script="Cans" typeface="Euphemia"/>
+        <a:font script="Cher" typeface="Plantagenet Cherokee"/>
+        <a:font script="Yiii" typeface="Microsoft Yi Baiti"/>
+        <a:font script="Tibt" typeface="Microsoft Himalaya"/>
+        <a:font script="Thaa" typeface="MV Boli"/>
+        <a:font script="Deva" typeface="Mangal"/>
+        <a:font script="Telu" typeface="Gautami"/>
+        <a:font script="Taml" typeface="Latha"/>
+        <a:font script="Syrc" typeface="Estrangelo Edessa"/>
+        <a:font script="Orya" typeface="Kalinga"/>
+        <a:font script="Mlym" typeface="Kartika"/>
+        <a:font script="Laoo" typeface="DokChampa"/>
+        <a:font script="Sinh" typeface="Iskoola Pota"/>
+        <a:font script="Mong" typeface="Mongolian Baiti"/>
+        <a:font script="Viet" typeface="Arial"/>
+        <a:font script="Uigh" typeface="Microsoft Uighur"/>
+        <a:font script="Geor" typeface="Sylfaen"/>
+      </a:minorFont>
+    </a:fontScheme>
+    <a:fmtScheme name="Office">
+      <a:fillStyleLst>
+        <a:solidFill>
+          <a:schemeClr val="phClr"/>
+        </a:solidFill>
+        <a:gradFill rotWithShape="1">
+          <a:gsLst>
+            <a:gs pos="0">
+              <a:schemeClr val="phClr">
+                <a:tint val="50000"/>
+                <a:satMod val="300000"/>
+              </a:schemeClr>
+            </a:gs>
+            <a:gs pos="35000">
+              <a:schemeClr val="phClr">
+                <a:tint val="37000"/>
+                <a:satMod val="300000"/>
+              </a:schemeClr>
+            </a:gs>
+            <a:gs pos="100000">
+              <a:schemeClr val="phClr">
+                <a:tint val="15000"/>
+                <a:satMod val="350000"/>
+              </a:schemeClr>
+            </a:gs>
+          </a:gsLst>
+          <a:lin ang="16200000" scaled="1"/>
+        </a:gradFill>
+        <a:gradFill rotWithShape="1">
+          <a:gsLst>
+            <a:gs pos="0">
+              <a:schemeClr val="phClr">
+                <a:tint val="100000"/>
+                <a:shade val="100000"/>
+                <a:satMod val="130000"/>
+              </a:schemeClr>
+            </a:gs>
+            <a:gs pos="100000">
+              <a:schemeClr val="phClr">
+                <a:tint val="50000"/>
+                <a:shade val="100000"/>
+                <a:satMod val="350000"/>
+              </a:schemeClr>
+            </a:gs>
+          </a:gsLst>
+          <a:lin ang="16200000" scaled="0"/>
+        </a:gradFill>
+      </a:fillStyleLst>
+      <a:lnStyleLst>
+        <a:ln w="9525" cap="flat" cmpd="sng" algn="ctr">
+          <a:solidFill>
+            <a:schemeClr val="phClr">
+              <a:shade val="95000"/>
+              <a:satMod val="105000"/>
+            </a:schemeClr>
+          </a:solidFill>
+          <a:prstDash val="solid"/>
+        </a:ln>
+        <a:ln w="25400" cap="flat" cmpd="sng" algn="ctr">
+          <a:solidFill>
+            <a:schemeClr val="phClr"/>
+          </a:solidFill>
+          <a:prstDash val="solid"/>
+        </a:ln>
+        <a:ln w="38100" cap="flat" cmpd="sng" algn="ctr">
+          <a:solidFill>
+            <a:schemeClr val="phClr"/>
+          </a:solidFill>
+          <a:prstDash val="solid"/>
+        </a:ln>
+      </a:lnStyleLst>
+      <a:effectStyleLst>
+        <a:effectStyle>
+          <a:effectLst>
+            <a:outerShdw blurRad="40000" dist="20000" dir="5400000" rotWithShape="0">
+              <a:srgbClr val="000000">
+                <a:alpha val="38000"/>
+              </a:srgbClr>
+            </a:outerShdw>
+          </a:effectLst>
+        </a:effectStyle>
+        <a:effectStyle>
+          <a:effectLst>
+            <a:outerShdw blurRad="40000" dist="23000" dir="5400000" rotWithShape="0">
+              <a:srgbClr val="000000">
+                <a:alpha val="35000"/>
+              </a:srgbClr>
+            </a:outerShdw>
+          </a:effectLst>
+        </a:effectStyle>
+        <a:effectStyle>
+          <a:effectLst>
+            <a:outerShdw blurRad="40000" dist="23000" dir="5400000" rotWithShape="0">
+              <a:srgbClr val="000000">
+                <a:alpha val="35000"/>
+              </a:srgbClr>
+            </a:outerShdw>
+          </a:effectLst>
+          <a:scene3d>
+            <a:camera prst="orthographicFront">
+              <a:rot lat="0" lon="0" rev="0"/>
+            </a:camera>
+            <a:lightRig rig="threePt" dir="t">
+              <a:rot lat="0" lon="0" rev="1200000"/>
+            </a:lightRig>
+          </a:scene3d>
+          <a:sp3d>
+            <a:bevelT w="63500" h="25400"/>
+          </a:sp3d>
+        </a:effectStyle>
+      </a:effectStyleLst>
+      <a:bgFillStyleLst>
+        <a:solidFill>
+          <a:schemeClr val="phClr"/>
+        </a:solidFill>
+        <a:gradFill rotWithShape="1">
+          <a:gsLst>
+            <a:gs pos="0">
+              <a:schemeClr val="phClr">
+                <a:tint val="40000"/>
+                <a:satMod val="350000"/>
+              </a:schemeClr>
+            </a:gs>
+            <a:gs pos="40000">
+              <a:schemeClr val="phClr">
+                <a:tint val="45000"/>
+                <a:shade val="99000"/>
+                <a:satMod val="350000"/>
+              </a:schemeClr>
+            </a:gs>
+            <a:gs pos="100000">
+              <a:schemeClr val="phClr">
+                <a:shade val="20000"/>
+                <a:satMod val="255000"/>
+              </a:schemeClr>
+            </a:gs>
+          </a:gsLst>
+          <a:path path="circle">
+            <a:fillToRect l="50000" t="-80000" r="50000" b="180000"/>
+          </a:path>
+        </a:gradFill>
+        <a:gradFill rotWithShape="1">
+          <a:gsLst>
+            <a:gs pos="0">
+              <a:schemeClr val="phClr">
+                <a:tint val="80000"/>
+                <a:satMod val="300000"/>
+              </a:schemeClr>
+            </a:gs>
+            <a:gs pos="100000">
+              <a:schemeClr val="phClr">
+                <a:shade val="30000"/>
+                <a:satMod val="200000"/>
+              </a:schemeClr>
+            </a:gs>
+          </a:gsLst>
+          <a:path path="circle">
+            <a:fillToRect l="50000" t="50000" r="50000" b="50000"/>
+          </a:path>
+        </a:gradFill>
+      </a:bgFillStyleLst>
+    </a:fmtScheme>
+  </a:themeElements>
+</a:theme>
 </file>
 
-<file path=ppt/theme/theme1.xml><?xml version="1.0" encoding="utf-8"?>
+<file path=ppt/theme/theme2.xml><?xml version="1.0" encoding="utf-8"?>
 <a:theme xmlns:a="http://schemas.openxmlformats.org/drawingml/2006/main" xmlns:r="http://schemas.openxmlformats.org/officeDocument/2006/relationships" name="Proposal for New Client">
   <a:themeElements>
     <a:clrScheme name="Simple Light">
@@ -40567,283 +41037,4 @@
     </a:fmtScheme>
   </a:themeElements>
 </a:theme>
-</file>
-
-<file path=ppt/theme/theme2.xml><?xml version="1.0" encoding="utf-8"?>
-<a:theme xmlns:a="http://schemas.openxmlformats.org/drawingml/2006/main" xmlns:r="http://schemas.openxmlformats.org/officeDocument/2006/relationships">
-  <a:themeElements>
-    <a:clrScheme name="Default">
-      <a:dk1>
-        <a:srgbClr val="000000"/>
-      </a:dk1>
-      <a:lt1>
-        <a:srgbClr val="FFFFFF"/>
-      </a:lt1>
-      <a:dk2>
-        <a:srgbClr val="158158"/>
-      </a:dk2>
-      <a:lt2>
-        <a:srgbClr val="F3F3F3"/>
-      </a:lt2>
-      <a:accent1>
-        <a:srgbClr val="058DC7"/>
-      </a:accent1>
-      <a:accent2>
-        <a:srgbClr val="50B432"/>
-      </a:accent2>
-      <a:accent3>
-        <a:srgbClr val="ED561B"/>
-      </a:accent3>
-      <a:accent4>
-        <a:srgbClr val="EDEF00"/>
-      </a:accent4>
-      <a:accent5>
-        <a:srgbClr val="24CBE5"/>
-      </a:accent5>
-      <a:accent6>
-        <a:srgbClr val="64E572"/>
-      </a:accent6>
-      <a:hlink>
-        <a:srgbClr val="2200CC"/>
-      </a:hlink>
-      <a:folHlink>
-        <a:srgbClr val="551A8B"/>
-      </a:folHlink>
-    </a:clrScheme>
-    <a:fontScheme name="Office">
-      <a:majorFont>
-        <a:latin typeface="Arial"/>
-        <a:ea typeface=""/>
-        <a:cs typeface=""/>
-        <a:font script="Jpan" typeface="ＭＳ Ｐゴシック"/>
-        <a:font script="Hang" typeface="맑은 고딕"/>
-        <a:font script="Hans" typeface="宋体"/>
-        <a:font script="Hant" typeface="新細明體"/>
-        <a:font script="Arab" typeface="Times New Roman"/>
-        <a:font script="Hebr" typeface="Times New Roman"/>
-        <a:font script="Thai" typeface="Angsana New"/>
-        <a:font script="Ethi" typeface="Nyala"/>
-        <a:font script="Beng" typeface="Vrinda"/>
-        <a:font script="Gujr" typeface="Shruti"/>
-        <a:font script="Khmr" typeface="MoolBoran"/>
-        <a:font script="Knda" typeface="Tunga"/>
-        <a:font script="Guru" typeface="Raavi"/>
-        <a:font script="Cans" typeface="Euphemia"/>
-        <a:font script="Cher" typeface="Plantagenet Cherokee"/>
-        <a:font script="Yiii" typeface="Microsoft Yi Baiti"/>
-        <a:font script="Tibt" typeface="Microsoft Himalaya"/>
-        <a:font script="Thaa" typeface="MV Boli"/>
-        <a:font script="Deva" typeface="Mangal"/>
-        <a:font script="Telu" typeface="Gautami"/>
-        <a:font script="Taml" typeface="Latha"/>
-        <a:font script="Syrc" typeface="Estrangelo Edessa"/>
-        <a:font script="Orya" typeface="Kalinga"/>
-        <a:font script="Mlym" typeface="Kartika"/>
-        <a:font script="Laoo" typeface="DokChampa"/>
-        <a:font script="Sinh" typeface="Iskoola Pota"/>
-        <a:font script="Mong" typeface="Mongolian Baiti"/>
-        <a:font script="Viet" typeface="Times New Roman"/>
-        <a:font script="Uigh" typeface="Microsoft Uighur"/>
-        <a:font script="Geor" typeface="Sylfaen"/>
-      </a:majorFont>
-      <a:minorFont>
-        <a:latin typeface="Arial"/>
-        <a:ea typeface=""/>
-        <a:cs typeface=""/>
-        <a:font script="Jpan" typeface="ＭＳ Ｐゴシック"/>
-        <a:font script="Hang" typeface="맑은 고딕"/>
-        <a:font script="Hans" typeface="宋体"/>
-        <a:font script="Hant" typeface="新細明體"/>
-        <a:font script="Arab" typeface="Arial"/>
-        <a:font script="Hebr" typeface="Arial"/>
-        <a:font script="Thai" typeface="Cordia New"/>
-        <a:font script="Ethi" typeface="Nyala"/>
-        <a:font script="Beng" typeface="Vrinda"/>
-        <a:font script="Gujr" typeface="Shruti"/>
-        <a:font script="Khmr" typeface="DaunPenh"/>
-        <a:font script="Knda" typeface="Tunga"/>
-        <a:font script="Guru" typeface="Raavi"/>
-        <a:font script="Cans" typeface="Euphemia"/>
-        <a:font script="Cher" typeface="Plantagenet Cherokee"/>
-        <a:font script="Yiii" typeface="Microsoft Yi Baiti"/>
-        <a:font script="Tibt" typeface="Microsoft Himalaya"/>
-        <a:font script="Thaa" typeface="MV Boli"/>
-        <a:font script="Deva" typeface="Mangal"/>
-        <a:font script="Telu" typeface="Gautami"/>
-        <a:font script="Taml" typeface="Latha"/>
-        <a:font script="Syrc" typeface="Estrangelo Edessa"/>
-        <a:font script="Orya" typeface="Kalinga"/>
-        <a:font script="Mlym" typeface="Kartika"/>
-        <a:font script="Laoo" typeface="DokChampa"/>
-        <a:font script="Sinh" typeface="Iskoola Pota"/>
-        <a:font script="Mong" typeface="Mongolian Baiti"/>
-        <a:font script="Viet" typeface="Arial"/>
-        <a:font script="Uigh" typeface="Microsoft Uighur"/>
-        <a:font script="Geor" typeface="Sylfaen"/>
-      </a:minorFont>
-    </a:fontScheme>
-    <a:fmtScheme name="Office">
-      <a:fillStyleLst>
-        <a:solidFill>
-          <a:schemeClr val="phClr"/>
-        </a:solidFill>
-        <a:gradFill rotWithShape="1">
-          <a:gsLst>
-            <a:gs pos="0">
-              <a:schemeClr val="phClr">
-                <a:tint val="50000"/>
-                <a:satMod val="300000"/>
-              </a:schemeClr>
-            </a:gs>
-            <a:gs pos="35000">
-              <a:schemeClr val="phClr">
-                <a:tint val="37000"/>
-                <a:satMod val="300000"/>
-              </a:schemeClr>
-            </a:gs>
-            <a:gs pos="100000">
-              <a:schemeClr val="phClr">
-                <a:tint val="15000"/>
-                <a:satMod val="350000"/>
-              </a:schemeClr>
-            </a:gs>
-          </a:gsLst>
-          <a:lin ang="16200000" scaled="1"/>
-        </a:gradFill>
-        <a:gradFill rotWithShape="1">
-          <a:gsLst>
-            <a:gs pos="0">
-              <a:schemeClr val="phClr">
-                <a:tint val="100000"/>
-                <a:shade val="100000"/>
-                <a:satMod val="130000"/>
-              </a:schemeClr>
-            </a:gs>
-            <a:gs pos="100000">
-              <a:schemeClr val="phClr">
-                <a:tint val="50000"/>
-                <a:shade val="100000"/>
-                <a:satMod val="350000"/>
-              </a:schemeClr>
-            </a:gs>
-          </a:gsLst>
-          <a:lin ang="16200000" scaled="0"/>
-        </a:gradFill>
-      </a:fillStyleLst>
-      <a:lnStyleLst>
-        <a:ln w="9525" cap="flat" cmpd="sng" algn="ctr">
-          <a:solidFill>
-            <a:schemeClr val="phClr">
-              <a:shade val="95000"/>
-              <a:satMod val="105000"/>
-            </a:schemeClr>
-          </a:solidFill>
-          <a:prstDash val="solid"/>
-        </a:ln>
-        <a:ln w="25400" cap="flat" cmpd="sng" algn="ctr">
-          <a:solidFill>
-            <a:schemeClr val="phClr"/>
-          </a:solidFill>
-          <a:prstDash val="solid"/>
-        </a:ln>
-        <a:ln w="38100" cap="flat" cmpd="sng" algn="ctr">
-          <a:solidFill>
-            <a:schemeClr val="phClr"/>
-          </a:solidFill>
-          <a:prstDash val="solid"/>
-        </a:ln>
-      </a:lnStyleLst>
-      <a:effectStyleLst>
-        <a:effectStyle>
-          <a:effectLst>
-            <a:outerShdw blurRad="40000" dist="20000" dir="5400000" rotWithShape="0">
-              <a:srgbClr val="000000">
-                <a:alpha val="38000"/>
-              </a:srgbClr>
-            </a:outerShdw>
-          </a:effectLst>
-        </a:effectStyle>
-        <a:effectStyle>
-          <a:effectLst>
-            <a:outerShdw blurRad="40000" dist="23000" dir="5400000" rotWithShape="0">
-              <a:srgbClr val="000000">
-                <a:alpha val="35000"/>
-              </a:srgbClr>
-            </a:outerShdw>
-          </a:effectLst>
-        </a:effectStyle>
-        <a:effectStyle>
-          <a:effectLst>
-            <a:outerShdw blurRad="40000" dist="23000" dir="5400000" rotWithShape="0">
-              <a:srgbClr val="000000">
-                <a:alpha val="35000"/>
-              </a:srgbClr>
-            </a:outerShdw>
-          </a:effectLst>
-          <a:scene3d>
-            <a:camera prst="orthographicFront">
-              <a:rot lat="0" lon="0" rev="0"/>
-            </a:camera>
-            <a:lightRig rig="threePt" dir="t">
-              <a:rot lat="0" lon="0" rev="1200000"/>
-            </a:lightRig>
-          </a:scene3d>
-          <a:sp3d>
-            <a:bevelT w="63500" h="25400"/>
-          </a:sp3d>
-        </a:effectStyle>
-      </a:effectStyleLst>
-      <a:bgFillStyleLst>
-        <a:solidFill>
-          <a:schemeClr val="phClr"/>
-        </a:solidFill>
-        <a:gradFill rotWithShape="1">
-          <a:gsLst>
-            <a:gs pos="0">
-              <a:schemeClr val="phClr">
-                <a:tint val="40000"/>
-                <a:satMod val="350000"/>
-              </a:schemeClr>
-            </a:gs>
-            <a:gs pos="40000">
-              <a:schemeClr val="phClr">
-                <a:tint val="45000"/>
-                <a:shade val="99000"/>
-                <a:satMod val="350000"/>
-              </a:schemeClr>
-            </a:gs>
-            <a:gs pos="100000">
-              <a:schemeClr val="phClr">
-                <a:shade val="20000"/>
-                <a:satMod val="255000"/>
-              </a:schemeClr>
-            </a:gs>
-          </a:gsLst>
-          <a:path path="circle">
-            <a:fillToRect l="50000" t="-80000" r="50000" b="180000"/>
-          </a:path>
-        </a:gradFill>
-        <a:gradFill rotWithShape="1">
-          <a:gsLst>
-            <a:gs pos="0">
-              <a:schemeClr val="phClr">
-                <a:tint val="80000"/>
-                <a:satMod val="300000"/>
-              </a:schemeClr>
-            </a:gs>
-            <a:gs pos="100000">
-              <a:schemeClr val="phClr">
-                <a:shade val="30000"/>
-                <a:satMod val="200000"/>
-              </a:schemeClr>
-            </a:gs>
-          </a:gsLst>
-          <a:path path="circle">
-            <a:fillToRect l="50000" t="50000" r="50000" b="50000"/>
-          </a:path>
-        </a:gradFill>
-      </a:bgFillStyleLst>
-    </a:fmtScheme>
-  </a:themeElements>
-</a:theme>
 </file>